--- a/OOP/Pre-lim/Week 2/Lecture/Week2_Constructors_Destructors_PHP - Copy.pptx
+++ b/OOP/Pre-lim/Week 2/Lecture/Week2_Constructors_Destructors_PHP - Copy.pptx
@@ -5,7 +5,7 @@
     <p:sldMasterId id="2147483648" r:id="rId1"/>
   </p:sldMasterIdLst>
   <p:notesMasterIdLst>
-    <p:notesMasterId r:id="rId15"/>
+    <p:notesMasterId r:id="rId10"/>
   </p:notesMasterIdLst>
   <p:sldIdLst>
     <p:sldId id="256" r:id="rId2"/>
@@ -14,13 +14,8 @@
     <p:sldId id="259" r:id="rId5"/>
     <p:sldId id="264" r:id="rId6"/>
     <p:sldId id="261" r:id="rId7"/>
-    <p:sldId id="265" r:id="rId8"/>
-    <p:sldId id="267" r:id="rId9"/>
-    <p:sldId id="268" r:id="rId10"/>
-    <p:sldId id="266" r:id="rId11"/>
-    <p:sldId id="269" r:id="rId12"/>
-    <p:sldId id="270" r:id="rId13"/>
-    <p:sldId id="263" r:id="rId14"/>
+    <p:sldId id="270" r:id="rId8"/>
+    <p:sldId id="263" r:id="rId9"/>
   </p:sldIdLst>
   <p:sldSz cx="9144000" cy="6858000" type="screen4x3"/>
   <p:notesSz cx="6858000" cy="9144000"/>
@@ -1703,788 +1698,6 @@
 </file>
 
 <file path=ppt/diagrams/colors3.xml><?xml version="1.0" encoding="utf-8"?>
-<dgm:colorsDef xmlns:dgm="http://schemas.openxmlformats.org/drawingml/2006/diagram" xmlns:a="http://schemas.openxmlformats.org/drawingml/2006/main" uniqueId="urn:microsoft.com/office/officeart/2005/8/colors/colorful2">
-  <dgm:title val=""/>
-  <dgm:desc val=""/>
-  <dgm:catLst>
-    <dgm:cat type="colorful" pri="10200"/>
-  </dgm:catLst>
-  <dgm:styleLbl name="node0">
-    <dgm:fillClrLst meth="repeat">
-      <a:schemeClr val="accent1"/>
-    </dgm:fillClrLst>
-    <dgm:linClrLst meth="repeat">
-      <a:schemeClr val="lt1"/>
-    </dgm:linClrLst>
-    <dgm:effectClrLst/>
-    <dgm:txLinClrLst/>
-    <dgm:txFillClrLst/>
-    <dgm:txEffectClrLst/>
-  </dgm:styleLbl>
-  <dgm:styleLbl name="node1">
-    <dgm:fillClrLst>
-      <a:schemeClr val="accent2"/>
-      <a:schemeClr val="accent3"/>
-    </dgm:fillClrLst>
-    <dgm:linClrLst meth="repeat">
-      <a:schemeClr val="lt1"/>
-    </dgm:linClrLst>
-    <dgm:effectClrLst/>
-    <dgm:txLinClrLst/>
-    <dgm:txFillClrLst/>
-    <dgm:txEffectClrLst/>
-  </dgm:styleLbl>
-  <dgm:styleLbl name="alignNode1">
-    <dgm:fillClrLst>
-      <a:schemeClr val="accent2"/>
-      <a:schemeClr val="accent3"/>
-    </dgm:fillClrLst>
-    <dgm:linClrLst>
-      <a:schemeClr val="accent2"/>
-      <a:schemeClr val="accent3"/>
-    </dgm:linClrLst>
-    <dgm:effectClrLst/>
-    <dgm:txLinClrLst/>
-    <dgm:txFillClrLst/>
-    <dgm:txEffectClrLst/>
-  </dgm:styleLbl>
-  <dgm:styleLbl name="lnNode1">
-    <dgm:fillClrLst>
-      <a:schemeClr val="accent2"/>
-      <a:schemeClr val="accent3"/>
-    </dgm:fillClrLst>
-    <dgm:linClrLst meth="repeat">
-      <a:schemeClr val="lt1"/>
-    </dgm:linClrLst>
-    <dgm:effectClrLst/>
-    <dgm:txLinClrLst/>
-    <dgm:txFillClrLst/>
-    <dgm:txEffectClrLst/>
-  </dgm:styleLbl>
-  <dgm:styleLbl name="vennNode1">
-    <dgm:fillClrLst>
-      <a:schemeClr val="accent2">
-        <a:alpha val="50000"/>
-      </a:schemeClr>
-      <a:schemeClr val="accent3">
-        <a:alpha val="50000"/>
-      </a:schemeClr>
-    </dgm:fillClrLst>
-    <dgm:linClrLst meth="repeat">
-      <a:schemeClr val="lt1"/>
-    </dgm:linClrLst>
-    <dgm:effectClrLst/>
-    <dgm:txLinClrLst/>
-    <dgm:txFillClrLst/>
-    <dgm:txEffectClrLst/>
-  </dgm:styleLbl>
-  <dgm:styleLbl name="node2">
-    <dgm:fillClrLst>
-      <a:schemeClr val="accent3"/>
-    </dgm:fillClrLst>
-    <dgm:linClrLst meth="repeat">
-      <a:schemeClr val="lt1"/>
-    </dgm:linClrLst>
-    <dgm:effectClrLst/>
-    <dgm:txLinClrLst/>
-    <dgm:txFillClrLst/>
-    <dgm:txEffectClrLst/>
-  </dgm:styleLbl>
-  <dgm:styleLbl name="node3">
-    <dgm:fillClrLst>
-      <a:schemeClr val="accent4"/>
-    </dgm:fillClrLst>
-    <dgm:linClrLst meth="repeat">
-      <a:schemeClr val="lt1"/>
-    </dgm:linClrLst>
-    <dgm:effectClrLst/>
-    <dgm:txLinClrLst/>
-    <dgm:txFillClrLst/>
-    <dgm:txEffectClrLst/>
-  </dgm:styleLbl>
-  <dgm:styleLbl name="node4">
-    <dgm:fillClrLst>
-      <a:schemeClr val="accent5"/>
-    </dgm:fillClrLst>
-    <dgm:linClrLst meth="repeat">
-      <a:schemeClr val="lt1"/>
-    </dgm:linClrLst>
-    <dgm:effectClrLst/>
-    <dgm:txLinClrLst/>
-    <dgm:txFillClrLst/>
-    <dgm:txEffectClrLst/>
-  </dgm:styleLbl>
-  <dgm:styleLbl name="fgImgPlace1">
-    <dgm:fillClrLst>
-      <a:schemeClr val="accent2">
-        <a:tint val="50000"/>
-      </a:schemeClr>
-      <a:schemeClr val="accent3">
-        <a:tint val="50000"/>
-      </a:schemeClr>
-    </dgm:fillClrLst>
-    <dgm:linClrLst meth="repeat">
-      <a:schemeClr val="lt1"/>
-    </dgm:linClrLst>
-    <dgm:effectClrLst/>
-    <dgm:txLinClrLst/>
-    <dgm:txFillClrLst meth="repeat">
-      <a:schemeClr val="lt1"/>
-    </dgm:txFillClrLst>
-    <dgm:txEffectClrLst/>
-  </dgm:styleLbl>
-  <dgm:styleLbl name="alignImgPlace1">
-    <dgm:fillClrLst>
-      <a:schemeClr val="accent2">
-        <a:tint val="50000"/>
-      </a:schemeClr>
-      <a:schemeClr val="accent3">
-        <a:tint val="20000"/>
-      </a:schemeClr>
-    </dgm:fillClrLst>
-    <dgm:linClrLst meth="repeat">
-      <a:schemeClr val="lt1"/>
-    </dgm:linClrLst>
-    <dgm:effectClrLst/>
-    <dgm:txLinClrLst/>
-    <dgm:txFillClrLst meth="repeat">
-      <a:schemeClr val="lt1"/>
-    </dgm:txFillClrLst>
-    <dgm:txEffectClrLst/>
-  </dgm:styleLbl>
-  <dgm:styleLbl name="bgImgPlace1">
-    <dgm:fillClrLst>
-      <a:schemeClr val="accent2">
-        <a:tint val="50000"/>
-      </a:schemeClr>
-      <a:schemeClr val="accent3">
-        <a:tint val="20000"/>
-      </a:schemeClr>
-    </dgm:fillClrLst>
-    <dgm:linClrLst meth="repeat">
-      <a:schemeClr val="lt1"/>
-    </dgm:linClrLst>
-    <dgm:effectClrLst/>
-    <dgm:txLinClrLst/>
-    <dgm:txFillClrLst meth="repeat">
-      <a:schemeClr val="lt1"/>
-    </dgm:txFillClrLst>
-    <dgm:txEffectClrLst/>
-  </dgm:styleLbl>
-  <dgm:styleLbl name="sibTrans2D1">
-    <dgm:fillClrLst>
-      <a:schemeClr val="accent2"/>
-      <a:schemeClr val="accent3"/>
-    </dgm:fillClrLst>
-    <dgm:linClrLst meth="repeat">
-      <a:schemeClr val="lt1"/>
-    </dgm:linClrLst>
-    <dgm:effectClrLst/>
-    <dgm:txLinClrLst/>
-    <dgm:txFillClrLst/>
-    <dgm:txEffectClrLst/>
-  </dgm:styleLbl>
-  <dgm:styleLbl name="fgSibTrans2D1">
-    <dgm:fillClrLst>
-      <a:schemeClr val="accent2"/>
-      <a:schemeClr val="accent3"/>
-    </dgm:fillClrLst>
-    <dgm:linClrLst meth="repeat">
-      <a:schemeClr val="lt1"/>
-    </dgm:linClrLst>
-    <dgm:effectClrLst/>
-    <dgm:txLinClrLst/>
-    <dgm:txFillClrLst meth="repeat">
-      <a:schemeClr val="lt1"/>
-    </dgm:txFillClrLst>
-    <dgm:txEffectClrLst/>
-  </dgm:styleLbl>
-  <dgm:styleLbl name="bgSibTrans2D1">
-    <dgm:fillClrLst>
-      <a:schemeClr val="accent2"/>
-      <a:schemeClr val="accent3"/>
-    </dgm:fillClrLst>
-    <dgm:linClrLst meth="repeat">
-      <a:schemeClr val="lt1"/>
-    </dgm:linClrLst>
-    <dgm:effectClrLst/>
-    <dgm:txLinClrLst/>
-    <dgm:txFillClrLst meth="repeat">
-      <a:schemeClr val="lt1"/>
-    </dgm:txFillClrLst>
-    <dgm:txEffectClrLst/>
-  </dgm:styleLbl>
-  <dgm:styleLbl name="sibTrans1D1">
-    <dgm:fillClrLst/>
-    <dgm:linClrLst>
-      <a:schemeClr val="accent2"/>
-      <a:schemeClr val="accent3"/>
-    </dgm:linClrLst>
-    <dgm:effectClrLst/>
-    <dgm:txLinClrLst/>
-    <dgm:txFillClrLst meth="repeat">
-      <a:schemeClr val="tx1"/>
-    </dgm:txFillClrLst>
-    <dgm:txEffectClrLst/>
-  </dgm:styleLbl>
-  <dgm:styleLbl name="callout">
-    <dgm:fillClrLst meth="repeat">
-      <a:schemeClr val="accent2"/>
-    </dgm:fillClrLst>
-    <dgm:linClrLst meth="repeat">
-      <a:schemeClr val="accent2">
-        <a:tint val="50000"/>
-      </a:schemeClr>
-    </dgm:linClrLst>
-    <dgm:effectClrLst/>
-    <dgm:txLinClrLst/>
-    <dgm:txFillClrLst meth="repeat">
-      <a:schemeClr val="tx1"/>
-    </dgm:txFillClrLst>
-    <dgm:txEffectClrLst/>
-  </dgm:styleLbl>
-  <dgm:styleLbl name="asst0">
-    <dgm:fillClrLst meth="repeat">
-      <a:schemeClr val="accent2"/>
-    </dgm:fillClrLst>
-    <dgm:linClrLst meth="repeat">
-      <a:schemeClr val="lt1">
-        <a:shade val="80000"/>
-      </a:schemeClr>
-    </dgm:linClrLst>
-    <dgm:effectClrLst/>
-    <dgm:txLinClrLst/>
-    <dgm:txFillClrLst/>
-    <dgm:txEffectClrLst/>
-  </dgm:styleLbl>
-  <dgm:styleLbl name="asst1">
-    <dgm:fillClrLst meth="repeat">
-      <a:schemeClr val="accent3"/>
-    </dgm:fillClrLst>
-    <dgm:linClrLst meth="repeat">
-      <a:schemeClr val="lt1">
-        <a:shade val="80000"/>
-      </a:schemeClr>
-    </dgm:linClrLst>
-    <dgm:effectClrLst/>
-    <dgm:txLinClrLst/>
-    <dgm:txFillClrLst/>
-    <dgm:txEffectClrLst/>
-  </dgm:styleLbl>
-  <dgm:styleLbl name="asst2">
-    <dgm:fillClrLst>
-      <a:schemeClr val="accent4"/>
-    </dgm:fillClrLst>
-    <dgm:linClrLst meth="repeat">
-      <a:schemeClr val="lt1"/>
-    </dgm:linClrLst>
-    <dgm:effectClrLst/>
-    <dgm:txLinClrLst/>
-    <dgm:txFillClrLst/>
-    <dgm:txEffectClrLst/>
-  </dgm:styleLbl>
-  <dgm:styleLbl name="asst3">
-    <dgm:fillClrLst>
-      <a:schemeClr val="accent5"/>
-    </dgm:fillClrLst>
-    <dgm:linClrLst meth="repeat">
-      <a:schemeClr val="lt1"/>
-    </dgm:linClrLst>
-    <dgm:effectClrLst/>
-    <dgm:txLinClrLst/>
-    <dgm:txFillClrLst/>
-    <dgm:txEffectClrLst/>
-  </dgm:styleLbl>
-  <dgm:styleLbl name="asst4">
-    <dgm:fillClrLst>
-      <a:schemeClr val="accent6"/>
-    </dgm:fillClrLst>
-    <dgm:linClrLst meth="repeat">
-      <a:schemeClr val="lt1"/>
-    </dgm:linClrLst>
-    <dgm:effectClrLst/>
-    <dgm:txLinClrLst/>
-    <dgm:txFillClrLst/>
-    <dgm:txEffectClrLst/>
-  </dgm:styleLbl>
-  <dgm:styleLbl name="parChTrans2D1">
-    <dgm:fillClrLst meth="repeat">
-      <a:schemeClr val="accent2"/>
-    </dgm:fillClrLst>
-    <dgm:linClrLst meth="repeat">
-      <a:schemeClr val="lt1"/>
-    </dgm:linClrLst>
-    <dgm:effectClrLst/>
-    <dgm:txLinClrLst/>
-    <dgm:txFillClrLst meth="repeat">
-      <a:schemeClr val="lt1"/>
-    </dgm:txFillClrLst>
-    <dgm:txEffectClrLst/>
-  </dgm:styleLbl>
-  <dgm:styleLbl name="parChTrans2D2">
-    <dgm:fillClrLst meth="repeat">
-      <a:schemeClr val="accent3"/>
-    </dgm:fillClrLst>
-    <dgm:linClrLst meth="repeat">
-      <a:schemeClr val="lt1"/>
-    </dgm:linClrLst>
-    <dgm:effectClrLst/>
-    <dgm:txLinClrLst/>
-    <dgm:txFillClrLst/>
-    <dgm:txEffectClrLst/>
-  </dgm:styleLbl>
-  <dgm:styleLbl name="parChTrans2D3">
-    <dgm:fillClrLst meth="repeat">
-      <a:schemeClr val="accent4"/>
-    </dgm:fillClrLst>
-    <dgm:linClrLst meth="repeat">
-      <a:schemeClr val="lt1"/>
-    </dgm:linClrLst>
-    <dgm:effectClrLst/>
-    <dgm:txLinClrLst/>
-    <dgm:txFillClrLst/>
-    <dgm:txEffectClrLst/>
-  </dgm:styleLbl>
-  <dgm:styleLbl name="parChTrans2D4">
-    <dgm:fillClrLst meth="repeat">
-      <a:schemeClr val="accent5"/>
-    </dgm:fillClrLst>
-    <dgm:linClrLst meth="repeat">
-      <a:schemeClr val="lt1"/>
-    </dgm:linClrLst>
-    <dgm:effectClrLst/>
-    <dgm:txLinClrLst/>
-    <dgm:txFillClrLst meth="repeat">
-      <a:schemeClr val="lt1"/>
-    </dgm:txFillClrLst>
-    <dgm:txEffectClrLst/>
-  </dgm:styleLbl>
-  <dgm:styleLbl name="parChTrans1D1">
-    <dgm:fillClrLst meth="repeat">
-      <a:schemeClr val="accent2"/>
-    </dgm:fillClrLst>
-    <dgm:linClrLst meth="repeat">
-      <a:schemeClr val="accent2"/>
-    </dgm:linClrLst>
-    <dgm:effectClrLst/>
-    <dgm:txLinClrLst/>
-    <dgm:txFillClrLst meth="repeat">
-      <a:schemeClr val="tx1"/>
-    </dgm:txFillClrLst>
-    <dgm:txEffectClrLst/>
-  </dgm:styleLbl>
-  <dgm:styleLbl name="parChTrans1D2">
-    <dgm:fillClrLst meth="repeat">
-      <a:schemeClr val="accent2">
-        <a:tint val="90000"/>
-      </a:schemeClr>
-    </dgm:fillClrLst>
-    <dgm:linClrLst meth="repeat">
-      <a:schemeClr val="accent3"/>
-    </dgm:linClrLst>
-    <dgm:effectClrLst/>
-    <dgm:txLinClrLst/>
-    <dgm:txFillClrLst meth="repeat">
-      <a:schemeClr val="tx1"/>
-    </dgm:txFillClrLst>
-    <dgm:txEffectClrLst/>
-  </dgm:styleLbl>
-  <dgm:styleLbl name="parChTrans1D3">
-    <dgm:fillClrLst meth="repeat">
-      <a:schemeClr val="accent2">
-        <a:tint val="70000"/>
-      </a:schemeClr>
-    </dgm:fillClrLst>
-    <dgm:linClrLst meth="repeat">
-      <a:schemeClr val="accent4"/>
-    </dgm:linClrLst>
-    <dgm:effectClrLst/>
-    <dgm:txLinClrLst/>
-    <dgm:txFillClrLst meth="repeat">
-      <a:schemeClr val="tx1"/>
-    </dgm:txFillClrLst>
-    <dgm:txEffectClrLst/>
-  </dgm:styleLbl>
-  <dgm:styleLbl name="parChTrans1D4">
-    <dgm:fillClrLst meth="repeat">
-      <a:schemeClr val="accent2">
-        <a:tint val="50000"/>
-      </a:schemeClr>
-    </dgm:fillClrLst>
-    <dgm:linClrLst meth="repeat">
-      <a:schemeClr val="accent5"/>
-    </dgm:linClrLst>
-    <dgm:effectClrLst/>
-    <dgm:txLinClrLst/>
-    <dgm:txFillClrLst meth="repeat">
-      <a:schemeClr val="tx1"/>
-    </dgm:txFillClrLst>
-    <dgm:txEffectClrLst/>
-  </dgm:styleLbl>
-  <dgm:styleLbl name="fgAcc1">
-    <dgm:fillClrLst meth="repeat">
-      <a:schemeClr val="lt1">
-        <a:alpha val="90000"/>
-      </a:schemeClr>
-    </dgm:fillClrLst>
-    <dgm:linClrLst>
-      <a:schemeClr val="accent2"/>
-      <a:schemeClr val="accent3"/>
-    </dgm:linClrLst>
-    <dgm:effectClrLst/>
-    <dgm:txLinClrLst/>
-    <dgm:txFillClrLst meth="repeat">
-      <a:schemeClr val="dk1"/>
-    </dgm:txFillClrLst>
-    <dgm:txEffectClrLst/>
-  </dgm:styleLbl>
-  <dgm:styleLbl name="conFgAcc1">
-    <dgm:fillClrLst meth="repeat">
-      <a:schemeClr val="lt1">
-        <a:alpha val="90000"/>
-      </a:schemeClr>
-    </dgm:fillClrLst>
-    <dgm:linClrLst>
-      <a:schemeClr val="accent2"/>
-      <a:schemeClr val="accent3"/>
-    </dgm:linClrLst>
-    <dgm:effectClrLst/>
-    <dgm:txLinClrLst/>
-    <dgm:txFillClrLst meth="repeat">
-      <a:schemeClr val="dk1"/>
-    </dgm:txFillClrLst>
-    <dgm:txEffectClrLst/>
-  </dgm:styleLbl>
-  <dgm:styleLbl name="alignAcc1">
-    <dgm:fillClrLst meth="repeat">
-      <a:schemeClr val="lt1">
-        <a:alpha val="90000"/>
-      </a:schemeClr>
-    </dgm:fillClrLst>
-    <dgm:linClrLst>
-      <a:schemeClr val="accent2"/>
-      <a:schemeClr val="accent3"/>
-    </dgm:linClrLst>
-    <dgm:effectClrLst/>
-    <dgm:txLinClrLst/>
-    <dgm:txFillClrLst meth="repeat">
-      <a:schemeClr val="dk1"/>
-    </dgm:txFillClrLst>
-    <dgm:txEffectClrLst/>
-  </dgm:styleLbl>
-  <dgm:styleLbl name="trAlignAcc1">
-    <dgm:fillClrLst meth="repeat">
-      <a:schemeClr val="lt1">
-        <a:alpha val="40000"/>
-      </a:schemeClr>
-    </dgm:fillClrLst>
-    <dgm:linClrLst meth="repeat">
-      <a:schemeClr val="accent2"/>
-    </dgm:linClrLst>
-    <dgm:effectClrLst/>
-    <dgm:txLinClrLst/>
-    <dgm:txFillClrLst meth="repeat">
-      <a:schemeClr val="dk1"/>
-    </dgm:txFillClrLst>
-    <dgm:txEffectClrLst/>
-  </dgm:styleLbl>
-  <dgm:styleLbl name="bgAcc1">
-    <dgm:fillClrLst meth="repeat">
-      <a:schemeClr val="lt1">
-        <a:alpha val="90000"/>
-      </a:schemeClr>
-    </dgm:fillClrLst>
-    <dgm:linClrLst>
-      <a:schemeClr val="accent2"/>
-      <a:schemeClr val="accent3"/>
-    </dgm:linClrLst>
-    <dgm:effectClrLst/>
-    <dgm:txLinClrLst/>
-    <dgm:txFillClrLst meth="repeat">
-      <a:schemeClr val="dk1"/>
-    </dgm:txFillClrLst>
-    <dgm:txEffectClrLst/>
-  </dgm:styleLbl>
-  <dgm:styleLbl name="solidFgAcc1">
-    <dgm:fillClrLst meth="repeat">
-      <a:schemeClr val="lt1"/>
-    </dgm:fillClrLst>
-    <dgm:linClrLst>
-      <a:schemeClr val="accent2"/>
-      <a:schemeClr val="accent3"/>
-    </dgm:linClrLst>
-    <dgm:effectClrLst/>
-    <dgm:txLinClrLst/>
-    <dgm:txFillClrLst meth="repeat">
-      <a:schemeClr val="dk1"/>
-    </dgm:txFillClrLst>
-    <dgm:txEffectClrLst/>
-  </dgm:styleLbl>
-  <dgm:styleLbl name="solidAlignAcc1">
-    <dgm:fillClrLst meth="repeat">
-      <a:schemeClr val="lt1"/>
-    </dgm:fillClrLst>
-    <dgm:linClrLst>
-      <a:schemeClr val="accent2"/>
-      <a:schemeClr val="accent3"/>
-    </dgm:linClrLst>
-    <dgm:effectClrLst/>
-    <dgm:txLinClrLst/>
-    <dgm:txFillClrLst meth="repeat">
-      <a:schemeClr val="dk1"/>
-    </dgm:txFillClrLst>
-    <dgm:txEffectClrLst/>
-  </dgm:styleLbl>
-  <dgm:styleLbl name="solidBgAcc1">
-    <dgm:fillClrLst meth="repeat">
-      <a:schemeClr val="lt1"/>
-    </dgm:fillClrLst>
-    <dgm:linClrLst>
-      <a:schemeClr val="accent2"/>
-      <a:schemeClr val="accent3"/>
-    </dgm:linClrLst>
-    <dgm:effectClrLst/>
-    <dgm:txLinClrLst/>
-    <dgm:txFillClrLst meth="repeat">
-      <a:schemeClr val="dk1"/>
-    </dgm:txFillClrLst>
-    <dgm:txEffectClrLst/>
-  </dgm:styleLbl>
-  <dgm:styleLbl name="fgAccFollowNode1">
-    <dgm:fillClrLst>
-      <a:schemeClr val="accent2">
-        <a:tint val="40000"/>
-        <a:alpha val="90000"/>
-      </a:schemeClr>
-      <a:schemeClr val="accent3">
-        <a:tint val="40000"/>
-        <a:alpha val="90000"/>
-      </a:schemeClr>
-    </dgm:fillClrLst>
-    <dgm:linClrLst>
-      <a:schemeClr val="accent2">
-        <a:tint val="40000"/>
-        <a:alpha val="90000"/>
-      </a:schemeClr>
-      <a:schemeClr val="accent3">
-        <a:tint val="40000"/>
-        <a:alpha val="90000"/>
-      </a:schemeClr>
-    </dgm:linClrLst>
-    <dgm:effectClrLst/>
-    <dgm:txLinClrLst/>
-    <dgm:txFillClrLst meth="repeat">
-      <a:schemeClr val="dk1"/>
-    </dgm:txFillClrLst>
-    <dgm:txEffectClrLst/>
-  </dgm:styleLbl>
-  <dgm:styleLbl name="alignAccFollowNode1">
-    <dgm:fillClrLst>
-      <a:schemeClr val="accent2">
-        <a:tint val="40000"/>
-        <a:alpha val="90000"/>
-      </a:schemeClr>
-      <a:schemeClr val="accent3">
-        <a:tint val="40000"/>
-        <a:alpha val="90000"/>
-      </a:schemeClr>
-    </dgm:fillClrLst>
-    <dgm:linClrLst>
-      <a:schemeClr val="accent2">
-        <a:tint val="40000"/>
-        <a:alpha val="90000"/>
-      </a:schemeClr>
-      <a:schemeClr val="accent3">
-        <a:tint val="40000"/>
-        <a:alpha val="90000"/>
-      </a:schemeClr>
-    </dgm:linClrLst>
-    <dgm:effectClrLst/>
-    <dgm:txLinClrLst/>
-    <dgm:txFillClrLst meth="repeat">
-      <a:schemeClr val="dk1"/>
-    </dgm:txFillClrLst>
-    <dgm:txEffectClrLst/>
-  </dgm:styleLbl>
-  <dgm:styleLbl name="bgAccFollowNode1">
-    <dgm:fillClrLst>
-      <a:schemeClr val="accent2">
-        <a:tint val="40000"/>
-        <a:alpha val="90000"/>
-      </a:schemeClr>
-      <a:schemeClr val="accent3">
-        <a:tint val="40000"/>
-        <a:alpha val="90000"/>
-      </a:schemeClr>
-    </dgm:fillClrLst>
-    <dgm:linClrLst>
-      <a:schemeClr val="accent2">
-        <a:tint val="40000"/>
-        <a:alpha val="90000"/>
-      </a:schemeClr>
-      <a:schemeClr val="accent3">
-        <a:tint val="40000"/>
-        <a:alpha val="90000"/>
-      </a:schemeClr>
-    </dgm:linClrLst>
-    <dgm:effectClrLst/>
-    <dgm:txLinClrLst/>
-    <dgm:txFillClrLst meth="repeat">
-      <a:schemeClr val="dk1"/>
-    </dgm:txFillClrLst>
-    <dgm:txEffectClrLst/>
-  </dgm:styleLbl>
-  <dgm:styleLbl name="fgAcc0">
-    <dgm:fillClrLst meth="repeat">
-      <a:schemeClr val="lt1">
-        <a:alpha val="90000"/>
-      </a:schemeClr>
-    </dgm:fillClrLst>
-    <dgm:linClrLst>
-      <a:schemeClr val="accent1"/>
-    </dgm:linClrLst>
-    <dgm:effectClrLst/>
-    <dgm:txLinClrLst/>
-    <dgm:txFillClrLst meth="repeat">
-      <a:schemeClr val="dk1"/>
-    </dgm:txFillClrLst>
-    <dgm:txEffectClrLst/>
-  </dgm:styleLbl>
-  <dgm:styleLbl name="fgAcc2">
-    <dgm:fillClrLst meth="repeat">
-      <a:schemeClr val="lt1">
-        <a:alpha val="90000"/>
-      </a:schemeClr>
-    </dgm:fillClrLst>
-    <dgm:linClrLst>
-      <a:schemeClr val="accent3"/>
-    </dgm:linClrLst>
-    <dgm:effectClrLst/>
-    <dgm:txLinClrLst/>
-    <dgm:txFillClrLst meth="repeat">
-      <a:schemeClr val="dk1"/>
-    </dgm:txFillClrLst>
-    <dgm:txEffectClrLst/>
-  </dgm:styleLbl>
-  <dgm:styleLbl name="fgAcc3">
-    <dgm:fillClrLst meth="repeat">
-      <a:schemeClr val="lt1">
-        <a:alpha val="90000"/>
-      </a:schemeClr>
-    </dgm:fillClrLst>
-    <dgm:linClrLst>
-      <a:schemeClr val="accent4"/>
-    </dgm:linClrLst>
-    <dgm:effectClrLst/>
-    <dgm:txLinClrLst/>
-    <dgm:txFillClrLst meth="repeat">
-      <a:schemeClr val="dk1"/>
-    </dgm:txFillClrLst>
-    <dgm:txEffectClrLst/>
-  </dgm:styleLbl>
-  <dgm:styleLbl name="fgAcc4">
-    <dgm:fillClrLst meth="repeat">
-      <a:schemeClr val="lt1">
-        <a:alpha val="90000"/>
-      </a:schemeClr>
-    </dgm:fillClrLst>
-    <dgm:linClrLst>
-      <a:schemeClr val="accent5"/>
-    </dgm:linClrLst>
-    <dgm:effectClrLst/>
-    <dgm:txLinClrLst/>
-    <dgm:txFillClrLst meth="repeat">
-      <a:schemeClr val="dk1"/>
-    </dgm:txFillClrLst>
-    <dgm:txEffectClrLst/>
-  </dgm:styleLbl>
-  <dgm:styleLbl name="bgShp">
-    <dgm:fillClrLst meth="repeat">
-      <a:schemeClr val="accent2">
-        <a:tint val="40000"/>
-      </a:schemeClr>
-    </dgm:fillClrLst>
-    <dgm:linClrLst meth="repeat">
-      <a:schemeClr val="dk1"/>
-    </dgm:linClrLst>
-    <dgm:effectClrLst/>
-    <dgm:txLinClrLst/>
-    <dgm:txFillClrLst meth="repeat">
-      <a:schemeClr val="dk1"/>
-    </dgm:txFillClrLst>
-    <dgm:txEffectClrLst/>
-  </dgm:styleLbl>
-  <dgm:styleLbl name="dkBgShp">
-    <dgm:fillClrLst meth="repeat">
-      <a:schemeClr val="accent2">
-        <a:shade val="90000"/>
-      </a:schemeClr>
-    </dgm:fillClrLst>
-    <dgm:linClrLst meth="repeat">
-      <a:schemeClr val="dk1"/>
-    </dgm:linClrLst>
-    <dgm:effectClrLst/>
-    <dgm:txLinClrLst/>
-    <dgm:txFillClrLst meth="repeat">
-      <a:schemeClr val="lt1"/>
-    </dgm:txFillClrLst>
-    <dgm:txEffectClrLst/>
-  </dgm:styleLbl>
-  <dgm:styleLbl name="trBgShp">
-    <dgm:fillClrLst meth="repeat">
-      <a:schemeClr val="accent2">
-        <a:tint val="50000"/>
-        <a:alpha val="40000"/>
-      </a:schemeClr>
-    </dgm:fillClrLst>
-    <dgm:linClrLst meth="repeat">
-      <a:schemeClr val="accent2"/>
-    </dgm:linClrLst>
-    <dgm:effectClrLst/>
-    <dgm:txLinClrLst/>
-    <dgm:txFillClrLst meth="repeat">
-      <a:schemeClr val="lt1"/>
-    </dgm:txFillClrLst>
-    <dgm:txEffectClrLst/>
-  </dgm:styleLbl>
-  <dgm:styleLbl name="fgShp">
-    <dgm:fillClrLst meth="repeat">
-      <a:schemeClr val="accent2">
-        <a:tint val="40000"/>
-      </a:schemeClr>
-    </dgm:fillClrLst>
-    <dgm:linClrLst meth="repeat">
-      <a:schemeClr val="lt1"/>
-    </dgm:linClrLst>
-    <dgm:effectClrLst/>
-    <dgm:txLinClrLst/>
-    <dgm:txFillClrLst meth="repeat">
-      <a:schemeClr val="dk1"/>
-    </dgm:txFillClrLst>
-    <dgm:txEffectClrLst/>
-  </dgm:styleLbl>
-  <dgm:styleLbl name="revTx">
-    <dgm:fillClrLst meth="repeat">
-      <a:schemeClr val="lt1">
-        <a:alpha val="0"/>
-      </a:schemeClr>
-    </dgm:fillClrLst>
-    <dgm:linClrLst meth="repeat">
-      <a:schemeClr val="dk1">
-        <a:alpha val="0"/>
-      </a:schemeClr>
-    </dgm:linClrLst>
-    <dgm:effectClrLst/>
-    <dgm:txLinClrLst/>
-    <dgm:txFillClrLst meth="repeat">
-      <a:schemeClr val="tx1"/>
-    </dgm:txFillClrLst>
-    <dgm:txEffectClrLst/>
-  </dgm:styleLbl>
-</dgm:colorsDef>
-</file>
-
-<file path=ppt/diagrams/colors4.xml><?xml version="1.0" encoding="utf-8"?>
 <dgm:colorsDef xmlns:dgm="http://schemas.openxmlformats.org/drawingml/2006/diagram" xmlns:a="http://schemas.openxmlformats.org/drawingml/2006/main" uniqueId="urn:microsoft.com/office/officeart/2005/8/colors/colorful2">
   <dgm:title val=""/>
   <dgm:desc val=""/>
@@ -3968,114 +3181,6 @@
     <dgm:cxn modelId="{30E15F6B-0EEA-4E0E-88B6-F6B89F0930BB}" type="presParOf" srcId="{78C54837-F2AB-4EB6-BF69-A9AB8F59F84C}" destId="{5928344D-59A6-4E9F-9867-4435B02C1EC7}" srcOrd="0" destOrd="0" presId="urn:microsoft.com/office/officeart/2005/8/layout/hierarchy1"/>
     <dgm:cxn modelId="{7FACC8EE-28F8-4A96-99BA-C085D7E2FE8F}" type="presParOf" srcId="{78C54837-F2AB-4EB6-BF69-A9AB8F59F84C}" destId="{02E2CF1D-D9C4-4354-8BE3-02F6FC3A7C6C}" srcOrd="1" destOrd="0" presId="urn:microsoft.com/office/officeart/2005/8/layout/hierarchy1"/>
     <dgm:cxn modelId="{99D4A96B-AC24-4EAE-8A20-E75E1AB00110}" type="presParOf" srcId="{0C31376C-3CF9-42B3-889A-5FB2283C3249}" destId="{F7D98873-39C8-4013-B914-8BC2038A3BFE}" srcOrd="1" destOrd="0" presId="urn:microsoft.com/office/officeart/2005/8/layout/hierarchy1"/>
-  </dgm:cxnLst>
-  <dgm:bg/>
-  <dgm:whole/>
-  <dgm:extLst>
-    <a:ext uri="http://schemas.microsoft.com/office/drawing/2008/diagram">
-      <dsp:dataModelExt xmlns:dsp="http://schemas.microsoft.com/office/drawing/2008/diagram" relId="rId6" minVer="http://schemas.openxmlformats.org/drawingml/2006/diagram"/>
-    </a:ext>
-  </dgm:extLst>
-</dgm:dataModel>
-</file>
-
-<file path=ppt/diagrams/data4.xml><?xml version="1.0" encoding="utf-8"?>
-<dgm:dataModel xmlns:dgm="http://schemas.openxmlformats.org/drawingml/2006/diagram" xmlns:a="http://schemas.openxmlformats.org/drawingml/2006/main">
-  <dgm:ptLst>
-    <dgm:pt modelId="{B5645637-D054-48A5-A34A-B48F858D3E87}" type="doc">
-      <dgm:prSet loTypeId="urn:microsoft.com/office/officeart/2005/8/layout/hierarchy1" loCatId="hierarchy" qsTypeId="urn:microsoft.com/office/officeart/2005/8/quickstyle/simple1" qsCatId="simple" csTypeId="urn:microsoft.com/office/officeart/2005/8/colors/colorful2" csCatId="colorful" phldr="1"/>
-      <dgm:spPr/>
-      <dgm:t>
-        <a:bodyPr/>
-        <a:lstStyle/>
-        <a:p>
-          <a:endParaRPr lang="en-US"/>
-        </a:p>
-      </dgm:t>
-    </dgm:pt>
-    <dgm:pt modelId="{A51A284E-B064-4BE3-AD6F-E6CF00E6E613}">
-      <dgm:prSet/>
-      <dgm:spPr/>
-      <dgm:t>
-        <a:bodyPr/>
-        <a:lstStyle/>
-        <a:p>
-          <a:pPr algn="l"/>
-          <a:r>
-            <a:rPr lang="en-US" b="0" dirty="0"/>
-            <a:t>Creating multiple methods with the same name but different numbers or types of parameters</a:t>
-          </a:r>
-        </a:p>
-      </dgm:t>
-    </dgm:pt>
-    <dgm:pt modelId="{4EE9992F-0D48-4671-9117-6E6EB7F72A47}" type="parTrans" cxnId="{C409ED09-E526-4589-98AD-AC71C29579D8}">
-      <dgm:prSet/>
-      <dgm:spPr/>
-      <dgm:t>
-        <a:bodyPr/>
-        <a:lstStyle/>
-        <a:p>
-          <a:endParaRPr lang="en-US"/>
-        </a:p>
-      </dgm:t>
-    </dgm:pt>
-    <dgm:pt modelId="{DB4CADBA-9714-4B8E-8748-4757B0ACFA07}" type="sibTrans" cxnId="{C409ED09-E526-4589-98AD-AC71C29579D8}">
-      <dgm:prSet/>
-      <dgm:spPr/>
-      <dgm:t>
-        <a:bodyPr/>
-        <a:lstStyle/>
-        <a:p>
-          <a:endParaRPr lang="en-US"/>
-        </a:p>
-      </dgm:t>
-    </dgm:pt>
-    <dgm:pt modelId="{AB5AE9D8-BE76-4796-974D-8C9992C31F0C}" type="pres">
-      <dgm:prSet presAssocID="{B5645637-D054-48A5-A34A-B48F858D3E87}" presName="hierChild1" presStyleCnt="0">
-        <dgm:presLayoutVars>
-          <dgm:chPref val="1"/>
-          <dgm:dir/>
-          <dgm:animOne val="branch"/>
-          <dgm:animLvl val="lvl"/>
-          <dgm:resizeHandles/>
-        </dgm:presLayoutVars>
-      </dgm:prSet>
-      <dgm:spPr/>
-    </dgm:pt>
-    <dgm:pt modelId="{2DACAFF6-B82C-4463-8E89-5C79B1F6A438}" type="pres">
-      <dgm:prSet presAssocID="{A51A284E-B064-4BE3-AD6F-E6CF00E6E613}" presName="hierRoot1" presStyleCnt="0"/>
-      <dgm:spPr/>
-    </dgm:pt>
-    <dgm:pt modelId="{875B0566-343D-4384-A8F2-2D3F9ADFE2E4}" type="pres">
-      <dgm:prSet presAssocID="{A51A284E-B064-4BE3-AD6F-E6CF00E6E613}" presName="composite" presStyleCnt="0"/>
-      <dgm:spPr/>
-    </dgm:pt>
-    <dgm:pt modelId="{06E2120E-C104-49E3-A99C-247642308F9C}" type="pres">
-      <dgm:prSet presAssocID="{A51A284E-B064-4BE3-AD6F-E6CF00E6E613}" presName="background" presStyleLbl="node0" presStyleIdx="0" presStyleCnt="1"/>
-      <dgm:spPr/>
-    </dgm:pt>
-    <dgm:pt modelId="{01BA0AF3-7713-40F3-8F7A-D460760EE5FD}" type="pres">
-      <dgm:prSet presAssocID="{A51A284E-B064-4BE3-AD6F-E6CF00E6E613}" presName="text" presStyleLbl="fgAcc0" presStyleIdx="0" presStyleCnt="1">
-        <dgm:presLayoutVars>
-          <dgm:chPref val="3"/>
-        </dgm:presLayoutVars>
-      </dgm:prSet>
-      <dgm:spPr/>
-    </dgm:pt>
-    <dgm:pt modelId="{9F4DC962-1CEA-4484-A907-B054BFD6A203}" type="pres">
-      <dgm:prSet presAssocID="{A51A284E-B064-4BE3-AD6F-E6CF00E6E613}" presName="hierChild2" presStyleCnt="0"/>
-      <dgm:spPr/>
-    </dgm:pt>
-  </dgm:ptLst>
-  <dgm:cxnLst>
-    <dgm:cxn modelId="{C409ED09-E526-4589-98AD-AC71C29579D8}" srcId="{B5645637-D054-48A5-A34A-B48F858D3E87}" destId="{A51A284E-B064-4BE3-AD6F-E6CF00E6E613}" srcOrd="0" destOrd="0" parTransId="{4EE9992F-0D48-4671-9117-6E6EB7F72A47}" sibTransId="{DB4CADBA-9714-4B8E-8748-4757B0ACFA07}"/>
-    <dgm:cxn modelId="{2A99483C-ACC6-49DF-8BA7-2DC44AABE8CE}" type="presOf" srcId="{B5645637-D054-48A5-A34A-B48F858D3E87}" destId="{AB5AE9D8-BE76-4796-974D-8C9992C31F0C}" srcOrd="0" destOrd="0" presId="urn:microsoft.com/office/officeart/2005/8/layout/hierarchy1"/>
-    <dgm:cxn modelId="{4DEF18D8-EB92-4EE1-87FE-84004A4DD2B3}" type="presOf" srcId="{A51A284E-B064-4BE3-AD6F-E6CF00E6E613}" destId="{01BA0AF3-7713-40F3-8F7A-D460760EE5FD}" srcOrd="0" destOrd="0" presId="urn:microsoft.com/office/officeart/2005/8/layout/hierarchy1"/>
-    <dgm:cxn modelId="{50CDEDB1-AF4E-45E2-9D75-6440A939E7F5}" type="presParOf" srcId="{AB5AE9D8-BE76-4796-974D-8C9992C31F0C}" destId="{2DACAFF6-B82C-4463-8E89-5C79B1F6A438}" srcOrd="0" destOrd="0" presId="urn:microsoft.com/office/officeart/2005/8/layout/hierarchy1"/>
-    <dgm:cxn modelId="{C0A57A54-C161-4B47-A1EB-4476C4ABE5CB}" type="presParOf" srcId="{2DACAFF6-B82C-4463-8E89-5C79B1F6A438}" destId="{875B0566-343D-4384-A8F2-2D3F9ADFE2E4}" srcOrd="0" destOrd="0" presId="urn:microsoft.com/office/officeart/2005/8/layout/hierarchy1"/>
-    <dgm:cxn modelId="{276D451F-4295-4C89-B7A2-1E36E615E3C7}" type="presParOf" srcId="{875B0566-343D-4384-A8F2-2D3F9ADFE2E4}" destId="{06E2120E-C104-49E3-A99C-247642308F9C}" srcOrd="0" destOrd="0" presId="urn:microsoft.com/office/officeart/2005/8/layout/hierarchy1"/>
-    <dgm:cxn modelId="{7BBC6019-F7CB-4392-A8AB-859A4E66B9DB}" type="presParOf" srcId="{875B0566-343D-4384-A8F2-2D3F9ADFE2E4}" destId="{01BA0AF3-7713-40F3-8F7A-D460760EE5FD}" srcOrd="1" destOrd="0" presId="urn:microsoft.com/office/officeart/2005/8/layout/hierarchy1"/>
-    <dgm:cxn modelId="{5CC9DF87-F3B2-42E4-AF2D-90C96948690C}" type="presParOf" srcId="{2DACAFF6-B82C-4463-8E89-5C79B1F6A438}" destId="{9F4DC962-1CEA-4484-A907-B054BFD6A203}" srcOrd="1" destOrd="0" presId="urn:microsoft.com/office/officeart/2005/8/layout/hierarchy1"/>
   </dgm:cxnLst>
   <dgm:bg/>
   <dgm:whole/>
@@ -5215,147 +4320,6 @@
       <dsp:txXfrm>
         <a:off x="4748523" y="980400"/>
         <a:ext cx="3381034" cy="2099279"/>
-      </dsp:txXfrm>
-    </dsp:sp>
-  </dsp:spTree>
-</dsp:drawing>
-</file>
-
-<file path=ppt/diagrams/drawing4.xml><?xml version="1.0" encoding="utf-8"?>
-<dsp:drawing xmlns:dgm="http://schemas.openxmlformats.org/drawingml/2006/diagram" xmlns:dsp="http://schemas.microsoft.com/office/drawing/2008/diagram" xmlns:a="http://schemas.openxmlformats.org/drawingml/2006/main">
-  <dsp:spTree>
-    <dsp:nvGrpSpPr>
-      <dsp:cNvPr id="0" name=""/>
-      <dsp:cNvGrpSpPr/>
-    </dsp:nvGrpSpPr>
-    <dsp:grpSpPr/>
-    <dsp:sp modelId="{06E2120E-C104-49E3-A99C-247642308F9C}">
-      <dsp:nvSpPr>
-        <dsp:cNvPr id="0" name=""/>
-        <dsp:cNvSpPr/>
-      </dsp:nvSpPr>
-      <dsp:spPr>
-        <a:xfrm>
-          <a:off x="1332629" y="1625"/>
-          <a:ext cx="4977550" cy="3160744"/>
-        </a:xfrm>
-        <a:prstGeom prst="roundRect">
-          <a:avLst>
-            <a:gd name="adj" fmla="val 10000"/>
-          </a:avLst>
-        </a:prstGeom>
-        <a:solidFill>
-          <a:schemeClr val="accent1">
-            <a:hueOff val="0"/>
-            <a:satOff val="0"/>
-            <a:lumOff val="0"/>
-            <a:alphaOff val="0"/>
-          </a:schemeClr>
-        </a:solidFill>
-        <a:ln w="25400" cap="flat" cmpd="sng" algn="ctr">
-          <a:solidFill>
-            <a:schemeClr val="lt1">
-              <a:hueOff val="0"/>
-              <a:satOff val="0"/>
-              <a:lumOff val="0"/>
-              <a:alphaOff val="0"/>
-            </a:schemeClr>
-          </a:solidFill>
-          <a:prstDash val="solid"/>
-        </a:ln>
-        <a:effectLst/>
-      </dsp:spPr>
-      <dsp:style>
-        <a:lnRef idx="2">
-          <a:scrgbClr r="0" g="0" b="0"/>
-        </a:lnRef>
-        <a:fillRef idx="1">
-          <a:scrgbClr r="0" g="0" b="0"/>
-        </a:fillRef>
-        <a:effectRef idx="0">
-          <a:scrgbClr r="0" g="0" b="0"/>
-        </a:effectRef>
-        <a:fontRef idx="minor">
-          <a:schemeClr val="lt1"/>
-        </a:fontRef>
-      </dsp:style>
-    </dsp:sp>
-    <dsp:sp modelId="{01BA0AF3-7713-40F3-8F7A-D460760EE5FD}">
-      <dsp:nvSpPr>
-        <dsp:cNvPr id="0" name=""/>
-        <dsp:cNvSpPr/>
-      </dsp:nvSpPr>
-      <dsp:spPr>
-        <a:xfrm>
-          <a:off x="1885690" y="527034"/>
-          <a:ext cx="4977550" cy="3160744"/>
-        </a:xfrm>
-        <a:prstGeom prst="roundRect">
-          <a:avLst>
-            <a:gd name="adj" fmla="val 10000"/>
-          </a:avLst>
-        </a:prstGeom>
-        <a:solidFill>
-          <a:schemeClr val="lt1">
-            <a:alpha val="90000"/>
-            <a:hueOff val="0"/>
-            <a:satOff val="0"/>
-            <a:lumOff val="0"/>
-            <a:alphaOff val="0"/>
-          </a:schemeClr>
-        </a:solidFill>
-        <a:ln w="25400" cap="flat" cmpd="sng" algn="ctr">
-          <a:solidFill>
-            <a:schemeClr val="accent1">
-              <a:hueOff val="0"/>
-              <a:satOff val="0"/>
-              <a:lumOff val="0"/>
-              <a:alphaOff val="0"/>
-            </a:schemeClr>
-          </a:solidFill>
-          <a:prstDash val="solid"/>
-        </a:ln>
-        <a:effectLst/>
-      </dsp:spPr>
-      <dsp:style>
-        <a:lnRef idx="2">
-          <a:scrgbClr r="0" g="0" b="0"/>
-        </a:lnRef>
-        <a:fillRef idx="1">
-          <a:scrgbClr r="0" g="0" b="0"/>
-        </a:fillRef>
-        <a:effectRef idx="0">
-          <a:scrgbClr r="0" g="0" b="0"/>
-        </a:effectRef>
-        <a:fontRef idx="minor"/>
-      </dsp:style>
-      <dsp:txBody>
-        <a:bodyPr spcFirstLastPara="0" vert="horz" wrap="square" lIns="144780" tIns="144780" rIns="144780" bIns="144780" numCol="1" spcCol="1270" anchor="ctr" anchorCtr="0">
-          <a:noAutofit/>
-        </a:bodyPr>
-        <a:lstStyle/>
-        <a:p>
-          <a:pPr marL="0" lvl="0" indent="0" algn="l" defTabSz="1689100">
-            <a:lnSpc>
-              <a:spcPct val="90000"/>
-            </a:lnSpc>
-            <a:spcBef>
-              <a:spcPct val="0"/>
-            </a:spcBef>
-            <a:spcAft>
-              <a:spcPct val="35000"/>
-            </a:spcAft>
-            <a:buNone/>
-          </a:pPr>
-          <a:r>
-            <a:rPr lang="en-US" sz="3800" b="0" kern="1200" dirty="0"/>
-            <a:t>Creating multiple methods with the same name but different numbers or types of parameters</a:t>
-          </a:r>
-        </a:p>
-      </dsp:txBody>
-      <dsp:txXfrm>
-        <a:off x="1978265" y="619609"/>
-        <a:ext cx="4792400" cy="2975594"/>
       </dsp:txXfrm>
     </dsp:sp>
   </dsp:spTree>
@@ -6754,569 +5718,6 @@
 </dgm:layoutDef>
 </file>
 
-<file path=ppt/diagrams/layout4.xml><?xml version="1.0" encoding="utf-8"?>
-<dgm:layoutDef xmlns:dgm="http://schemas.openxmlformats.org/drawingml/2006/diagram" xmlns:a="http://schemas.openxmlformats.org/drawingml/2006/main" uniqueId="urn:microsoft.com/office/officeart/2005/8/layout/hierarchy1">
-  <dgm:title val=""/>
-  <dgm:desc val=""/>
-  <dgm:catLst>
-    <dgm:cat type="hierarchy" pri="2000"/>
-  </dgm:catLst>
-  <dgm:sampData>
-    <dgm:dataModel>
-      <dgm:ptLst>
-        <dgm:pt modelId="0" type="doc"/>
-        <dgm:pt modelId="1">
-          <dgm:prSet phldr="1"/>
-        </dgm:pt>
-        <dgm:pt modelId="2">
-          <dgm:prSet phldr="1"/>
-        </dgm:pt>
-        <dgm:pt modelId="21">
-          <dgm:prSet phldr="1"/>
-        </dgm:pt>
-        <dgm:pt modelId="22">
-          <dgm:prSet phldr="1"/>
-        </dgm:pt>
-        <dgm:pt modelId="3">
-          <dgm:prSet phldr="1"/>
-        </dgm:pt>
-        <dgm:pt modelId="31">
-          <dgm:prSet phldr="1"/>
-        </dgm:pt>
-      </dgm:ptLst>
-      <dgm:cxnLst>
-        <dgm:cxn modelId="4" srcId="0" destId="1" srcOrd="0" destOrd="0"/>
-        <dgm:cxn modelId="5" srcId="1" destId="2" srcOrd="0" destOrd="0"/>
-        <dgm:cxn modelId="6" srcId="1" destId="3" srcOrd="1" destOrd="0"/>
-        <dgm:cxn modelId="23" srcId="2" destId="21" srcOrd="0" destOrd="0"/>
-        <dgm:cxn modelId="24" srcId="2" destId="22" srcOrd="1" destOrd="0"/>
-        <dgm:cxn modelId="33" srcId="3" destId="31" srcOrd="0" destOrd="0"/>
-      </dgm:cxnLst>
-      <dgm:bg/>
-      <dgm:whole/>
-    </dgm:dataModel>
-  </dgm:sampData>
-  <dgm:styleData>
-    <dgm:dataModel>
-      <dgm:ptLst>
-        <dgm:pt modelId="0" type="doc"/>
-        <dgm:pt modelId="1"/>
-        <dgm:pt modelId="11"/>
-        <dgm:pt modelId="12"/>
-      </dgm:ptLst>
-      <dgm:cxnLst>
-        <dgm:cxn modelId="2" srcId="0" destId="1" srcOrd="0" destOrd="0"/>
-        <dgm:cxn modelId="13" srcId="1" destId="11" srcOrd="0" destOrd="0"/>
-        <dgm:cxn modelId="14" srcId="1" destId="12" srcOrd="1" destOrd="0"/>
-      </dgm:cxnLst>
-      <dgm:bg/>
-      <dgm:whole/>
-    </dgm:dataModel>
-  </dgm:styleData>
-  <dgm:clrData>
-    <dgm:dataModel>
-      <dgm:ptLst>
-        <dgm:pt modelId="0" type="doc"/>
-        <dgm:pt modelId="1"/>
-        <dgm:pt modelId="2"/>
-        <dgm:pt modelId="21"/>
-        <dgm:pt modelId="211"/>
-        <dgm:pt modelId="3"/>
-        <dgm:pt modelId="31"/>
-        <dgm:pt modelId="311"/>
-      </dgm:ptLst>
-      <dgm:cxnLst>
-        <dgm:cxn modelId="4" srcId="0" destId="1" srcOrd="0" destOrd="0"/>
-        <dgm:cxn modelId="5" srcId="1" destId="2" srcOrd="0" destOrd="0"/>
-        <dgm:cxn modelId="6" srcId="1" destId="3" srcOrd="1" destOrd="0"/>
-        <dgm:cxn modelId="23" srcId="2" destId="21" srcOrd="0" destOrd="0"/>
-        <dgm:cxn modelId="24" srcId="21" destId="211" srcOrd="0" destOrd="0"/>
-        <dgm:cxn modelId="33" srcId="3" destId="31" srcOrd="0" destOrd="0"/>
-        <dgm:cxn modelId="34" srcId="31" destId="311" srcOrd="0" destOrd="0"/>
-      </dgm:cxnLst>
-      <dgm:bg/>
-      <dgm:whole/>
-    </dgm:dataModel>
-  </dgm:clrData>
-  <dgm:layoutNode name="hierChild1">
-    <dgm:varLst>
-      <dgm:chPref val="1"/>
-      <dgm:dir/>
-      <dgm:animOne val="branch"/>
-      <dgm:animLvl val="lvl"/>
-      <dgm:resizeHandles/>
-    </dgm:varLst>
-    <dgm:choose name="Name0">
-      <dgm:if name="Name1" func="var" arg="dir" op="equ" val="norm">
-        <dgm:alg type="hierChild">
-          <dgm:param type="linDir" val="fromL"/>
-        </dgm:alg>
-      </dgm:if>
-      <dgm:else name="Name2">
-        <dgm:alg type="hierChild">
-          <dgm:param type="linDir" val="fromR"/>
-        </dgm:alg>
-      </dgm:else>
-    </dgm:choose>
-    <dgm:shape xmlns:r="http://schemas.openxmlformats.org/officeDocument/2006/relationships" r:blip="">
-      <dgm:adjLst/>
-    </dgm:shape>
-    <dgm:presOf/>
-    <dgm:constrLst>
-      <dgm:constr type="primFontSz" for="des" ptType="node" op="equ" val="65"/>
-      <dgm:constr type="w" for="des" forName="composite" refType="w"/>
-      <dgm:constr type="h" for="des" forName="composite" refType="w" refFor="des" refForName="composite" fact="0.667"/>
-      <dgm:constr type="w" for="des" forName="composite2" refType="w" refFor="des" refForName="composite"/>
-      <dgm:constr type="h" for="des" forName="composite2" refType="h" refFor="des" refForName="composite"/>
-      <dgm:constr type="w" for="des" forName="composite3" refType="w" refFor="des" refForName="composite"/>
-      <dgm:constr type="h" for="des" forName="composite3" refType="h" refFor="des" refForName="composite"/>
-      <dgm:constr type="w" for="des" forName="composite4" refType="w" refFor="des" refForName="composite"/>
-      <dgm:constr type="h" for="des" forName="composite4" refType="h" refFor="des" refForName="composite"/>
-      <dgm:constr type="w" for="des" forName="composite5" refType="w" refFor="des" refForName="composite"/>
-      <dgm:constr type="h" for="des" forName="composite5" refType="h" refFor="des" refForName="composite"/>
-      <dgm:constr type="sibSp" refType="w" refFor="des" refForName="composite" fact="0.1"/>
-      <dgm:constr type="sibSp" for="des" forName="hierChild2" refType="sibSp"/>
-      <dgm:constr type="sibSp" for="des" forName="hierChild3" refType="sibSp"/>
-      <dgm:constr type="sibSp" for="des" forName="hierChild4" refType="sibSp"/>
-      <dgm:constr type="sibSp" for="des" forName="hierChild5" refType="sibSp"/>
-      <dgm:constr type="sibSp" for="des" forName="hierChild6" refType="sibSp"/>
-      <dgm:constr type="sp" for="des" forName="hierRoot1" refType="h" refFor="des" refForName="composite" fact="0.25"/>
-      <dgm:constr type="sp" for="des" forName="hierRoot2" refType="sp" refFor="des" refForName="hierRoot1"/>
-      <dgm:constr type="sp" for="des" forName="hierRoot3" refType="sp" refFor="des" refForName="hierRoot1"/>
-      <dgm:constr type="sp" for="des" forName="hierRoot4" refType="sp" refFor="des" refForName="hierRoot1"/>
-      <dgm:constr type="sp" for="des" forName="hierRoot5" refType="sp" refFor="des" refForName="hierRoot1"/>
-    </dgm:constrLst>
-    <dgm:ruleLst/>
-    <dgm:forEach name="Name3" axis="ch">
-      <dgm:forEach name="Name4" axis="self" ptType="node">
-        <dgm:layoutNode name="hierRoot1">
-          <dgm:alg type="hierRoot"/>
-          <dgm:shape xmlns:r="http://schemas.openxmlformats.org/officeDocument/2006/relationships" r:blip="">
-            <dgm:adjLst/>
-          </dgm:shape>
-          <dgm:presOf/>
-          <dgm:constrLst>
-            <dgm:constr type="bendDist" for="des" ptType="parTrans" refType="sp" fact="0.5"/>
-          </dgm:constrLst>
-          <dgm:ruleLst/>
-          <dgm:layoutNode name="composite">
-            <dgm:alg type="composite"/>
-            <dgm:shape xmlns:r="http://schemas.openxmlformats.org/officeDocument/2006/relationships" r:blip="">
-              <dgm:adjLst/>
-            </dgm:shape>
-            <dgm:presOf/>
-            <dgm:constrLst>
-              <dgm:constr type="w" for="ch" forName="background" refType="w" fact="0.9"/>
-              <dgm:constr type="h" for="ch" forName="background" refType="w" refFor="ch" refForName="background" fact="0.635"/>
-              <dgm:constr type="t" for="ch" forName="background"/>
-              <dgm:constr type="l" for="ch" forName="background"/>
-              <dgm:constr type="w" for="ch" forName="text" refType="w" fact="0.9"/>
-              <dgm:constr type="h" for="ch" forName="text" refType="w" refFor="ch" refForName="text" fact="0.635"/>
-              <dgm:constr type="t" for="ch" forName="text" refType="w" fact="0.095"/>
-              <dgm:constr type="l" for="ch" forName="text" refType="w" fact="0.1"/>
-            </dgm:constrLst>
-            <dgm:ruleLst/>
-            <dgm:layoutNode name="background" styleLbl="node0" moveWith="text">
-              <dgm:alg type="sp"/>
-              <dgm:shape xmlns:r="http://schemas.openxmlformats.org/officeDocument/2006/relationships" type="roundRect" r:blip="">
-                <dgm:adjLst>
-                  <dgm:adj idx="1" val="0.1"/>
-                </dgm:adjLst>
-              </dgm:shape>
-              <dgm:presOf/>
-              <dgm:constrLst/>
-              <dgm:ruleLst/>
-            </dgm:layoutNode>
-            <dgm:layoutNode name="text" styleLbl="fgAcc0">
-              <dgm:varLst>
-                <dgm:chPref val="3"/>
-              </dgm:varLst>
-              <dgm:alg type="tx"/>
-              <dgm:shape xmlns:r="http://schemas.openxmlformats.org/officeDocument/2006/relationships" type="roundRect" r:blip="">
-                <dgm:adjLst>
-                  <dgm:adj idx="1" val="0.1"/>
-                </dgm:adjLst>
-              </dgm:shape>
-              <dgm:presOf axis="self"/>
-              <dgm:constrLst>
-                <dgm:constr type="tMarg" refType="primFontSz" fact="0.3"/>
-                <dgm:constr type="bMarg" refType="primFontSz" fact="0.3"/>
-                <dgm:constr type="lMarg" refType="primFontSz" fact="0.3"/>
-                <dgm:constr type="rMarg" refType="primFontSz" fact="0.3"/>
-              </dgm:constrLst>
-              <dgm:ruleLst>
-                <dgm:rule type="primFontSz" val="5" fact="NaN" max="NaN"/>
-              </dgm:ruleLst>
-            </dgm:layoutNode>
-          </dgm:layoutNode>
-          <dgm:layoutNode name="hierChild2">
-            <dgm:choose name="Name5">
-              <dgm:if name="Name6" func="var" arg="dir" op="equ" val="norm">
-                <dgm:alg type="hierChild">
-                  <dgm:param type="linDir" val="fromL"/>
-                </dgm:alg>
-              </dgm:if>
-              <dgm:else name="Name7">
-                <dgm:alg type="hierChild">
-                  <dgm:param type="linDir" val="fromR"/>
-                </dgm:alg>
-              </dgm:else>
-            </dgm:choose>
-            <dgm:shape xmlns:r="http://schemas.openxmlformats.org/officeDocument/2006/relationships" r:blip="">
-              <dgm:adjLst/>
-            </dgm:shape>
-            <dgm:presOf/>
-            <dgm:constrLst/>
-            <dgm:ruleLst/>
-            <dgm:forEach name="Name8" axis="ch">
-              <dgm:forEach name="Name9" axis="self" ptType="parTrans" cnt="1">
-                <dgm:layoutNode name="Name10">
-                  <dgm:alg type="conn">
-                    <dgm:param type="dim" val="1D"/>
-                    <dgm:param type="endSty" val="noArr"/>
-                    <dgm:param type="connRout" val="bend"/>
-                    <dgm:param type="bendPt" val="end"/>
-                    <dgm:param type="begPts" val="bCtr"/>
-                    <dgm:param type="endPts" val="tCtr"/>
-                    <dgm:param type="srcNode" val="background"/>
-                    <dgm:param type="dstNode" val="background2"/>
-                  </dgm:alg>
-                  <dgm:shape xmlns:r="http://schemas.openxmlformats.org/officeDocument/2006/relationships" type="conn" r:blip="" zOrderOff="-999">
-                    <dgm:adjLst/>
-                  </dgm:shape>
-                  <dgm:presOf axis="self"/>
-                  <dgm:constrLst>
-                    <dgm:constr type="begPad"/>
-                    <dgm:constr type="endPad"/>
-                  </dgm:constrLst>
-                  <dgm:ruleLst/>
-                </dgm:layoutNode>
-              </dgm:forEach>
-              <dgm:forEach name="Name11" axis="self" ptType="node">
-                <dgm:layoutNode name="hierRoot2">
-                  <dgm:alg type="hierRoot"/>
-                  <dgm:shape xmlns:r="http://schemas.openxmlformats.org/officeDocument/2006/relationships" r:blip="">
-                    <dgm:adjLst/>
-                  </dgm:shape>
-                  <dgm:presOf/>
-                  <dgm:constrLst>
-                    <dgm:constr type="bendDist" for="des" ptType="parTrans" refType="sp" fact="0.5"/>
-                  </dgm:constrLst>
-                  <dgm:ruleLst/>
-                  <dgm:layoutNode name="composite2">
-                    <dgm:alg type="composite"/>
-                    <dgm:shape xmlns:r="http://schemas.openxmlformats.org/officeDocument/2006/relationships" r:blip="">
-                      <dgm:adjLst/>
-                    </dgm:shape>
-                    <dgm:presOf/>
-                    <dgm:constrLst>
-                      <dgm:constr type="w" for="ch" forName="background2" refType="w" fact="0.9"/>
-                      <dgm:constr type="h" for="ch" forName="background2" refType="w" refFor="ch" refForName="background2" fact="0.635"/>
-                      <dgm:constr type="t" for="ch" forName="background2"/>
-                      <dgm:constr type="l" for="ch" forName="background2"/>
-                      <dgm:constr type="w" for="ch" forName="text2" refType="w" fact="0.9"/>
-                      <dgm:constr type="h" for="ch" forName="text2" refType="w" refFor="ch" refForName="text2" fact="0.635"/>
-                      <dgm:constr type="t" for="ch" forName="text2" refType="w" fact="0.095"/>
-                      <dgm:constr type="l" for="ch" forName="text2" refType="w" fact="0.1"/>
-                    </dgm:constrLst>
-                    <dgm:ruleLst/>
-                    <dgm:layoutNode name="background2" moveWith="text2">
-                      <dgm:alg type="sp"/>
-                      <dgm:shape xmlns:r="http://schemas.openxmlformats.org/officeDocument/2006/relationships" type="roundRect" r:blip="">
-                        <dgm:adjLst>
-                          <dgm:adj idx="1" val="0.1"/>
-                        </dgm:adjLst>
-                      </dgm:shape>
-                      <dgm:presOf/>
-                      <dgm:constrLst/>
-                      <dgm:ruleLst/>
-                    </dgm:layoutNode>
-                    <dgm:layoutNode name="text2" styleLbl="fgAcc2">
-                      <dgm:varLst>
-                        <dgm:chPref val="3"/>
-                      </dgm:varLst>
-                      <dgm:alg type="tx"/>
-                      <dgm:shape xmlns:r="http://schemas.openxmlformats.org/officeDocument/2006/relationships" type="roundRect" r:blip="">
-                        <dgm:adjLst>
-                          <dgm:adj idx="1" val="0.1"/>
-                        </dgm:adjLst>
-                      </dgm:shape>
-                      <dgm:presOf axis="self"/>
-                      <dgm:constrLst>
-                        <dgm:constr type="tMarg" refType="primFontSz" fact="0.3"/>
-                        <dgm:constr type="bMarg" refType="primFontSz" fact="0.3"/>
-                        <dgm:constr type="lMarg" refType="primFontSz" fact="0.3"/>
-                        <dgm:constr type="rMarg" refType="primFontSz" fact="0.3"/>
-                      </dgm:constrLst>
-                      <dgm:ruleLst>
-                        <dgm:rule type="primFontSz" val="5" fact="NaN" max="NaN"/>
-                      </dgm:ruleLst>
-                    </dgm:layoutNode>
-                  </dgm:layoutNode>
-                  <dgm:layoutNode name="hierChild3">
-                    <dgm:choose name="Name12">
-                      <dgm:if name="Name13" func="var" arg="dir" op="equ" val="norm">
-                        <dgm:alg type="hierChild">
-                          <dgm:param type="linDir" val="fromL"/>
-                        </dgm:alg>
-                      </dgm:if>
-                      <dgm:else name="Name14">
-                        <dgm:alg type="hierChild">
-                          <dgm:param type="linDir" val="fromR"/>
-                        </dgm:alg>
-                      </dgm:else>
-                    </dgm:choose>
-                    <dgm:shape xmlns:r="http://schemas.openxmlformats.org/officeDocument/2006/relationships" r:blip="">
-                      <dgm:adjLst/>
-                    </dgm:shape>
-                    <dgm:presOf/>
-                    <dgm:constrLst/>
-                    <dgm:ruleLst/>
-                    <dgm:forEach name="Name15" axis="ch">
-                      <dgm:forEach name="Name16" axis="self" ptType="parTrans" cnt="1">
-                        <dgm:layoutNode name="Name17">
-                          <dgm:alg type="conn">
-                            <dgm:param type="dim" val="1D"/>
-                            <dgm:param type="endSty" val="noArr"/>
-                            <dgm:param type="connRout" val="bend"/>
-                            <dgm:param type="bendPt" val="end"/>
-                            <dgm:param type="begPts" val="bCtr"/>
-                            <dgm:param type="endPts" val="tCtr"/>
-                            <dgm:param type="srcNode" val="background2"/>
-                            <dgm:param type="dstNode" val="background3"/>
-                          </dgm:alg>
-                          <dgm:shape xmlns:r="http://schemas.openxmlformats.org/officeDocument/2006/relationships" type="conn" r:blip="" zOrderOff="-999">
-                            <dgm:adjLst/>
-                          </dgm:shape>
-                          <dgm:presOf axis="self"/>
-                          <dgm:constrLst>
-                            <dgm:constr type="begPad"/>
-                            <dgm:constr type="endPad"/>
-                          </dgm:constrLst>
-                          <dgm:ruleLst/>
-                        </dgm:layoutNode>
-                      </dgm:forEach>
-                      <dgm:forEach name="Name18" axis="self" ptType="node">
-                        <dgm:layoutNode name="hierRoot3">
-                          <dgm:alg type="hierRoot"/>
-                          <dgm:shape xmlns:r="http://schemas.openxmlformats.org/officeDocument/2006/relationships" r:blip="">
-                            <dgm:adjLst/>
-                          </dgm:shape>
-                          <dgm:presOf/>
-                          <dgm:constrLst>
-                            <dgm:constr type="bendDist" for="des" ptType="parTrans" refType="sp" fact="0.5"/>
-                          </dgm:constrLst>
-                          <dgm:ruleLst/>
-                          <dgm:layoutNode name="composite3">
-                            <dgm:alg type="composite"/>
-                            <dgm:shape xmlns:r="http://schemas.openxmlformats.org/officeDocument/2006/relationships" r:blip="">
-                              <dgm:adjLst/>
-                            </dgm:shape>
-                            <dgm:presOf/>
-                            <dgm:constrLst>
-                              <dgm:constr type="w" for="ch" forName="background3" refType="w" fact="0.9"/>
-                              <dgm:constr type="h" for="ch" forName="background3" refType="w" refFor="ch" refForName="background3" fact="0.635"/>
-                              <dgm:constr type="t" for="ch" forName="background3"/>
-                              <dgm:constr type="l" for="ch" forName="background3"/>
-                              <dgm:constr type="w" for="ch" forName="text3" refType="w" fact="0.9"/>
-                              <dgm:constr type="h" for="ch" forName="text3" refType="w" refFor="ch" refForName="text3" fact="0.635"/>
-                              <dgm:constr type="t" for="ch" forName="text3" refType="w" fact="0.095"/>
-                              <dgm:constr type="l" for="ch" forName="text3" refType="w" fact="0.1"/>
-                            </dgm:constrLst>
-                            <dgm:ruleLst/>
-                            <dgm:layoutNode name="background3" moveWith="text3">
-                              <dgm:alg type="sp"/>
-                              <dgm:shape xmlns:r="http://schemas.openxmlformats.org/officeDocument/2006/relationships" type="roundRect" r:blip="">
-                                <dgm:adjLst>
-                                  <dgm:adj idx="1" val="0.1"/>
-                                </dgm:adjLst>
-                              </dgm:shape>
-                              <dgm:presOf/>
-                              <dgm:constrLst/>
-                              <dgm:ruleLst/>
-                            </dgm:layoutNode>
-                            <dgm:layoutNode name="text3" styleLbl="fgAcc3">
-                              <dgm:varLst>
-                                <dgm:chPref val="3"/>
-                              </dgm:varLst>
-                              <dgm:alg type="tx"/>
-                              <dgm:shape xmlns:r="http://schemas.openxmlformats.org/officeDocument/2006/relationships" type="roundRect" r:blip="">
-                                <dgm:adjLst>
-                                  <dgm:adj idx="1" val="0.1"/>
-                                </dgm:adjLst>
-                              </dgm:shape>
-                              <dgm:presOf axis="self"/>
-                              <dgm:constrLst>
-                                <dgm:constr type="tMarg" refType="primFontSz" fact="0.3"/>
-                                <dgm:constr type="bMarg" refType="primFontSz" fact="0.3"/>
-                                <dgm:constr type="lMarg" refType="primFontSz" fact="0.3"/>
-                                <dgm:constr type="rMarg" refType="primFontSz" fact="0.3"/>
-                              </dgm:constrLst>
-                              <dgm:ruleLst>
-                                <dgm:rule type="primFontSz" val="5" fact="NaN" max="NaN"/>
-                              </dgm:ruleLst>
-                            </dgm:layoutNode>
-                          </dgm:layoutNode>
-                          <dgm:layoutNode name="hierChild4">
-                            <dgm:choose name="Name19">
-                              <dgm:if name="Name20" func="var" arg="dir" op="equ" val="norm">
-                                <dgm:alg type="hierChild">
-                                  <dgm:param type="linDir" val="fromL"/>
-                                </dgm:alg>
-                              </dgm:if>
-                              <dgm:else name="Name21">
-                                <dgm:alg type="hierChild">
-                                  <dgm:param type="linDir" val="fromR"/>
-                                </dgm:alg>
-                              </dgm:else>
-                            </dgm:choose>
-                            <dgm:shape xmlns:r="http://schemas.openxmlformats.org/officeDocument/2006/relationships" r:blip="">
-                              <dgm:adjLst/>
-                            </dgm:shape>
-                            <dgm:presOf/>
-                            <dgm:constrLst/>
-                            <dgm:ruleLst/>
-                            <dgm:forEach name="repeat" axis="ch">
-                              <dgm:forEach name="Name22" axis="self" ptType="parTrans" cnt="1">
-                                <dgm:layoutNode name="Name23">
-                                  <dgm:choose name="Name24">
-                                    <dgm:if name="Name25" axis="self" func="depth" op="lte" val="4">
-                                      <dgm:alg type="conn">
-                                        <dgm:param type="dim" val="1D"/>
-                                        <dgm:param type="endSty" val="noArr"/>
-                                        <dgm:param type="connRout" val="bend"/>
-                                        <dgm:param type="bendPt" val="end"/>
-                                        <dgm:param type="begPts" val="bCtr"/>
-                                        <dgm:param type="endPts" val="tCtr"/>
-                                        <dgm:param type="srcNode" val="background3"/>
-                                        <dgm:param type="dstNode" val="background4"/>
-                                      </dgm:alg>
-                                    </dgm:if>
-                                    <dgm:else name="Name26">
-                                      <dgm:alg type="conn">
-                                        <dgm:param type="dim" val="1D"/>
-                                        <dgm:param type="endSty" val="noArr"/>
-                                        <dgm:param type="connRout" val="bend"/>
-                                        <dgm:param type="bendPt" val="end"/>
-                                        <dgm:param type="begPts" val="bCtr"/>
-                                        <dgm:param type="endPts" val="tCtr"/>
-                                        <dgm:param type="srcNode" val="background4"/>
-                                        <dgm:param type="dstNode" val="background4"/>
-                                      </dgm:alg>
-                                    </dgm:else>
-                                  </dgm:choose>
-                                  <dgm:shape xmlns:r="http://schemas.openxmlformats.org/officeDocument/2006/relationships" type="conn" r:blip="" zOrderOff="-999">
-                                    <dgm:adjLst/>
-                                  </dgm:shape>
-                                  <dgm:presOf axis="self"/>
-                                  <dgm:constrLst>
-                                    <dgm:constr type="begPad"/>
-                                    <dgm:constr type="endPad"/>
-                                  </dgm:constrLst>
-                                  <dgm:ruleLst/>
-                                </dgm:layoutNode>
-                              </dgm:forEach>
-                              <dgm:forEach name="Name27" axis="self" ptType="node">
-                                <dgm:layoutNode name="hierRoot4">
-                                  <dgm:alg type="hierRoot"/>
-                                  <dgm:shape xmlns:r="http://schemas.openxmlformats.org/officeDocument/2006/relationships" r:blip="">
-                                    <dgm:adjLst/>
-                                  </dgm:shape>
-                                  <dgm:presOf/>
-                                  <dgm:constrLst>
-                                    <dgm:constr type="bendDist" for="des" ptType="parTrans" refType="sp" fact="0.5"/>
-                                  </dgm:constrLst>
-                                  <dgm:ruleLst/>
-                                  <dgm:layoutNode name="composite4">
-                                    <dgm:alg type="composite"/>
-                                    <dgm:shape xmlns:r="http://schemas.openxmlformats.org/officeDocument/2006/relationships" r:blip="">
-                                      <dgm:adjLst/>
-                                    </dgm:shape>
-                                    <dgm:presOf/>
-                                    <dgm:constrLst>
-                                      <dgm:constr type="w" for="ch" forName="background4" refType="w" fact="0.9"/>
-                                      <dgm:constr type="h" for="ch" forName="background4" refType="w" refFor="ch" refForName="background4" fact="0.635"/>
-                                      <dgm:constr type="t" for="ch" forName="background4"/>
-                                      <dgm:constr type="l" for="ch" forName="background4"/>
-                                      <dgm:constr type="w" for="ch" forName="text4" refType="w" fact="0.9"/>
-                                      <dgm:constr type="h" for="ch" forName="text4" refType="w" refFor="ch" refForName="text4" fact="0.635"/>
-                                      <dgm:constr type="t" for="ch" forName="text4" refType="w" fact="0.095"/>
-                                      <dgm:constr type="l" for="ch" forName="text4" refType="w" fact="0.1"/>
-                                    </dgm:constrLst>
-                                    <dgm:ruleLst/>
-                                    <dgm:layoutNode name="background4" moveWith="text4">
-                                      <dgm:alg type="sp"/>
-                                      <dgm:shape xmlns:r="http://schemas.openxmlformats.org/officeDocument/2006/relationships" type="roundRect" r:blip="">
-                                        <dgm:adjLst>
-                                          <dgm:adj idx="1" val="0.1"/>
-                                        </dgm:adjLst>
-                                      </dgm:shape>
-                                      <dgm:presOf/>
-                                      <dgm:constrLst/>
-                                      <dgm:ruleLst/>
-                                    </dgm:layoutNode>
-                                    <dgm:layoutNode name="text4" styleLbl="fgAcc4">
-                                      <dgm:varLst>
-                                        <dgm:chPref val="3"/>
-                                      </dgm:varLst>
-                                      <dgm:alg type="tx"/>
-                                      <dgm:shape xmlns:r="http://schemas.openxmlformats.org/officeDocument/2006/relationships" type="roundRect" r:blip="">
-                                        <dgm:adjLst>
-                                          <dgm:adj idx="1" val="0.1"/>
-                                        </dgm:adjLst>
-                                      </dgm:shape>
-                                      <dgm:presOf axis="self"/>
-                                      <dgm:constrLst>
-                                        <dgm:constr type="tMarg" refType="primFontSz" fact="0.3"/>
-                                        <dgm:constr type="bMarg" refType="primFontSz" fact="0.3"/>
-                                        <dgm:constr type="lMarg" refType="primFontSz" fact="0.3"/>
-                                        <dgm:constr type="rMarg" refType="primFontSz" fact="0.3"/>
-                                      </dgm:constrLst>
-                                      <dgm:ruleLst>
-                                        <dgm:rule type="primFontSz" val="5" fact="NaN" max="NaN"/>
-                                      </dgm:ruleLst>
-                                    </dgm:layoutNode>
-                                  </dgm:layoutNode>
-                                  <dgm:layoutNode name="hierChild5">
-                                    <dgm:choose name="Name28">
-                                      <dgm:if name="Name29" func="var" arg="dir" op="equ" val="norm">
-                                        <dgm:alg type="hierChild">
-                                          <dgm:param type="linDir" val="fromL"/>
-                                        </dgm:alg>
-                                      </dgm:if>
-                                      <dgm:else name="Name30">
-                                        <dgm:alg type="hierChild">
-                                          <dgm:param type="linDir" val="fromR"/>
-                                        </dgm:alg>
-                                      </dgm:else>
-                                    </dgm:choose>
-                                    <dgm:shape xmlns:r="http://schemas.openxmlformats.org/officeDocument/2006/relationships" r:blip="">
-                                      <dgm:adjLst/>
-                                    </dgm:shape>
-                                    <dgm:presOf/>
-                                    <dgm:constrLst/>
-                                    <dgm:ruleLst/>
-                                    <dgm:forEach name="Name31" ref="repeat"/>
-                                  </dgm:layoutNode>
-                                </dgm:layoutNode>
-                              </dgm:forEach>
-                            </dgm:forEach>
-                          </dgm:layoutNode>
-                        </dgm:layoutNode>
-                      </dgm:forEach>
-                    </dgm:forEach>
-                  </dgm:layoutNode>
-                </dgm:layoutNode>
-              </dgm:forEach>
-            </dgm:forEach>
-          </dgm:layoutNode>
-        </dgm:layoutNode>
-      </dgm:forEach>
-    </dgm:forEach>
-  </dgm:layoutNode>
-</dgm:layoutDef>
-</file>
-
 <file path=ppt/diagrams/quickStyle1.xml><?xml version="1.0" encoding="utf-8"?>
 <dgm:styleDef xmlns:dgm="http://schemas.openxmlformats.org/drawingml/2006/diagram" xmlns:a="http://schemas.openxmlformats.org/drawingml/2006/main" uniqueId="urn:microsoft.com/office/officeart/2005/8/quickstyle/simple1">
   <dgm:title val=""/>
@@ -9386,1040 +7787,6 @@
 </file>
 
 <file path=ppt/diagrams/quickStyle3.xml><?xml version="1.0" encoding="utf-8"?>
-<dgm:styleDef xmlns:dgm="http://schemas.openxmlformats.org/drawingml/2006/diagram" xmlns:a="http://schemas.openxmlformats.org/drawingml/2006/main" uniqueId="urn:microsoft.com/office/officeart/2005/8/quickstyle/simple1">
-  <dgm:title val=""/>
-  <dgm:desc val=""/>
-  <dgm:catLst>
-    <dgm:cat type="simple" pri="10100"/>
-  </dgm:catLst>
-  <dgm:scene3d>
-    <a:camera prst="orthographicFront"/>
-    <a:lightRig rig="threePt" dir="t"/>
-  </dgm:scene3d>
-  <dgm:styleLbl name="node0">
-    <dgm:scene3d>
-      <a:camera prst="orthographicFront"/>
-      <a:lightRig rig="threePt" dir="t"/>
-    </dgm:scene3d>
-    <dgm:sp3d/>
-    <dgm:txPr/>
-    <dgm:style>
-      <a:lnRef idx="2">
-        <a:scrgbClr r="0" g="0" b="0"/>
-      </a:lnRef>
-      <a:fillRef idx="1">
-        <a:scrgbClr r="0" g="0" b="0"/>
-      </a:fillRef>
-      <a:effectRef idx="0">
-        <a:scrgbClr r="0" g="0" b="0"/>
-      </a:effectRef>
-      <a:fontRef idx="minor">
-        <a:schemeClr val="lt1"/>
-      </a:fontRef>
-    </dgm:style>
-  </dgm:styleLbl>
-  <dgm:styleLbl name="lnNode1">
-    <dgm:scene3d>
-      <a:camera prst="orthographicFront"/>
-      <a:lightRig rig="threePt" dir="t"/>
-    </dgm:scene3d>
-    <dgm:sp3d/>
-    <dgm:txPr/>
-    <dgm:style>
-      <a:lnRef idx="2">
-        <a:scrgbClr r="0" g="0" b="0"/>
-      </a:lnRef>
-      <a:fillRef idx="1">
-        <a:scrgbClr r="0" g="0" b="0"/>
-      </a:fillRef>
-      <a:effectRef idx="0">
-        <a:scrgbClr r="0" g="0" b="0"/>
-      </a:effectRef>
-      <a:fontRef idx="minor">
-        <a:schemeClr val="lt1"/>
-      </a:fontRef>
-    </dgm:style>
-  </dgm:styleLbl>
-  <dgm:styleLbl name="vennNode1">
-    <dgm:scene3d>
-      <a:camera prst="orthographicFront"/>
-      <a:lightRig rig="threePt" dir="t"/>
-    </dgm:scene3d>
-    <dgm:sp3d/>
-    <dgm:txPr/>
-    <dgm:style>
-      <a:lnRef idx="2">
-        <a:scrgbClr r="0" g="0" b="0"/>
-      </a:lnRef>
-      <a:fillRef idx="1">
-        <a:scrgbClr r="0" g="0" b="0"/>
-      </a:fillRef>
-      <a:effectRef idx="0">
-        <a:scrgbClr r="0" g="0" b="0"/>
-      </a:effectRef>
-      <a:fontRef idx="minor">
-        <a:schemeClr val="tx1"/>
-      </a:fontRef>
-    </dgm:style>
-  </dgm:styleLbl>
-  <dgm:styleLbl name="alignNode1">
-    <dgm:scene3d>
-      <a:camera prst="orthographicFront"/>
-      <a:lightRig rig="threePt" dir="t"/>
-    </dgm:scene3d>
-    <dgm:sp3d/>
-    <dgm:txPr/>
-    <dgm:style>
-      <a:lnRef idx="2">
-        <a:scrgbClr r="0" g="0" b="0"/>
-      </a:lnRef>
-      <a:fillRef idx="1">
-        <a:scrgbClr r="0" g="0" b="0"/>
-      </a:fillRef>
-      <a:effectRef idx="0">
-        <a:scrgbClr r="0" g="0" b="0"/>
-      </a:effectRef>
-      <a:fontRef idx="minor">
-        <a:schemeClr val="lt1"/>
-      </a:fontRef>
-    </dgm:style>
-  </dgm:styleLbl>
-  <dgm:styleLbl name="node1">
-    <dgm:scene3d>
-      <a:camera prst="orthographicFront"/>
-      <a:lightRig rig="threePt" dir="t"/>
-    </dgm:scene3d>
-    <dgm:sp3d/>
-    <dgm:txPr/>
-    <dgm:style>
-      <a:lnRef idx="2">
-        <a:scrgbClr r="0" g="0" b="0"/>
-      </a:lnRef>
-      <a:fillRef idx="1">
-        <a:scrgbClr r="0" g="0" b="0"/>
-      </a:fillRef>
-      <a:effectRef idx="0">
-        <a:scrgbClr r="0" g="0" b="0"/>
-      </a:effectRef>
-      <a:fontRef idx="minor">
-        <a:schemeClr val="lt1"/>
-      </a:fontRef>
-    </dgm:style>
-  </dgm:styleLbl>
-  <dgm:styleLbl name="node2">
-    <dgm:scene3d>
-      <a:camera prst="orthographicFront"/>
-      <a:lightRig rig="threePt" dir="t"/>
-    </dgm:scene3d>
-    <dgm:sp3d/>
-    <dgm:txPr/>
-    <dgm:style>
-      <a:lnRef idx="2">
-        <a:scrgbClr r="0" g="0" b="0"/>
-      </a:lnRef>
-      <a:fillRef idx="1">
-        <a:scrgbClr r="0" g="0" b="0"/>
-      </a:fillRef>
-      <a:effectRef idx="0">
-        <a:scrgbClr r="0" g="0" b="0"/>
-      </a:effectRef>
-      <a:fontRef idx="minor">
-        <a:schemeClr val="lt1"/>
-      </a:fontRef>
-    </dgm:style>
-  </dgm:styleLbl>
-  <dgm:styleLbl name="node3">
-    <dgm:scene3d>
-      <a:camera prst="orthographicFront"/>
-      <a:lightRig rig="threePt" dir="t"/>
-    </dgm:scene3d>
-    <dgm:sp3d/>
-    <dgm:txPr/>
-    <dgm:style>
-      <a:lnRef idx="2">
-        <a:scrgbClr r="0" g="0" b="0"/>
-      </a:lnRef>
-      <a:fillRef idx="1">
-        <a:scrgbClr r="0" g="0" b="0"/>
-      </a:fillRef>
-      <a:effectRef idx="0">
-        <a:scrgbClr r="0" g="0" b="0"/>
-      </a:effectRef>
-      <a:fontRef idx="minor">
-        <a:schemeClr val="lt1"/>
-      </a:fontRef>
-    </dgm:style>
-  </dgm:styleLbl>
-  <dgm:styleLbl name="node4">
-    <dgm:scene3d>
-      <a:camera prst="orthographicFront"/>
-      <a:lightRig rig="threePt" dir="t"/>
-    </dgm:scene3d>
-    <dgm:sp3d/>
-    <dgm:txPr/>
-    <dgm:style>
-      <a:lnRef idx="2">
-        <a:scrgbClr r="0" g="0" b="0"/>
-      </a:lnRef>
-      <a:fillRef idx="1">
-        <a:scrgbClr r="0" g="0" b="0"/>
-      </a:fillRef>
-      <a:effectRef idx="0">
-        <a:scrgbClr r="0" g="0" b="0"/>
-      </a:effectRef>
-      <a:fontRef idx="minor">
-        <a:schemeClr val="lt1"/>
-      </a:fontRef>
-    </dgm:style>
-  </dgm:styleLbl>
-  <dgm:styleLbl name="fgImgPlace1">
-    <dgm:scene3d>
-      <a:camera prst="orthographicFront"/>
-      <a:lightRig rig="threePt" dir="t"/>
-    </dgm:scene3d>
-    <dgm:sp3d/>
-    <dgm:txPr/>
-    <dgm:style>
-      <a:lnRef idx="2">
-        <a:scrgbClr r="0" g="0" b="0"/>
-      </a:lnRef>
-      <a:fillRef idx="1">
-        <a:scrgbClr r="0" g="0" b="0"/>
-      </a:fillRef>
-      <a:effectRef idx="0">
-        <a:scrgbClr r="0" g="0" b="0"/>
-      </a:effectRef>
-      <a:fontRef idx="minor"/>
-    </dgm:style>
-  </dgm:styleLbl>
-  <dgm:styleLbl name="alignImgPlace1">
-    <dgm:scene3d>
-      <a:camera prst="orthographicFront"/>
-      <a:lightRig rig="threePt" dir="t"/>
-    </dgm:scene3d>
-    <dgm:sp3d/>
-    <dgm:txPr/>
-    <dgm:style>
-      <a:lnRef idx="2">
-        <a:scrgbClr r="0" g="0" b="0"/>
-      </a:lnRef>
-      <a:fillRef idx="1">
-        <a:scrgbClr r="0" g="0" b="0"/>
-      </a:fillRef>
-      <a:effectRef idx="0">
-        <a:scrgbClr r="0" g="0" b="0"/>
-      </a:effectRef>
-      <a:fontRef idx="minor"/>
-    </dgm:style>
-  </dgm:styleLbl>
-  <dgm:styleLbl name="bgImgPlace1">
-    <dgm:scene3d>
-      <a:camera prst="orthographicFront"/>
-      <a:lightRig rig="threePt" dir="t"/>
-    </dgm:scene3d>
-    <dgm:sp3d/>
-    <dgm:txPr/>
-    <dgm:style>
-      <a:lnRef idx="2">
-        <a:scrgbClr r="0" g="0" b="0"/>
-      </a:lnRef>
-      <a:fillRef idx="1">
-        <a:scrgbClr r="0" g="0" b="0"/>
-      </a:fillRef>
-      <a:effectRef idx="0">
-        <a:scrgbClr r="0" g="0" b="0"/>
-      </a:effectRef>
-      <a:fontRef idx="minor"/>
-    </dgm:style>
-  </dgm:styleLbl>
-  <dgm:styleLbl name="sibTrans2D1">
-    <dgm:scene3d>
-      <a:camera prst="orthographicFront"/>
-      <a:lightRig rig="threePt" dir="t"/>
-    </dgm:scene3d>
-    <dgm:sp3d/>
-    <dgm:txPr/>
-    <dgm:style>
-      <a:lnRef idx="0">
-        <a:scrgbClr r="0" g="0" b="0"/>
-      </a:lnRef>
-      <a:fillRef idx="1">
-        <a:scrgbClr r="0" g="0" b="0"/>
-      </a:fillRef>
-      <a:effectRef idx="0">
-        <a:scrgbClr r="0" g="0" b="0"/>
-      </a:effectRef>
-      <a:fontRef idx="minor">
-        <a:schemeClr val="lt1"/>
-      </a:fontRef>
-    </dgm:style>
-  </dgm:styleLbl>
-  <dgm:styleLbl name="fgSibTrans2D1">
-    <dgm:scene3d>
-      <a:camera prst="orthographicFront"/>
-      <a:lightRig rig="threePt" dir="t"/>
-    </dgm:scene3d>
-    <dgm:sp3d/>
-    <dgm:txPr/>
-    <dgm:style>
-      <a:lnRef idx="0">
-        <a:scrgbClr r="0" g="0" b="0"/>
-      </a:lnRef>
-      <a:fillRef idx="1">
-        <a:scrgbClr r="0" g="0" b="0"/>
-      </a:fillRef>
-      <a:effectRef idx="0">
-        <a:scrgbClr r="0" g="0" b="0"/>
-      </a:effectRef>
-      <a:fontRef idx="minor">
-        <a:schemeClr val="lt1"/>
-      </a:fontRef>
-    </dgm:style>
-  </dgm:styleLbl>
-  <dgm:styleLbl name="bgSibTrans2D1">
-    <dgm:scene3d>
-      <a:camera prst="orthographicFront"/>
-      <a:lightRig rig="threePt" dir="t"/>
-    </dgm:scene3d>
-    <dgm:sp3d/>
-    <dgm:txPr/>
-    <dgm:style>
-      <a:lnRef idx="0">
-        <a:scrgbClr r="0" g="0" b="0"/>
-      </a:lnRef>
-      <a:fillRef idx="1">
-        <a:scrgbClr r="0" g="0" b="0"/>
-      </a:fillRef>
-      <a:effectRef idx="0">
-        <a:scrgbClr r="0" g="0" b="0"/>
-      </a:effectRef>
-      <a:fontRef idx="minor">
-        <a:schemeClr val="lt1"/>
-      </a:fontRef>
-    </dgm:style>
-  </dgm:styleLbl>
-  <dgm:styleLbl name="sibTrans1D1">
-    <dgm:scene3d>
-      <a:camera prst="orthographicFront"/>
-      <a:lightRig rig="threePt" dir="t"/>
-    </dgm:scene3d>
-    <dgm:sp3d/>
-    <dgm:txPr/>
-    <dgm:style>
-      <a:lnRef idx="1">
-        <a:scrgbClr r="0" g="0" b="0"/>
-      </a:lnRef>
-      <a:fillRef idx="0">
-        <a:scrgbClr r="0" g="0" b="0"/>
-      </a:fillRef>
-      <a:effectRef idx="0">
-        <a:scrgbClr r="0" g="0" b="0"/>
-      </a:effectRef>
-      <a:fontRef idx="minor"/>
-    </dgm:style>
-  </dgm:styleLbl>
-  <dgm:styleLbl name="callout">
-    <dgm:scene3d>
-      <a:camera prst="orthographicFront"/>
-      <a:lightRig rig="threePt" dir="t"/>
-    </dgm:scene3d>
-    <dgm:sp3d/>
-    <dgm:txPr/>
-    <dgm:style>
-      <a:lnRef idx="2">
-        <a:scrgbClr r="0" g="0" b="0"/>
-      </a:lnRef>
-      <a:fillRef idx="1">
-        <a:scrgbClr r="0" g="0" b="0"/>
-      </a:fillRef>
-      <a:effectRef idx="0">
-        <a:scrgbClr r="0" g="0" b="0"/>
-      </a:effectRef>
-      <a:fontRef idx="minor"/>
-    </dgm:style>
-  </dgm:styleLbl>
-  <dgm:styleLbl name="asst0">
-    <dgm:scene3d>
-      <a:camera prst="orthographicFront"/>
-      <a:lightRig rig="threePt" dir="t"/>
-    </dgm:scene3d>
-    <dgm:sp3d/>
-    <dgm:txPr/>
-    <dgm:style>
-      <a:lnRef idx="2">
-        <a:scrgbClr r="0" g="0" b="0"/>
-      </a:lnRef>
-      <a:fillRef idx="1">
-        <a:scrgbClr r="0" g="0" b="0"/>
-      </a:fillRef>
-      <a:effectRef idx="0">
-        <a:scrgbClr r="0" g="0" b="0"/>
-      </a:effectRef>
-      <a:fontRef idx="minor">
-        <a:schemeClr val="lt1"/>
-      </a:fontRef>
-    </dgm:style>
-  </dgm:styleLbl>
-  <dgm:styleLbl name="asst1">
-    <dgm:scene3d>
-      <a:camera prst="orthographicFront"/>
-      <a:lightRig rig="threePt" dir="t"/>
-    </dgm:scene3d>
-    <dgm:sp3d/>
-    <dgm:txPr/>
-    <dgm:style>
-      <a:lnRef idx="2">
-        <a:scrgbClr r="0" g="0" b="0"/>
-      </a:lnRef>
-      <a:fillRef idx="1">
-        <a:scrgbClr r="0" g="0" b="0"/>
-      </a:fillRef>
-      <a:effectRef idx="0">
-        <a:scrgbClr r="0" g="0" b="0"/>
-      </a:effectRef>
-      <a:fontRef idx="minor">
-        <a:schemeClr val="lt1"/>
-      </a:fontRef>
-    </dgm:style>
-  </dgm:styleLbl>
-  <dgm:styleLbl name="asst2">
-    <dgm:scene3d>
-      <a:camera prst="orthographicFront"/>
-      <a:lightRig rig="threePt" dir="t"/>
-    </dgm:scene3d>
-    <dgm:sp3d/>
-    <dgm:txPr/>
-    <dgm:style>
-      <a:lnRef idx="2">
-        <a:scrgbClr r="0" g="0" b="0"/>
-      </a:lnRef>
-      <a:fillRef idx="1">
-        <a:scrgbClr r="0" g="0" b="0"/>
-      </a:fillRef>
-      <a:effectRef idx="0">
-        <a:scrgbClr r="0" g="0" b="0"/>
-      </a:effectRef>
-      <a:fontRef idx="minor">
-        <a:schemeClr val="lt1"/>
-      </a:fontRef>
-    </dgm:style>
-  </dgm:styleLbl>
-  <dgm:styleLbl name="asst3">
-    <dgm:scene3d>
-      <a:camera prst="orthographicFront"/>
-      <a:lightRig rig="threePt" dir="t"/>
-    </dgm:scene3d>
-    <dgm:sp3d/>
-    <dgm:txPr/>
-    <dgm:style>
-      <a:lnRef idx="2">
-        <a:scrgbClr r="0" g="0" b="0"/>
-      </a:lnRef>
-      <a:fillRef idx="1">
-        <a:scrgbClr r="0" g="0" b="0"/>
-      </a:fillRef>
-      <a:effectRef idx="0">
-        <a:scrgbClr r="0" g="0" b="0"/>
-      </a:effectRef>
-      <a:fontRef idx="minor">
-        <a:schemeClr val="lt1"/>
-      </a:fontRef>
-    </dgm:style>
-  </dgm:styleLbl>
-  <dgm:styleLbl name="asst4">
-    <dgm:scene3d>
-      <a:camera prst="orthographicFront"/>
-      <a:lightRig rig="threePt" dir="t"/>
-    </dgm:scene3d>
-    <dgm:sp3d/>
-    <dgm:txPr/>
-    <dgm:style>
-      <a:lnRef idx="2">
-        <a:scrgbClr r="0" g="0" b="0"/>
-      </a:lnRef>
-      <a:fillRef idx="1">
-        <a:scrgbClr r="0" g="0" b="0"/>
-      </a:fillRef>
-      <a:effectRef idx="0">
-        <a:scrgbClr r="0" g="0" b="0"/>
-      </a:effectRef>
-      <a:fontRef idx="minor">
-        <a:schemeClr val="lt1"/>
-      </a:fontRef>
-    </dgm:style>
-  </dgm:styleLbl>
-  <dgm:styleLbl name="parChTrans2D1">
-    <dgm:scene3d>
-      <a:camera prst="orthographicFront"/>
-      <a:lightRig rig="threePt" dir="t"/>
-    </dgm:scene3d>
-    <dgm:sp3d/>
-    <dgm:txPr/>
-    <dgm:style>
-      <a:lnRef idx="2">
-        <a:scrgbClr r="0" g="0" b="0"/>
-      </a:lnRef>
-      <a:fillRef idx="1">
-        <a:scrgbClr r="0" g="0" b="0"/>
-      </a:fillRef>
-      <a:effectRef idx="0">
-        <a:scrgbClr r="0" g="0" b="0"/>
-      </a:effectRef>
-      <a:fontRef idx="minor">
-        <a:schemeClr val="lt1"/>
-      </a:fontRef>
-    </dgm:style>
-  </dgm:styleLbl>
-  <dgm:styleLbl name="parChTrans2D2">
-    <dgm:scene3d>
-      <a:camera prst="orthographicFront"/>
-      <a:lightRig rig="threePt" dir="t"/>
-    </dgm:scene3d>
-    <dgm:sp3d/>
-    <dgm:txPr/>
-    <dgm:style>
-      <a:lnRef idx="2">
-        <a:scrgbClr r="0" g="0" b="0"/>
-      </a:lnRef>
-      <a:fillRef idx="1">
-        <a:scrgbClr r="0" g="0" b="0"/>
-      </a:fillRef>
-      <a:effectRef idx="0">
-        <a:scrgbClr r="0" g="0" b="0"/>
-      </a:effectRef>
-      <a:fontRef idx="minor">
-        <a:schemeClr val="lt1"/>
-      </a:fontRef>
-    </dgm:style>
-  </dgm:styleLbl>
-  <dgm:styleLbl name="parChTrans2D3">
-    <dgm:scene3d>
-      <a:camera prst="orthographicFront"/>
-      <a:lightRig rig="threePt" dir="t"/>
-    </dgm:scene3d>
-    <dgm:sp3d/>
-    <dgm:txPr/>
-    <dgm:style>
-      <a:lnRef idx="2">
-        <a:scrgbClr r="0" g="0" b="0"/>
-      </a:lnRef>
-      <a:fillRef idx="1">
-        <a:scrgbClr r="0" g="0" b="0"/>
-      </a:fillRef>
-      <a:effectRef idx="0">
-        <a:scrgbClr r="0" g="0" b="0"/>
-      </a:effectRef>
-      <a:fontRef idx="minor">
-        <a:schemeClr val="lt1"/>
-      </a:fontRef>
-    </dgm:style>
-  </dgm:styleLbl>
-  <dgm:styleLbl name="parChTrans2D4">
-    <dgm:scene3d>
-      <a:camera prst="orthographicFront"/>
-      <a:lightRig rig="threePt" dir="t"/>
-    </dgm:scene3d>
-    <dgm:sp3d/>
-    <dgm:txPr/>
-    <dgm:style>
-      <a:lnRef idx="2">
-        <a:scrgbClr r="0" g="0" b="0"/>
-      </a:lnRef>
-      <a:fillRef idx="1">
-        <a:scrgbClr r="0" g="0" b="0"/>
-      </a:fillRef>
-      <a:effectRef idx="0">
-        <a:scrgbClr r="0" g="0" b="0"/>
-      </a:effectRef>
-      <a:fontRef idx="minor">
-        <a:schemeClr val="lt1"/>
-      </a:fontRef>
-    </dgm:style>
-  </dgm:styleLbl>
-  <dgm:styleLbl name="parChTrans1D1">
-    <dgm:scene3d>
-      <a:camera prst="orthographicFront"/>
-      <a:lightRig rig="threePt" dir="t"/>
-    </dgm:scene3d>
-    <dgm:sp3d/>
-    <dgm:txPr/>
-    <dgm:style>
-      <a:lnRef idx="2">
-        <a:scrgbClr r="0" g="0" b="0"/>
-      </a:lnRef>
-      <a:fillRef idx="0">
-        <a:scrgbClr r="0" g="0" b="0"/>
-      </a:fillRef>
-      <a:effectRef idx="0">
-        <a:scrgbClr r="0" g="0" b="0"/>
-      </a:effectRef>
-      <a:fontRef idx="minor"/>
-    </dgm:style>
-  </dgm:styleLbl>
-  <dgm:styleLbl name="parChTrans1D2">
-    <dgm:scene3d>
-      <a:camera prst="orthographicFront"/>
-      <a:lightRig rig="threePt" dir="t"/>
-    </dgm:scene3d>
-    <dgm:sp3d/>
-    <dgm:txPr/>
-    <dgm:style>
-      <a:lnRef idx="2">
-        <a:scrgbClr r="0" g="0" b="0"/>
-      </a:lnRef>
-      <a:fillRef idx="0">
-        <a:scrgbClr r="0" g="0" b="0"/>
-      </a:fillRef>
-      <a:effectRef idx="0">
-        <a:scrgbClr r="0" g="0" b="0"/>
-      </a:effectRef>
-      <a:fontRef idx="minor"/>
-    </dgm:style>
-  </dgm:styleLbl>
-  <dgm:styleLbl name="parChTrans1D3">
-    <dgm:scene3d>
-      <a:camera prst="orthographicFront"/>
-      <a:lightRig rig="threePt" dir="t"/>
-    </dgm:scene3d>
-    <dgm:sp3d/>
-    <dgm:txPr/>
-    <dgm:style>
-      <a:lnRef idx="2">
-        <a:scrgbClr r="0" g="0" b="0"/>
-      </a:lnRef>
-      <a:fillRef idx="0">
-        <a:scrgbClr r="0" g="0" b="0"/>
-      </a:fillRef>
-      <a:effectRef idx="0">
-        <a:scrgbClr r="0" g="0" b="0"/>
-      </a:effectRef>
-      <a:fontRef idx="minor"/>
-    </dgm:style>
-  </dgm:styleLbl>
-  <dgm:styleLbl name="parChTrans1D4">
-    <dgm:scene3d>
-      <a:camera prst="orthographicFront"/>
-      <a:lightRig rig="threePt" dir="t"/>
-    </dgm:scene3d>
-    <dgm:sp3d/>
-    <dgm:txPr/>
-    <dgm:style>
-      <a:lnRef idx="2">
-        <a:scrgbClr r="0" g="0" b="0"/>
-      </a:lnRef>
-      <a:fillRef idx="0">
-        <a:scrgbClr r="0" g="0" b="0"/>
-      </a:fillRef>
-      <a:effectRef idx="0">
-        <a:scrgbClr r="0" g="0" b="0"/>
-      </a:effectRef>
-      <a:fontRef idx="minor"/>
-    </dgm:style>
-  </dgm:styleLbl>
-  <dgm:styleLbl name="fgAcc1">
-    <dgm:scene3d>
-      <a:camera prst="orthographicFront"/>
-      <a:lightRig rig="threePt" dir="t"/>
-    </dgm:scene3d>
-    <dgm:sp3d/>
-    <dgm:txPr/>
-    <dgm:style>
-      <a:lnRef idx="2">
-        <a:scrgbClr r="0" g="0" b="0"/>
-      </a:lnRef>
-      <a:fillRef idx="1">
-        <a:scrgbClr r="0" g="0" b="0"/>
-      </a:fillRef>
-      <a:effectRef idx="0">
-        <a:scrgbClr r="0" g="0" b="0"/>
-      </a:effectRef>
-      <a:fontRef idx="minor"/>
-    </dgm:style>
-  </dgm:styleLbl>
-  <dgm:styleLbl name="conFgAcc1">
-    <dgm:scene3d>
-      <a:camera prst="orthographicFront"/>
-      <a:lightRig rig="threePt" dir="t"/>
-    </dgm:scene3d>
-    <dgm:sp3d/>
-    <dgm:txPr/>
-    <dgm:style>
-      <a:lnRef idx="2">
-        <a:scrgbClr r="0" g="0" b="0"/>
-      </a:lnRef>
-      <a:fillRef idx="1">
-        <a:scrgbClr r="0" g="0" b="0"/>
-      </a:fillRef>
-      <a:effectRef idx="0">
-        <a:scrgbClr r="0" g="0" b="0"/>
-      </a:effectRef>
-      <a:fontRef idx="minor"/>
-    </dgm:style>
-  </dgm:styleLbl>
-  <dgm:styleLbl name="alignAcc1">
-    <dgm:scene3d>
-      <a:camera prst="orthographicFront"/>
-      <a:lightRig rig="threePt" dir="t"/>
-    </dgm:scene3d>
-    <dgm:sp3d/>
-    <dgm:txPr/>
-    <dgm:style>
-      <a:lnRef idx="2">
-        <a:scrgbClr r="0" g="0" b="0"/>
-      </a:lnRef>
-      <a:fillRef idx="1">
-        <a:scrgbClr r="0" g="0" b="0"/>
-      </a:fillRef>
-      <a:effectRef idx="0">
-        <a:scrgbClr r="0" g="0" b="0"/>
-      </a:effectRef>
-      <a:fontRef idx="minor"/>
-    </dgm:style>
-  </dgm:styleLbl>
-  <dgm:styleLbl name="trAlignAcc1">
-    <dgm:scene3d>
-      <a:camera prst="orthographicFront"/>
-      <a:lightRig rig="threePt" dir="t"/>
-    </dgm:scene3d>
-    <dgm:sp3d/>
-    <dgm:txPr/>
-    <dgm:style>
-      <a:lnRef idx="1">
-        <a:scrgbClr r="0" g="0" b="0"/>
-      </a:lnRef>
-      <a:fillRef idx="1">
-        <a:scrgbClr r="0" g="0" b="0"/>
-      </a:fillRef>
-      <a:effectRef idx="0">
-        <a:scrgbClr r="0" g="0" b="0"/>
-      </a:effectRef>
-      <a:fontRef idx="minor"/>
-    </dgm:style>
-  </dgm:styleLbl>
-  <dgm:styleLbl name="bgAcc1">
-    <dgm:scene3d>
-      <a:camera prst="orthographicFront"/>
-      <a:lightRig rig="threePt" dir="t"/>
-    </dgm:scene3d>
-    <dgm:sp3d/>
-    <dgm:txPr/>
-    <dgm:style>
-      <a:lnRef idx="2">
-        <a:scrgbClr r="0" g="0" b="0"/>
-      </a:lnRef>
-      <a:fillRef idx="1">
-        <a:scrgbClr r="0" g="0" b="0"/>
-      </a:fillRef>
-      <a:effectRef idx="0">
-        <a:scrgbClr r="0" g="0" b="0"/>
-      </a:effectRef>
-      <a:fontRef idx="minor"/>
-    </dgm:style>
-  </dgm:styleLbl>
-  <dgm:styleLbl name="solidFgAcc1">
-    <dgm:scene3d>
-      <a:camera prst="orthographicFront"/>
-      <a:lightRig rig="threePt" dir="t"/>
-    </dgm:scene3d>
-    <dgm:sp3d/>
-    <dgm:txPr/>
-    <dgm:style>
-      <a:lnRef idx="2">
-        <a:scrgbClr r="0" g="0" b="0"/>
-      </a:lnRef>
-      <a:fillRef idx="1">
-        <a:scrgbClr r="0" g="0" b="0"/>
-      </a:fillRef>
-      <a:effectRef idx="0">
-        <a:scrgbClr r="0" g="0" b="0"/>
-      </a:effectRef>
-      <a:fontRef idx="minor"/>
-    </dgm:style>
-  </dgm:styleLbl>
-  <dgm:styleLbl name="solidAlignAcc1">
-    <dgm:scene3d>
-      <a:camera prst="orthographicFront"/>
-      <a:lightRig rig="threePt" dir="t"/>
-    </dgm:scene3d>
-    <dgm:sp3d/>
-    <dgm:txPr/>
-    <dgm:style>
-      <a:lnRef idx="2">
-        <a:scrgbClr r="0" g="0" b="0"/>
-      </a:lnRef>
-      <a:fillRef idx="1">
-        <a:scrgbClr r="0" g="0" b="0"/>
-      </a:fillRef>
-      <a:effectRef idx="0">
-        <a:scrgbClr r="0" g="0" b="0"/>
-      </a:effectRef>
-      <a:fontRef idx="minor"/>
-    </dgm:style>
-  </dgm:styleLbl>
-  <dgm:styleLbl name="solidBgAcc1">
-    <dgm:scene3d>
-      <a:camera prst="orthographicFront"/>
-      <a:lightRig rig="threePt" dir="t"/>
-    </dgm:scene3d>
-    <dgm:sp3d/>
-    <dgm:txPr/>
-    <dgm:style>
-      <a:lnRef idx="2">
-        <a:scrgbClr r="0" g="0" b="0"/>
-      </a:lnRef>
-      <a:fillRef idx="1">
-        <a:scrgbClr r="0" g="0" b="0"/>
-      </a:fillRef>
-      <a:effectRef idx="0">
-        <a:scrgbClr r="0" g="0" b="0"/>
-      </a:effectRef>
-      <a:fontRef idx="minor"/>
-    </dgm:style>
-  </dgm:styleLbl>
-  <dgm:styleLbl name="fgAccFollowNode1">
-    <dgm:scene3d>
-      <a:camera prst="orthographicFront"/>
-      <a:lightRig rig="threePt" dir="t"/>
-    </dgm:scene3d>
-    <dgm:sp3d/>
-    <dgm:txPr/>
-    <dgm:style>
-      <a:lnRef idx="2">
-        <a:scrgbClr r="0" g="0" b="0"/>
-      </a:lnRef>
-      <a:fillRef idx="1">
-        <a:scrgbClr r="0" g="0" b="0"/>
-      </a:fillRef>
-      <a:effectRef idx="0">
-        <a:scrgbClr r="0" g="0" b="0"/>
-      </a:effectRef>
-      <a:fontRef idx="minor"/>
-    </dgm:style>
-  </dgm:styleLbl>
-  <dgm:styleLbl name="alignAccFollowNode1">
-    <dgm:scene3d>
-      <a:camera prst="orthographicFront"/>
-      <a:lightRig rig="threePt" dir="t"/>
-    </dgm:scene3d>
-    <dgm:sp3d/>
-    <dgm:txPr/>
-    <dgm:style>
-      <a:lnRef idx="2">
-        <a:scrgbClr r="0" g="0" b="0"/>
-      </a:lnRef>
-      <a:fillRef idx="1">
-        <a:scrgbClr r="0" g="0" b="0"/>
-      </a:fillRef>
-      <a:effectRef idx="0">
-        <a:scrgbClr r="0" g="0" b="0"/>
-      </a:effectRef>
-      <a:fontRef idx="minor"/>
-    </dgm:style>
-  </dgm:styleLbl>
-  <dgm:styleLbl name="bgAccFollowNode1">
-    <dgm:scene3d>
-      <a:camera prst="orthographicFront"/>
-      <a:lightRig rig="threePt" dir="t"/>
-    </dgm:scene3d>
-    <dgm:sp3d/>
-    <dgm:txPr/>
-    <dgm:style>
-      <a:lnRef idx="2">
-        <a:scrgbClr r="0" g="0" b="0"/>
-      </a:lnRef>
-      <a:fillRef idx="1">
-        <a:scrgbClr r="0" g="0" b="0"/>
-      </a:fillRef>
-      <a:effectRef idx="0">
-        <a:scrgbClr r="0" g="0" b="0"/>
-      </a:effectRef>
-      <a:fontRef idx="minor"/>
-    </dgm:style>
-  </dgm:styleLbl>
-  <dgm:styleLbl name="fgAcc0">
-    <dgm:scene3d>
-      <a:camera prst="orthographicFront"/>
-      <a:lightRig rig="threePt" dir="t"/>
-    </dgm:scene3d>
-    <dgm:sp3d/>
-    <dgm:txPr/>
-    <dgm:style>
-      <a:lnRef idx="2">
-        <a:scrgbClr r="0" g="0" b="0"/>
-      </a:lnRef>
-      <a:fillRef idx="1">
-        <a:scrgbClr r="0" g="0" b="0"/>
-      </a:fillRef>
-      <a:effectRef idx="0">
-        <a:scrgbClr r="0" g="0" b="0"/>
-      </a:effectRef>
-      <a:fontRef idx="minor"/>
-    </dgm:style>
-  </dgm:styleLbl>
-  <dgm:styleLbl name="fgAcc2">
-    <dgm:scene3d>
-      <a:camera prst="orthographicFront"/>
-      <a:lightRig rig="threePt" dir="t"/>
-    </dgm:scene3d>
-    <dgm:sp3d/>
-    <dgm:txPr/>
-    <dgm:style>
-      <a:lnRef idx="2">
-        <a:scrgbClr r="0" g="0" b="0"/>
-      </a:lnRef>
-      <a:fillRef idx="1">
-        <a:scrgbClr r="0" g="0" b="0"/>
-      </a:fillRef>
-      <a:effectRef idx="0">
-        <a:scrgbClr r="0" g="0" b="0"/>
-      </a:effectRef>
-      <a:fontRef idx="minor"/>
-    </dgm:style>
-  </dgm:styleLbl>
-  <dgm:styleLbl name="fgAcc3">
-    <dgm:scene3d>
-      <a:camera prst="orthographicFront"/>
-      <a:lightRig rig="threePt" dir="t"/>
-    </dgm:scene3d>
-    <dgm:sp3d/>
-    <dgm:txPr/>
-    <dgm:style>
-      <a:lnRef idx="2">
-        <a:scrgbClr r="0" g="0" b="0"/>
-      </a:lnRef>
-      <a:fillRef idx="1">
-        <a:scrgbClr r="0" g="0" b="0"/>
-      </a:fillRef>
-      <a:effectRef idx="0">
-        <a:scrgbClr r="0" g="0" b="0"/>
-      </a:effectRef>
-      <a:fontRef idx="minor"/>
-    </dgm:style>
-  </dgm:styleLbl>
-  <dgm:styleLbl name="fgAcc4">
-    <dgm:scene3d>
-      <a:camera prst="orthographicFront"/>
-      <a:lightRig rig="threePt" dir="t"/>
-    </dgm:scene3d>
-    <dgm:sp3d/>
-    <dgm:txPr/>
-    <dgm:style>
-      <a:lnRef idx="2">
-        <a:scrgbClr r="0" g="0" b="0"/>
-      </a:lnRef>
-      <a:fillRef idx="1">
-        <a:scrgbClr r="0" g="0" b="0"/>
-      </a:fillRef>
-      <a:effectRef idx="0">
-        <a:scrgbClr r="0" g="0" b="0"/>
-      </a:effectRef>
-      <a:fontRef idx="minor"/>
-    </dgm:style>
-  </dgm:styleLbl>
-  <dgm:styleLbl name="bgShp">
-    <dgm:scene3d>
-      <a:camera prst="orthographicFront"/>
-      <a:lightRig rig="threePt" dir="t"/>
-    </dgm:scene3d>
-    <dgm:sp3d/>
-    <dgm:txPr/>
-    <dgm:style>
-      <a:lnRef idx="0">
-        <a:scrgbClr r="0" g="0" b="0"/>
-      </a:lnRef>
-      <a:fillRef idx="1">
-        <a:scrgbClr r="0" g="0" b="0"/>
-      </a:fillRef>
-      <a:effectRef idx="0">
-        <a:scrgbClr r="0" g="0" b="0"/>
-      </a:effectRef>
-      <a:fontRef idx="minor"/>
-    </dgm:style>
-  </dgm:styleLbl>
-  <dgm:styleLbl name="dkBgShp">
-    <dgm:scene3d>
-      <a:camera prst="orthographicFront"/>
-      <a:lightRig rig="threePt" dir="t"/>
-    </dgm:scene3d>
-    <dgm:sp3d/>
-    <dgm:txPr/>
-    <dgm:style>
-      <a:lnRef idx="0">
-        <a:scrgbClr r="0" g="0" b="0"/>
-      </a:lnRef>
-      <a:fillRef idx="1">
-        <a:scrgbClr r="0" g="0" b="0"/>
-      </a:fillRef>
-      <a:effectRef idx="0">
-        <a:scrgbClr r="0" g="0" b="0"/>
-      </a:effectRef>
-      <a:fontRef idx="minor"/>
-    </dgm:style>
-  </dgm:styleLbl>
-  <dgm:styleLbl name="trBgShp">
-    <dgm:scene3d>
-      <a:camera prst="orthographicFront"/>
-      <a:lightRig rig="threePt" dir="t"/>
-    </dgm:scene3d>
-    <dgm:sp3d/>
-    <dgm:txPr/>
-    <dgm:style>
-      <a:lnRef idx="0">
-        <a:scrgbClr r="0" g="0" b="0"/>
-      </a:lnRef>
-      <a:fillRef idx="1">
-        <a:scrgbClr r="0" g="0" b="0"/>
-      </a:fillRef>
-      <a:effectRef idx="0">
-        <a:scrgbClr r="0" g="0" b="0"/>
-      </a:effectRef>
-      <a:fontRef idx="minor"/>
-    </dgm:style>
-  </dgm:styleLbl>
-  <dgm:styleLbl name="fgShp">
-    <dgm:scene3d>
-      <a:camera prst="orthographicFront"/>
-      <a:lightRig rig="threePt" dir="t"/>
-    </dgm:scene3d>
-    <dgm:sp3d/>
-    <dgm:txPr/>
-    <dgm:style>
-      <a:lnRef idx="2">
-        <a:scrgbClr r="0" g="0" b="0"/>
-      </a:lnRef>
-      <a:fillRef idx="1">
-        <a:scrgbClr r="0" g="0" b="0"/>
-      </a:fillRef>
-      <a:effectRef idx="0">
-        <a:scrgbClr r="0" g="0" b="0"/>
-      </a:effectRef>
-      <a:fontRef idx="minor"/>
-    </dgm:style>
-  </dgm:styleLbl>
-  <dgm:styleLbl name="revTx">
-    <dgm:scene3d>
-      <a:camera prst="orthographicFront"/>
-      <a:lightRig rig="threePt" dir="t"/>
-    </dgm:scene3d>
-    <dgm:sp3d/>
-    <dgm:txPr/>
-    <dgm:style>
-      <a:lnRef idx="0">
-        <a:scrgbClr r="0" g="0" b="0"/>
-      </a:lnRef>
-      <a:fillRef idx="0">
-        <a:scrgbClr r="0" g="0" b="0"/>
-      </a:fillRef>
-      <a:effectRef idx="0">
-        <a:scrgbClr r="0" g="0" b="0"/>
-      </a:effectRef>
-      <a:fontRef idx="minor"/>
-    </dgm:style>
-  </dgm:styleLbl>
-</dgm:styleDef>
-</file>
-
-<file path=ppt/diagrams/quickStyle4.xml><?xml version="1.0" encoding="utf-8"?>
 <dgm:styleDef xmlns:dgm="http://schemas.openxmlformats.org/drawingml/2006/diagram" xmlns:a="http://schemas.openxmlformats.org/drawingml/2006/main" uniqueId="urn:microsoft.com/office/officeart/2005/8/quickstyle/simple1">
   <dgm:title val=""/>
   <dgm:desc val=""/>
@@ -11535,7 +8902,7 @@
           <a:p>
             <a:fld id="{86A16762-8FCF-4803-B094-99A1C07033B5}" type="datetimeFigureOut">
               <a:rPr lang="en-US" smtClean="0"/>
-              <a:t>7/13/2025</a:t>
+              <a:t>8/14/2025</a:t>
             </a:fld>
             <a:endParaRPr lang="en-US"/>
           </a:p>
@@ -11807,633 +9174,6 @@
   <p:cSld>
     <p:spTree>
       <p:nvGrpSpPr>
-        <p:cNvPr id="1" name=""/>
-        <p:cNvGrpSpPr/>
-        <p:nvPr/>
-      </p:nvGrpSpPr>
-      <p:grpSpPr>
-        <a:xfrm>
-          <a:off x="0" y="0"/>
-          <a:ext cx="0" cy="0"/>
-          <a:chOff x="0" y="0"/>
-          <a:chExt cx="0" cy="0"/>
-        </a:xfrm>
-      </p:grpSpPr>
-      <p:sp>
-        <p:nvSpPr>
-          <p:cNvPr id="2" name="Slide Image Placeholder 1"/>
-          <p:cNvSpPr>
-            <a:spLocks noGrp="1" noRot="1" noChangeAspect="1"/>
-          </p:cNvSpPr>
-          <p:nvPr>
-            <p:ph type="sldImg"/>
-          </p:nvPr>
-        </p:nvSpPr>
-        <p:spPr/>
-      </p:sp>
-      <p:sp>
-        <p:nvSpPr>
-          <p:cNvPr id="3" name="Notes Placeholder 2"/>
-          <p:cNvSpPr>
-            <a:spLocks noGrp="1"/>
-          </p:cNvSpPr>
-          <p:nvPr>
-            <p:ph type="body" idx="1"/>
-          </p:nvPr>
-        </p:nvSpPr>
-        <p:spPr/>
-        <p:txBody>
-          <a:bodyPr/>
-          <a:lstStyle/>
-          <a:p>
-            <a:endParaRPr lang="en-US" dirty="0"/>
-          </a:p>
-          <a:p>
-            <a:r>
-              <a:rPr lang="en-US" dirty="0"/>
-              <a:t>&lt;?</a:t>
-            </a:r>
-            <a:r>
-              <a:rPr lang="en-US" dirty="0" err="1"/>
-              <a:t>php</a:t>
-            </a:r>
-            <a:endParaRPr lang="en-US" dirty="0"/>
-          </a:p>
-          <a:p>
-            <a:r>
-              <a:rPr lang="en-US" dirty="0"/>
-              <a:t>class Message {</a:t>
-            </a:r>
-          </a:p>
-          <a:p>
-            <a:r>
-              <a:rPr lang="en-US" dirty="0"/>
-              <a:t>    public function __call($method, $</a:t>
-            </a:r>
-            <a:r>
-              <a:rPr lang="en-US" dirty="0" err="1"/>
-              <a:t>args</a:t>
-            </a:r>
-            <a:r>
-              <a:rPr lang="en-US" dirty="0"/>
-              <a:t>) {</a:t>
-            </a:r>
-          </a:p>
-          <a:p>
-            <a:r>
-              <a:rPr lang="en-US" dirty="0"/>
-              <a:t>        if ($method === "greet") {</a:t>
-            </a:r>
-          </a:p>
-          <a:p>
-            <a:r>
-              <a:rPr lang="en-US" dirty="0"/>
-              <a:t>            if (count($</a:t>
-            </a:r>
-            <a:r>
-              <a:rPr lang="en-US" dirty="0" err="1"/>
-              <a:t>args</a:t>
-            </a:r>
-            <a:r>
-              <a:rPr lang="en-US" dirty="0"/>
-              <a:t>) === 1) {</a:t>
-            </a:r>
-          </a:p>
-          <a:p>
-            <a:r>
-              <a:rPr lang="en-US" dirty="0"/>
-              <a:t>                return "Hello, " . $</a:t>
-            </a:r>
-            <a:r>
-              <a:rPr lang="en-US" dirty="0" err="1"/>
-              <a:t>args</a:t>
-            </a:r>
-            <a:r>
-              <a:rPr lang="en-US" dirty="0"/>
-              <a:t>[0];</a:t>
-            </a:r>
-          </a:p>
-          <a:p>
-            <a:r>
-              <a:rPr lang="en-US" dirty="0"/>
-              <a:t>            } elseif (count($</a:t>
-            </a:r>
-            <a:r>
-              <a:rPr lang="en-US" dirty="0" err="1"/>
-              <a:t>args</a:t>
-            </a:r>
-            <a:r>
-              <a:rPr lang="en-US" dirty="0"/>
-              <a:t>) === 2) {</a:t>
-            </a:r>
-          </a:p>
-          <a:p>
-            <a:r>
-              <a:rPr lang="en-US" dirty="0"/>
-              <a:t>                return "Hello, " . $</a:t>
-            </a:r>
-            <a:r>
-              <a:rPr lang="en-US" dirty="0" err="1"/>
-              <a:t>args</a:t>
-            </a:r>
-            <a:r>
-              <a:rPr lang="en-US" dirty="0"/>
-              <a:t>[0] . "! You are from " . $</a:t>
-            </a:r>
-            <a:r>
-              <a:rPr lang="en-US" dirty="0" err="1"/>
-              <a:t>args</a:t>
-            </a:r>
-            <a:r>
-              <a:rPr lang="en-US" dirty="0"/>
-              <a:t>[1];</a:t>
-            </a:r>
-          </a:p>
-          <a:p>
-            <a:r>
-              <a:rPr lang="en-US" dirty="0"/>
-              <a:t>            } else {</a:t>
-            </a:r>
-          </a:p>
-          <a:p>
-            <a:r>
-              <a:rPr lang="en-US" dirty="0"/>
-              <a:t>                return "Invalid number of arguments.";</a:t>
-            </a:r>
-          </a:p>
-          <a:p>
-            <a:r>
-              <a:rPr lang="en-US" dirty="0"/>
-              <a:t>            }</a:t>
-            </a:r>
-          </a:p>
-          <a:p>
-            <a:r>
-              <a:rPr lang="en-US" dirty="0"/>
-              <a:t>        } else {</a:t>
-            </a:r>
-          </a:p>
-          <a:p>
-            <a:r>
-              <a:rPr lang="en-US" dirty="0"/>
-              <a:t>            return "Method '$method' not found.";</a:t>
-            </a:r>
-          </a:p>
-          <a:p>
-            <a:r>
-              <a:rPr lang="en-US" dirty="0"/>
-              <a:t>        }</a:t>
-            </a:r>
-          </a:p>
-          <a:p>
-            <a:r>
-              <a:rPr lang="en-US" dirty="0"/>
-              <a:t>    }</a:t>
-            </a:r>
-          </a:p>
-          <a:p>
-            <a:r>
-              <a:rPr lang="en-US" dirty="0"/>
-              <a:t>}</a:t>
-            </a:r>
-          </a:p>
-          <a:p>
-            <a:endParaRPr lang="en-US" dirty="0"/>
-          </a:p>
-          <a:p>
-            <a:r>
-              <a:rPr lang="en-US" dirty="0"/>
-              <a:t>$msg = new Message();</a:t>
-            </a:r>
-          </a:p>
-          <a:p>
-            <a:r>
-              <a:rPr lang="en-US" dirty="0"/>
-              <a:t>echo $msg-&gt;greet("Jerico");</a:t>
-            </a:r>
-          </a:p>
-          <a:p>
-            <a:r>
-              <a:rPr lang="en-US" dirty="0"/>
-              <a:t>echo "&lt;</a:t>
-            </a:r>
-            <a:r>
-              <a:rPr lang="en-US" dirty="0" err="1"/>
-              <a:t>br</a:t>
-            </a:r>
-            <a:r>
-              <a:rPr lang="en-US" dirty="0"/>
-              <a:t>&gt;";</a:t>
-            </a:r>
-          </a:p>
-          <a:p>
-            <a:r>
-              <a:rPr lang="en-US" dirty="0"/>
-              <a:t>echo $msg-&gt;greet("Jerico", "Pangasinan");</a:t>
-            </a:r>
-          </a:p>
-          <a:p>
-            <a:r>
-              <a:rPr lang="en-US" dirty="0"/>
-              <a:t>echo "&lt;</a:t>
-            </a:r>
-            <a:r>
-              <a:rPr lang="en-US" dirty="0" err="1"/>
-              <a:t>br</a:t>
-            </a:r>
-            <a:r>
-              <a:rPr lang="en-US" dirty="0"/>
-              <a:t>&gt;";</a:t>
-            </a:r>
-          </a:p>
-          <a:p>
-            <a:r>
-              <a:rPr lang="en-US" dirty="0"/>
-              <a:t>echo $msg-&gt;greet();</a:t>
-            </a:r>
-          </a:p>
-          <a:p>
-            <a:r>
-              <a:rPr lang="en-US" dirty="0"/>
-              <a:t>?&gt;</a:t>
-            </a:r>
-          </a:p>
-          <a:p>
-            <a:endParaRPr lang="en-US" dirty="0"/>
-          </a:p>
-          <a:p>
-            <a:endParaRPr lang="en-US" dirty="0"/>
-          </a:p>
-          <a:p>
-            <a:endParaRPr lang="en-US" dirty="0"/>
-          </a:p>
-          <a:p>
-            <a:endParaRPr lang="en-US" dirty="0"/>
-          </a:p>
-          <a:p>
-            <a:endParaRPr lang="en-US" dirty="0"/>
-          </a:p>
-          <a:p>
-            <a:r>
-              <a:rPr lang="en-US" dirty="0"/>
-              <a:t>&lt;?</a:t>
-            </a:r>
-            <a:r>
-              <a:rPr lang="en-US" dirty="0" err="1"/>
-              <a:t>php</a:t>
-            </a:r>
-            <a:endParaRPr lang="en-US" dirty="0"/>
-          </a:p>
-          <a:p>
-            <a:r>
-              <a:rPr lang="en-US" dirty="0"/>
-              <a:t>class Messenger {</a:t>
-            </a:r>
-          </a:p>
-          <a:p>
-            <a:r>
-              <a:rPr lang="en-US" dirty="0"/>
-              <a:t>    public function __call($method, $</a:t>
-            </a:r>
-            <a:r>
-              <a:rPr lang="en-US" dirty="0" err="1"/>
-              <a:t>args</a:t>
-            </a:r>
-            <a:r>
-              <a:rPr lang="en-US" dirty="0"/>
-              <a:t>) {</a:t>
-            </a:r>
-          </a:p>
-          <a:p>
-            <a:r>
-              <a:rPr lang="en-US" dirty="0"/>
-              <a:t>        if ($method === "greet") {</a:t>
-            </a:r>
-          </a:p>
-          <a:p>
-            <a:r>
-              <a:rPr lang="en-US" dirty="0"/>
-              <a:t>            if (count($</a:t>
-            </a:r>
-            <a:r>
-              <a:rPr lang="en-US" dirty="0" err="1"/>
-              <a:t>args</a:t>
-            </a:r>
-            <a:r>
-              <a:rPr lang="en-US" dirty="0"/>
-              <a:t>) === 1) {</a:t>
-            </a:r>
-          </a:p>
-          <a:p>
-            <a:r>
-              <a:rPr lang="en-US" dirty="0"/>
-              <a:t>                return "Hello, " . $</a:t>
-            </a:r>
-            <a:r>
-              <a:rPr lang="en-US" dirty="0" err="1"/>
-              <a:t>args</a:t>
-            </a:r>
-            <a:r>
-              <a:rPr lang="en-US" dirty="0"/>
-              <a:t>[0];</a:t>
-            </a:r>
-          </a:p>
-          <a:p>
-            <a:r>
-              <a:rPr lang="en-US" dirty="0"/>
-              <a:t>            } elseif (count($</a:t>
-            </a:r>
-            <a:r>
-              <a:rPr lang="en-US" dirty="0" err="1"/>
-              <a:t>args</a:t>
-            </a:r>
-            <a:r>
-              <a:rPr lang="en-US" dirty="0"/>
-              <a:t>) === 2) {</a:t>
-            </a:r>
-          </a:p>
-          <a:p>
-            <a:r>
-              <a:rPr lang="en-US" dirty="0"/>
-              <a:t>                return "Hello, " . $</a:t>
-            </a:r>
-            <a:r>
-              <a:rPr lang="en-US" dirty="0" err="1"/>
-              <a:t>args</a:t>
-            </a:r>
-            <a:r>
-              <a:rPr lang="en-US" dirty="0"/>
-              <a:t>[0] . "! You are from " . $</a:t>
-            </a:r>
-            <a:r>
-              <a:rPr lang="en-US" dirty="0" err="1"/>
-              <a:t>args</a:t>
-            </a:r>
-            <a:r>
-              <a:rPr lang="en-US" dirty="0"/>
-              <a:t>[1];</a:t>
-            </a:r>
-          </a:p>
-          <a:p>
-            <a:r>
-              <a:rPr lang="en-US" dirty="0"/>
-              <a:t>            } else {</a:t>
-            </a:r>
-          </a:p>
-          <a:p>
-            <a:r>
-              <a:rPr lang="en-US" dirty="0"/>
-              <a:t>                return "Invalid arguments for greet().";</a:t>
-            </a:r>
-          </a:p>
-          <a:p>
-            <a:r>
-              <a:rPr lang="en-US" dirty="0"/>
-              <a:t>            }</a:t>
-            </a:r>
-          </a:p>
-          <a:p>
-            <a:r>
-              <a:rPr lang="en-US" dirty="0"/>
-              <a:t>        } elseif ($method === "farewell") {</a:t>
-            </a:r>
-          </a:p>
-          <a:p>
-            <a:r>
-              <a:rPr lang="en-US" dirty="0"/>
-              <a:t>            if (count($</a:t>
-            </a:r>
-            <a:r>
-              <a:rPr lang="en-US" dirty="0" err="1"/>
-              <a:t>args</a:t>
-            </a:r>
-            <a:r>
-              <a:rPr lang="en-US" dirty="0"/>
-              <a:t>) === 1) {</a:t>
-            </a:r>
-          </a:p>
-          <a:p>
-            <a:r>
-              <a:rPr lang="en-US" dirty="0"/>
-              <a:t>                return "Goodbye, " . $</a:t>
-            </a:r>
-            <a:r>
-              <a:rPr lang="en-US" dirty="0" err="1"/>
-              <a:t>args</a:t>
-            </a:r>
-            <a:r>
-              <a:rPr lang="en-US" dirty="0"/>
-              <a:t>[0];</a:t>
-            </a:r>
-          </a:p>
-          <a:p>
-            <a:r>
-              <a:rPr lang="en-US" dirty="0"/>
-              <a:t>            } elseif (count($</a:t>
-            </a:r>
-            <a:r>
-              <a:rPr lang="en-US" dirty="0" err="1"/>
-              <a:t>args</a:t>
-            </a:r>
-            <a:r>
-              <a:rPr lang="en-US" dirty="0"/>
-              <a:t>) === 2) {</a:t>
-            </a:r>
-          </a:p>
-          <a:p>
-            <a:r>
-              <a:rPr lang="en-US" dirty="0"/>
-              <a:t>                return "Goodbye, " . $</a:t>
-            </a:r>
-            <a:r>
-              <a:rPr lang="en-US" dirty="0" err="1"/>
-              <a:t>args</a:t>
-            </a:r>
-            <a:r>
-              <a:rPr lang="en-US" dirty="0"/>
-              <a:t>[0] . "! See you in " . $</a:t>
-            </a:r>
-            <a:r>
-              <a:rPr lang="en-US" dirty="0" err="1"/>
-              <a:t>args</a:t>
-            </a:r>
-            <a:r>
-              <a:rPr lang="en-US" dirty="0"/>
-              <a:t>[1];</a:t>
-            </a:r>
-          </a:p>
-          <a:p>
-            <a:r>
-              <a:rPr lang="en-US" dirty="0"/>
-              <a:t>            } else {</a:t>
-            </a:r>
-          </a:p>
-          <a:p>
-            <a:r>
-              <a:rPr lang="en-US" dirty="0"/>
-              <a:t>                return "Invalid arguments for farewell().";</a:t>
-            </a:r>
-          </a:p>
-          <a:p>
-            <a:r>
-              <a:rPr lang="en-US" dirty="0"/>
-              <a:t>            }</a:t>
-            </a:r>
-          </a:p>
-          <a:p>
-            <a:r>
-              <a:rPr lang="en-US" dirty="0"/>
-              <a:t>        } else {</a:t>
-            </a:r>
-          </a:p>
-          <a:p>
-            <a:r>
-              <a:rPr lang="en-US" dirty="0"/>
-              <a:t>            return "Unknown method '$method'.";</a:t>
-            </a:r>
-          </a:p>
-          <a:p>
-            <a:r>
-              <a:rPr lang="en-US" dirty="0"/>
-              <a:t>        }</a:t>
-            </a:r>
-          </a:p>
-          <a:p>
-            <a:r>
-              <a:rPr lang="en-US" dirty="0"/>
-              <a:t>    }</a:t>
-            </a:r>
-          </a:p>
-          <a:p>
-            <a:r>
-              <a:rPr lang="en-US" dirty="0"/>
-              <a:t>}</a:t>
-            </a:r>
-          </a:p>
-          <a:p>
-            <a:endParaRPr lang="en-US" dirty="0"/>
-          </a:p>
-          <a:p>
-            <a:r>
-              <a:rPr lang="en-US" dirty="0"/>
-              <a:t>$msg = new Messenger();</a:t>
-            </a:r>
-          </a:p>
-          <a:p>
-            <a:endParaRPr lang="en-US" dirty="0"/>
-          </a:p>
-          <a:p>
-            <a:r>
-              <a:rPr lang="en-US" dirty="0"/>
-              <a:t>echo $msg-&gt;greet("Jerico");</a:t>
-            </a:r>
-          </a:p>
-          <a:p>
-            <a:r>
-              <a:rPr lang="en-US" dirty="0"/>
-              <a:t>echo "&lt;</a:t>
-            </a:r>
-            <a:r>
-              <a:rPr lang="en-US" dirty="0" err="1"/>
-              <a:t>br</a:t>
-            </a:r>
-            <a:r>
-              <a:rPr lang="en-US" dirty="0"/>
-              <a:t>&gt;";</a:t>
-            </a:r>
-          </a:p>
-          <a:p>
-            <a:r>
-              <a:rPr lang="en-US" dirty="0"/>
-              <a:t>echo $msg-&gt;greet("Jerico", "Pangasinan");</a:t>
-            </a:r>
-          </a:p>
-          <a:p>
-            <a:r>
-              <a:rPr lang="en-US" dirty="0"/>
-              <a:t>echo "&lt;</a:t>
-            </a:r>
-            <a:r>
-              <a:rPr lang="en-US" dirty="0" err="1"/>
-              <a:t>br</a:t>
-            </a:r>
-            <a:r>
-              <a:rPr lang="en-US" dirty="0"/>
-              <a:t>&gt;";</a:t>
-            </a:r>
-          </a:p>
-          <a:p>
-            <a:r>
-              <a:rPr lang="en-US" dirty="0"/>
-              <a:t>echo $msg-&gt;farewell("Jerico");</a:t>
-            </a:r>
-          </a:p>
-          <a:p>
-            <a:r>
-              <a:rPr lang="en-US" dirty="0"/>
-              <a:t>echo "&lt;</a:t>
-            </a:r>
-            <a:r>
-              <a:rPr lang="en-US" dirty="0" err="1"/>
-              <a:t>br</a:t>
-            </a:r>
-            <a:r>
-              <a:rPr lang="en-US" dirty="0"/>
-              <a:t>&gt;";</a:t>
-            </a:r>
-          </a:p>
-          <a:p>
-            <a:r>
-              <a:rPr lang="en-US" dirty="0"/>
-              <a:t>echo $msg-&gt;farewell("Jerico", "Manila");</a:t>
-            </a:r>
-          </a:p>
-          <a:p>
-            <a:endParaRPr lang="en-US" dirty="0"/>
-          </a:p>
-        </p:txBody>
-      </p:sp>
-      <p:sp>
-        <p:nvSpPr>
-          <p:cNvPr id="4" name="Slide Number Placeholder 3"/>
-          <p:cNvSpPr>
-            <a:spLocks noGrp="1"/>
-          </p:cNvSpPr>
-          <p:nvPr>
-            <p:ph type="sldNum" sz="quarter" idx="5"/>
-          </p:nvPr>
-        </p:nvSpPr>
-        <p:spPr/>
-        <p:txBody>
-          <a:bodyPr/>
-          <a:lstStyle/>
-          <a:p>
-            <a:fld id="{04E257D4-C244-499A-9E34-6DEB0E89E96A}" type="slidenum">
-              <a:rPr lang="en-US" smtClean="0"/>
-              <a:t>11</a:t>
-            </a:fld>
-            <a:endParaRPr lang="en-US"/>
-          </a:p>
-        </p:txBody>
-      </p:sp>
-    </p:spTree>
-    <p:extLst>
-      <p:ext uri="{BB962C8B-B14F-4D97-AF65-F5344CB8AC3E}">
-        <p14:creationId xmlns:p14="http://schemas.microsoft.com/office/powerpoint/2010/main" val="789737492"/>
-      </p:ext>
-    </p:extLst>
-  </p:cSld>
-  <p:clrMapOvr>
-    <a:masterClrMapping/>
-  </p:clrMapOvr>
-</p:notes>
-</file>
-
-<file path=ppt/notesSlides/notesSlide2.xml><?xml version="1.0" encoding="utf-8"?>
-<p:notes xmlns:a="http://schemas.openxmlformats.org/drawingml/2006/main" xmlns:r="http://schemas.openxmlformats.org/officeDocument/2006/relationships" xmlns:p="http://schemas.openxmlformats.org/presentationml/2006/main">
-  <p:cSld>
-    <p:spTree>
-      <p:nvGrpSpPr>
         <p:cNvPr id="1" name="">
           <a:extLst>
             <a:ext uri="{FF2B5EF4-FFF2-40B4-BE49-F238E27FC236}">
@@ -13061,7 +9801,7 @@
           <a:p>
             <a:fld id="{04E257D4-C244-499A-9E34-6DEB0E89E96A}" type="slidenum">
               <a:rPr lang="en-US" smtClean="0"/>
-              <a:t>12</a:t>
+              <a:t>7</a:t>
             </a:fld>
             <a:endParaRPr lang="en-US"/>
           </a:p>
@@ -13080,7 +9820,7 @@
 </p:notes>
 </file>
 
-<file path=ppt/notesSlides/notesSlide3.xml><?xml version="1.0" encoding="utf-8"?>
+<file path=ppt/notesSlides/notesSlide2.xml><?xml version="1.0" encoding="utf-8"?>
 <p:notes xmlns:a="http://schemas.openxmlformats.org/drawingml/2006/main" xmlns:r="http://schemas.openxmlformats.org/officeDocument/2006/relationships" xmlns:p="http://schemas.openxmlformats.org/presentationml/2006/main">
   <p:cSld>
     <p:spTree>
@@ -13308,7 +10048,7 @@
           <a:p>
             <a:fld id="{04E257D4-C244-499A-9E34-6DEB0E89E96A}" type="slidenum">
               <a:rPr lang="en-US" smtClean="0"/>
-              <a:t>13</a:t>
+              <a:t>8</a:t>
             </a:fld>
             <a:endParaRPr lang="en-US"/>
           </a:p>
@@ -13506,7 +10246,7 @@
           <a:p>
             <a:fld id="{5BCAD085-E8A6-8845-BD4E-CB4CCA059FC4}" type="datetimeFigureOut">
               <a:rPr lang="en-US" smtClean="0"/>
-              <a:t>7/13/2025</a:t>
+              <a:t>8/14/2025</a:t>
             </a:fld>
             <a:endParaRPr lang="en-US"/>
           </a:p>
@@ -13674,7 +10414,7 @@
           <a:p>
             <a:fld id="{5BCAD085-E8A6-8845-BD4E-CB4CCA059FC4}" type="datetimeFigureOut">
               <a:rPr lang="en-US" smtClean="0"/>
-              <a:t>7/13/2025</a:t>
+              <a:t>8/14/2025</a:t>
             </a:fld>
             <a:endParaRPr lang="en-US"/>
           </a:p>
@@ -13852,7 +10592,7 @@
           <a:p>
             <a:fld id="{5BCAD085-E8A6-8845-BD4E-CB4CCA059FC4}" type="datetimeFigureOut">
               <a:rPr lang="en-US" smtClean="0"/>
-              <a:t>7/13/2025</a:t>
+              <a:t>8/14/2025</a:t>
             </a:fld>
             <a:endParaRPr lang="en-US"/>
           </a:p>
@@ -14020,7 +10760,7 @@
           <a:p>
             <a:fld id="{5BCAD085-E8A6-8845-BD4E-CB4CCA059FC4}" type="datetimeFigureOut">
               <a:rPr lang="en-US" smtClean="0"/>
-              <a:t>7/13/2025</a:t>
+              <a:t>8/14/2025</a:t>
             </a:fld>
             <a:endParaRPr lang="en-US"/>
           </a:p>
@@ -14265,7 +11005,7 @@
           <a:p>
             <a:fld id="{5BCAD085-E8A6-8845-BD4E-CB4CCA059FC4}" type="datetimeFigureOut">
               <a:rPr lang="en-US" smtClean="0"/>
-              <a:t>7/13/2025</a:t>
+              <a:t>8/14/2025</a:t>
             </a:fld>
             <a:endParaRPr lang="en-US"/>
           </a:p>
@@ -14550,7 +11290,7 @@
           <a:p>
             <a:fld id="{5BCAD085-E8A6-8845-BD4E-CB4CCA059FC4}" type="datetimeFigureOut">
               <a:rPr lang="en-US" smtClean="0"/>
-              <a:t>7/13/2025</a:t>
+              <a:t>8/14/2025</a:t>
             </a:fld>
             <a:endParaRPr lang="en-US"/>
           </a:p>
@@ -14969,7 +11709,7 @@
           <a:p>
             <a:fld id="{5BCAD085-E8A6-8845-BD4E-CB4CCA059FC4}" type="datetimeFigureOut">
               <a:rPr lang="en-US" smtClean="0"/>
-              <a:t>7/13/2025</a:t>
+              <a:t>8/14/2025</a:t>
             </a:fld>
             <a:endParaRPr lang="en-US"/>
           </a:p>
@@ -15086,7 +11826,7 @@
           <a:p>
             <a:fld id="{5BCAD085-E8A6-8845-BD4E-CB4CCA059FC4}" type="datetimeFigureOut">
               <a:rPr lang="en-US" smtClean="0"/>
-              <a:t>7/13/2025</a:t>
+              <a:t>8/14/2025</a:t>
             </a:fld>
             <a:endParaRPr lang="en-US"/>
           </a:p>
@@ -15181,7 +11921,7 @@
           <a:p>
             <a:fld id="{5BCAD085-E8A6-8845-BD4E-CB4CCA059FC4}" type="datetimeFigureOut">
               <a:rPr lang="en-US" smtClean="0"/>
-              <a:t>7/13/2025</a:t>
+              <a:t>8/14/2025</a:t>
             </a:fld>
             <a:endParaRPr lang="en-US"/>
           </a:p>
@@ -15456,7 +12196,7 @@
           <a:p>
             <a:fld id="{5BCAD085-E8A6-8845-BD4E-CB4CCA059FC4}" type="datetimeFigureOut">
               <a:rPr lang="en-US" smtClean="0"/>
-              <a:t>7/13/2025</a:t>
+              <a:t>8/14/2025</a:t>
             </a:fld>
             <a:endParaRPr lang="en-US"/>
           </a:p>
@@ -15708,7 +12448,7 @@
           <a:p>
             <a:fld id="{5BCAD085-E8A6-8845-BD4E-CB4CCA059FC4}" type="datetimeFigureOut">
               <a:rPr lang="en-US" smtClean="0"/>
-              <a:t>7/13/2025</a:t>
+              <a:t>8/14/2025</a:t>
             </a:fld>
             <a:endParaRPr lang="en-US"/>
           </a:p>
@@ -15919,7 +12659,7 @@
           <a:p>
             <a:fld id="{5BCAD085-E8A6-8845-BD4E-CB4CCA059FC4}" type="datetimeFigureOut">
               <a:rPr lang="en-US" smtClean="0"/>
-              <a:t>7/13/2025</a:t>
+              <a:t>8/14/2025</a:t>
             </a:fld>
             <a:endParaRPr lang="en-US"/>
           </a:p>
@@ -16963,7 +13703,7 @@
 </p:sld>
 </file>
 
-<file path=ppt/slides/slide10.xml><?xml version="1.0" encoding="utf-8"?>
+<file path=ppt/slides/slide2.xml><?xml version="1.0" encoding="utf-8"?>
 <p:sld xmlns:a="http://schemas.openxmlformats.org/drawingml/2006/main" xmlns:r="http://schemas.openxmlformats.org/officeDocument/2006/relationships" xmlns:p="http://schemas.openxmlformats.org/presentationml/2006/main">
   <p:cSld>
     <p:bg>
@@ -16976,13 +13716,7 @@
     </p:bg>
     <p:spTree>
       <p:nvGrpSpPr>
-        <p:cNvPr id="1" name="">
-          <a:extLst>
-            <a:ext uri="{FF2B5EF4-FFF2-40B4-BE49-F238E27FC236}">
-              <a16:creationId xmlns:a16="http://schemas.microsoft.com/office/drawing/2014/main" id="{537E24C3-2265-D5E0-6075-B45B8577FA0E}"/>
-            </a:ext>
-          </a:extLst>
-        </p:cNvPr>
+        <p:cNvPr id="1" name=""/>
         <p:cNvGrpSpPr/>
         <p:nvPr/>
       </p:nvGrpSpPr>
@@ -16996,10 +13730,10 @@
       </p:grpSpPr>
       <p:sp useBgFill="1">
         <p:nvSpPr>
-          <p:cNvPr id="30" name="Rectangle 29">
+          <p:cNvPr id="9" name="Rectangle 8">
             <a:extLst>
               <a:ext uri="{FF2B5EF4-FFF2-40B4-BE49-F238E27FC236}">
-                <a16:creationId xmlns:a16="http://schemas.microsoft.com/office/drawing/2014/main" id="{B6CDA21F-E7AF-4C75-8395-33F58D5B0E45}"/>
+                <a16:creationId xmlns:a16="http://schemas.microsoft.com/office/drawing/2014/main" id="{BACC6370-2D7E-4714-9D71-7542949D7D5D}"/>
               </a:ext>
               <a:ext uri="{C183D7F6-B498-43B3-948B-1728B52AA6E4}">
                 <adec:decorative xmlns:adec="http://schemas.microsoft.com/office/drawing/2017/decorative" val="1"/>
@@ -17020,11 +13754,102 @@
         <p:spPr>
           <a:xfrm>
             <a:off x="0" y="0"/>
-            <a:ext cx="9143999" cy="6857365"/>
+            <a:ext cx="9144000" cy="6858000"/>
           </a:xfrm>
           <a:prstGeom prst="rect">
             <a:avLst/>
           </a:prstGeom>
+          <a:ln w="12700" cap="flat" cmpd="sng" algn="ctr">
+            <a:noFill/>
+            <a:prstDash val="solid"/>
+            <a:miter lim="800000"/>
+          </a:ln>
+          <a:effectLst/>
+          <a:extLst>
+            <a:ext uri="{91240B29-F687-4F45-9708-019B960494DF}">
+              <a14:hiddenLine xmlns:a14="http://schemas.microsoft.com/office/drawing/2010/main" w="12700" cap="flat" cmpd="sng" algn="ctr">
+                <a:solidFill>
+                  <a:schemeClr val="accent1">
+                    <a:shade val="50000"/>
+                  </a:schemeClr>
+                </a:solidFill>
+                <a:prstDash val="solid"/>
+                <a:miter lim="800000"/>
+              </a14:hiddenLine>
+            </a:ext>
+          </a:extLst>
+        </p:spPr>
+        <p:style>
+          <a:lnRef idx="2">
+            <a:schemeClr val="accent1">
+              <a:shade val="50000"/>
+            </a:schemeClr>
+          </a:lnRef>
+          <a:fillRef idx="1">
+            <a:schemeClr val="accent1"/>
+          </a:fillRef>
+          <a:effectRef idx="0">
+            <a:schemeClr val="accent1"/>
+          </a:effectRef>
+          <a:fontRef idx="minor">
+            <a:schemeClr val="lt1"/>
+          </a:fontRef>
+        </p:style>
+        <p:txBody>
+          <a:bodyPr rtlCol="0" anchor="ctr"/>
+          <a:lstStyle/>
+          <a:p>
+            <a:pPr algn="ctr"/>
+            <a:endParaRPr lang="en-US"/>
+          </a:p>
+        </p:txBody>
+      </p:sp>
+      <p:sp>
+        <p:nvSpPr>
+          <p:cNvPr id="11" name="Rectangle 10">
+            <a:extLst>
+              <a:ext uri="{FF2B5EF4-FFF2-40B4-BE49-F238E27FC236}">
+                <a16:creationId xmlns:a16="http://schemas.microsoft.com/office/drawing/2014/main" id="{F68B3F68-107C-434F-AA38-110D5EA91B85}"/>
+              </a:ext>
+              <a:ext uri="{C183D7F6-B498-43B3-948B-1728B52AA6E4}">
+                <adec:decorative xmlns:adec="http://schemas.microsoft.com/office/drawing/2017/decorative" val="1"/>
+              </a:ext>
+            </a:extLst>
+          </p:cNvPr>
+          <p:cNvSpPr>
+            <a:spLocks noGrp="1" noRot="1" noChangeAspect="1" noMove="1" noResize="1" noEditPoints="1" noAdjustHandles="1" noChangeArrowheads="1" noChangeShapeType="1" noTextEdit="1"/>
+          </p:cNvSpPr>
+          <p:nvPr>
+            <p:extLst>
+              <p:ext uri="{386F3935-93C4-4BCD-93E2-E3B085C9AB24}">
+                <p16:designElem xmlns:p16="http://schemas.microsoft.com/office/powerpoint/2015/main" val="1"/>
+              </p:ext>
+            </p:extLst>
+          </p:nvPr>
+        </p:nvSpPr>
+        <p:spPr>
+          <a:xfrm flipH="1">
+            <a:off x="1" y="0"/>
+            <a:ext cx="9143999" cy="1575955"/>
+          </a:xfrm>
+          <a:prstGeom prst="rect">
+            <a:avLst/>
+          </a:prstGeom>
+          <a:gradFill>
+            <a:gsLst>
+              <a:gs pos="0">
+                <a:srgbClr val="000000">
+                  <a:alpha val="96000"/>
+                </a:srgbClr>
+              </a:gs>
+              <a:gs pos="100000">
+                <a:schemeClr val="accent1">
+                  <a:lumMod val="75000"/>
+                </a:schemeClr>
+              </a:gs>
+            </a:gsLst>
+            <a:lin ang="8400000" scaled="0"/>
+          </a:gradFill>
           <a:ln>
             <a:noFill/>
           </a:ln>
@@ -17054,224 +13879,12 @@
           </a:p>
         </p:txBody>
       </p:sp>
-      <p:grpSp>
-        <p:nvGrpSpPr>
-          <p:cNvPr id="32" name="Group 31">
+      <p:sp>
+        <p:nvSpPr>
+          <p:cNvPr id="13" name="Rectangle 12">
             <a:extLst>
               <a:ext uri="{FF2B5EF4-FFF2-40B4-BE49-F238E27FC236}">
-                <a16:creationId xmlns:a16="http://schemas.microsoft.com/office/drawing/2014/main" id="{AE1C45F0-260A-458C-96ED-C1F6D2151219}"/>
-              </a:ext>
-              <a:ext uri="{C183D7F6-B498-43B3-948B-1728B52AA6E4}">
-                <adec:decorative xmlns:adec="http://schemas.microsoft.com/office/drawing/2017/decorative" val="1"/>
-              </a:ext>
-            </a:extLst>
-          </p:cNvPr>
-          <p:cNvGrpSpPr>
-            <a:grpSpLocks noGrp="1" noUngrp="1" noRot="1" noChangeAspect="1" noMove="1" noResize="1"/>
-          </p:cNvGrpSpPr>
-          <p:nvPr>
-            <p:extLst>
-              <p:ext uri="{386F3935-93C4-4BCD-93E2-E3B085C9AB24}">
-                <p16:designElem xmlns:p16="http://schemas.microsoft.com/office/powerpoint/2015/main" val="1"/>
-              </p:ext>
-            </p:extLst>
-          </p:nvPr>
-        </p:nvGrpSpPr>
-        <p:grpSpPr>
-          <a:xfrm>
-            <a:off x="0" y="1216597"/>
-            <a:ext cx="548639" cy="673460"/>
-            <a:chOff x="3940602" y="308034"/>
-            <a:chExt cx="2116791" cy="3428999"/>
-          </a:xfrm>
-          <a:solidFill>
-            <a:schemeClr val="accent4"/>
-          </a:solidFill>
-        </p:grpSpPr>
-        <p:sp>
-          <p:nvSpPr>
-            <p:cNvPr id="33" name="Rectangle 32">
-              <a:extLst>
-                <a:ext uri="{FF2B5EF4-FFF2-40B4-BE49-F238E27FC236}">
-                  <a16:creationId xmlns:a16="http://schemas.microsoft.com/office/drawing/2014/main" id="{A6604B49-AD5C-4590-B051-06C8222ECD99}"/>
-                </a:ext>
-                <a:ext uri="{C183D7F6-B498-43B3-948B-1728B52AA6E4}">
-                  <adec:decorative xmlns:adec="http://schemas.microsoft.com/office/drawing/2017/decorative" val="1"/>
-                </a:ext>
-              </a:extLst>
-            </p:cNvPr>
-            <p:cNvSpPr/>
-            <p:nvPr>
-              <p:extLst>
-                <p:ext uri="{386F3935-93C4-4BCD-93E2-E3B085C9AB24}">
-                  <p16:designElem xmlns:p16="http://schemas.microsoft.com/office/powerpoint/2015/main" val="1"/>
-                </p:ext>
-              </p:extLst>
-            </p:nvPr>
-          </p:nvSpPr>
-          <p:spPr>
-            <a:xfrm>
-              <a:off x="3940602" y="308034"/>
-              <a:ext cx="566743" cy="3428999"/>
-            </a:xfrm>
-            <a:prstGeom prst="rect">
-              <a:avLst/>
-            </a:prstGeom>
-            <a:grpFill/>
-            <a:ln>
-              <a:noFill/>
-            </a:ln>
-          </p:spPr>
-          <p:style>
-            <a:lnRef idx="2">
-              <a:schemeClr val="accent1">
-                <a:shade val="50000"/>
-              </a:schemeClr>
-            </a:lnRef>
-            <a:fillRef idx="1">
-              <a:schemeClr val="accent1"/>
-            </a:fillRef>
-            <a:effectRef idx="0">
-              <a:schemeClr val="accent1"/>
-            </a:effectRef>
-            <a:fontRef idx="minor">
-              <a:schemeClr val="lt1"/>
-            </a:fontRef>
-          </p:style>
-          <p:txBody>
-            <a:bodyPr rtlCol="0" anchor="ctr"/>
-            <a:lstStyle/>
-            <a:p>
-              <a:pPr algn="ctr"/>
-              <a:endParaRPr lang="en-US"/>
-            </a:p>
-          </p:txBody>
-        </p:sp>
-        <p:sp>
-          <p:nvSpPr>
-            <p:cNvPr id="34" name="Rectangle 33">
-              <a:extLst>
-                <a:ext uri="{FF2B5EF4-FFF2-40B4-BE49-F238E27FC236}">
-                  <a16:creationId xmlns:a16="http://schemas.microsoft.com/office/drawing/2014/main" id="{743ECCAF-29C5-4537-947C-7EA1292463DB}"/>
-                </a:ext>
-                <a:ext uri="{C183D7F6-B498-43B3-948B-1728B52AA6E4}">
-                  <adec:decorative xmlns:adec="http://schemas.microsoft.com/office/drawing/2017/decorative" val="1"/>
-                </a:ext>
-              </a:extLst>
-            </p:cNvPr>
-            <p:cNvSpPr/>
-            <p:nvPr>
-              <p:extLst>
-                <p:ext uri="{386F3935-93C4-4BCD-93E2-E3B085C9AB24}">
-                  <p16:designElem xmlns:p16="http://schemas.microsoft.com/office/powerpoint/2015/main" val="1"/>
-                </p:ext>
-              </p:extLst>
-            </p:nvPr>
-          </p:nvSpPr>
-          <p:spPr>
-            <a:xfrm>
-              <a:off x="4715626" y="308034"/>
-              <a:ext cx="566743" cy="3428999"/>
-            </a:xfrm>
-            <a:prstGeom prst="rect">
-              <a:avLst/>
-            </a:prstGeom>
-            <a:grpFill/>
-            <a:ln>
-              <a:noFill/>
-            </a:ln>
-          </p:spPr>
-          <p:style>
-            <a:lnRef idx="2">
-              <a:schemeClr val="accent1">
-                <a:shade val="50000"/>
-              </a:schemeClr>
-            </a:lnRef>
-            <a:fillRef idx="1">
-              <a:schemeClr val="accent1"/>
-            </a:fillRef>
-            <a:effectRef idx="0">
-              <a:schemeClr val="accent1"/>
-            </a:effectRef>
-            <a:fontRef idx="minor">
-              <a:schemeClr val="lt1"/>
-            </a:fontRef>
-          </p:style>
-          <p:txBody>
-            <a:bodyPr rtlCol="0" anchor="ctr"/>
-            <a:lstStyle/>
-            <a:p>
-              <a:pPr algn="ctr"/>
-              <a:endParaRPr lang="en-US"/>
-            </a:p>
-          </p:txBody>
-        </p:sp>
-        <p:sp>
-          <p:nvSpPr>
-            <p:cNvPr id="35" name="Rectangle 34">
-              <a:extLst>
-                <a:ext uri="{FF2B5EF4-FFF2-40B4-BE49-F238E27FC236}">
-                  <a16:creationId xmlns:a16="http://schemas.microsoft.com/office/drawing/2014/main" id="{ED49787B-8DE6-4467-AD0A-8DECC6E0C2D6}"/>
-                </a:ext>
-                <a:ext uri="{C183D7F6-B498-43B3-948B-1728B52AA6E4}">
-                  <adec:decorative xmlns:adec="http://schemas.microsoft.com/office/drawing/2017/decorative" val="1"/>
-                </a:ext>
-              </a:extLst>
-            </p:cNvPr>
-            <p:cNvSpPr/>
-            <p:nvPr>
-              <p:extLst>
-                <p:ext uri="{386F3935-93C4-4BCD-93E2-E3B085C9AB24}">
-                  <p16:designElem xmlns:p16="http://schemas.microsoft.com/office/powerpoint/2015/main" val="1"/>
-                </p:ext>
-              </p:extLst>
-            </p:nvPr>
-          </p:nvSpPr>
-          <p:spPr>
-            <a:xfrm>
-              <a:off x="5490650" y="308034"/>
-              <a:ext cx="566743" cy="3428999"/>
-            </a:xfrm>
-            <a:prstGeom prst="rect">
-              <a:avLst/>
-            </a:prstGeom>
-            <a:grpFill/>
-            <a:ln>
-              <a:noFill/>
-            </a:ln>
-          </p:spPr>
-          <p:style>
-            <a:lnRef idx="2">
-              <a:schemeClr val="accent1">
-                <a:shade val="50000"/>
-              </a:schemeClr>
-            </a:lnRef>
-            <a:fillRef idx="1">
-              <a:schemeClr val="accent1"/>
-            </a:fillRef>
-            <a:effectRef idx="0">
-              <a:schemeClr val="accent1"/>
-            </a:effectRef>
-            <a:fontRef idx="minor">
-              <a:schemeClr val="lt1"/>
-            </a:fontRef>
-          </p:style>
-          <p:txBody>
-            <a:bodyPr rtlCol="0" anchor="ctr"/>
-            <a:lstStyle/>
-            <a:p>
-              <a:pPr algn="ctr"/>
-              <a:endParaRPr lang="en-US"/>
-            </a:p>
-          </p:txBody>
-        </p:sp>
-      </p:grpSp>
-      <p:sp>
-        <p:nvSpPr>
-          <p:cNvPr id="37" name="Rectangle 36">
-            <a:extLst>
-              <a:ext uri="{FF2B5EF4-FFF2-40B4-BE49-F238E27FC236}">
-                <a16:creationId xmlns:a16="http://schemas.microsoft.com/office/drawing/2014/main" id="{D5B0017B-2ECA-49AF-B397-DC140825DF8D}"/>
+                <a16:creationId xmlns:a16="http://schemas.microsoft.com/office/drawing/2014/main" id="{AAD0DBB9-1A4B-4391-81D4-CB19F9AB918A}"/>
               </a:ext>
               <a:ext uri="{C183D7F6-B498-43B3-948B-1728B52AA6E4}">
                 <adec:decorative xmlns:adec="http://schemas.microsoft.com/office/drawing/2017/decorative" val="1"/>
@@ -17290,437 +13903,29 @@
           </p:nvPr>
         </p:nvSpPr>
         <p:spPr>
-          <a:xfrm>
-            <a:off x="480059" y="613954"/>
-            <a:ext cx="8180615" cy="1894116"/>
+          <a:xfrm rot="10800000" flipH="1">
+            <a:off x="6096642" y="0"/>
+            <a:ext cx="3047358" cy="1576412"/>
           </a:xfrm>
           <a:prstGeom prst="rect">
             <a:avLst/>
           </a:prstGeom>
-          <a:solidFill>
-            <a:schemeClr val="bg1"/>
-          </a:solidFill>
-          <a:ln>
-            <a:noFill/>
-          </a:ln>
-          <a:effectLst>
-            <a:outerShdw blurRad="139700" dist="127000" dir="5400000" algn="t" rotWithShape="0">
-              <a:prstClr val="black">
-                <a:alpha val="15000"/>
-              </a:prstClr>
-            </a:outerShdw>
-          </a:effectLst>
-        </p:spPr>
-        <p:style>
-          <a:lnRef idx="2">
-            <a:schemeClr val="accent1">
-              <a:shade val="50000"/>
-            </a:schemeClr>
-          </a:lnRef>
-          <a:fillRef idx="1">
-            <a:schemeClr val="accent1"/>
-          </a:fillRef>
-          <a:effectRef idx="0">
-            <a:schemeClr val="accent1"/>
-          </a:effectRef>
-          <a:fontRef idx="minor">
-            <a:schemeClr val="lt1"/>
-          </a:fontRef>
-        </p:style>
-        <p:txBody>
-          <a:bodyPr rtlCol="0" anchor="ctr"/>
-          <a:lstStyle/>
-          <a:p>
-            <a:pPr algn="ctr"/>
-            <a:endParaRPr lang="en-US"/>
-          </a:p>
-        </p:txBody>
-      </p:sp>
-      <p:sp>
-        <p:nvSpPr>
-          <p:cNvPr id="2" name="Title 1">
-            <a:extLst>
-              <a:ext uri="{FF2B5EF4-FFF2-40B4-BE49-F238E27FC236}">
-                <a16:creationId xmlns:a16="http://schemas.microsoft.com/office/drawing/2014/main" id="{3BC1931F-6EA1-A357-8A74-CD2B44122716}"/>
-              </a:ext>
-            </a:extLst>
-          </p:cNvPr>
-          <p:cNvSpPr>
-            <a:spLocks noGrp="1"/>
-          </p:cNvSpPr>
-          <p:nvPr>
-            <p:ph type="title"/>
-          </p:nvPr>
-        </p:nvSpPr>
-        <p:spPr>
-          <a:xfrm>
-            <a:off x="782723" y="809898"/>
-            <a:ext cx="7457037" cy="1554480"/>
-          </a:xfrm>
-        </p:spPr>
-        <p:txBody>
-          <a:bodyPr vert="horz" lIns="91440" tIns="45720" rIns="91440" bIns="45720" rtlCol="0" anchor="ctr">
-            <a:normAutofit/>
-          </a:bodyPr>
-          <a:lstStyle/>
-          <a:p>
-            <a:pPr algn="l" defTabSz="914400">
-              <a:lnSpc>
-                <a:spcPct val="90000"/>
-              </a:lnSpc>
-            </a:pPr>
-            <a:r>
-              <a:rPr lang="en-US" sz="4200" b="1" kern="1200">
-                <a:solidFill>
-                  <a:schemeClr val="tx1"/>
-                </a:solidFill>
-                <a:latin typeface="+mj-lt"/>
-                <a:ea typeface="+mj-ea"/>
-                <a:cs typeface="+mj-cs"/>
-              </a:rPr>
-              <a:t>How PHP Handles It Instead:</a:t>
-            </a:r>
-            <a:endParaRPr lang="en-US" sz="4200" kern="1200">
-              <a:solidFill>
-                <a:schemeClr val="tx1"/>
-              </a:solidFill>
-              <a:latin typeface="+mj-lt"/>
-              <a:ea typeface="+mj-ea"/>
-              <a:cs typeface="+mj-cs"/>
-            </a:endParaRPr>
-          </a:p>
-        </p:txBody>
-      </p:sp>
-      <p:sp>
-        <p:nvSpPr>
-          <p:cNvPr id="11" name="TextBox 10">
-            <a:extLst>
-              <a:ext uri="{FF2B5EF4-FFF2-40B4-BE49-F238E27FC236}">
-                <a16:creationId xmlns:a16="http://schemas.microsoft.com/office/drawing/2014/main" id="{8A5B1AEA-EF28-5EA6-9225-D93AD4AC2FC9}"/>
-              </a:ext>
-            </a:extLst>
-          </p:cNvPr>
-          <p:cNvSpPr txBox="1"/>
-          <p:nvPr/>
-        </p:nvSpPr>
-        <p:spPr>
-          <a:xfrm>
-            <a:off x="783771" y="3017522"/>
-            <a:ext cx="7455989" cy="3124658"/>
-          </a:xfrm>
-          <a:prstGeom prst="rect">
-            <a:avLst/>
-          </a:prstGeom>
-        </p:spPr>
-        <p:txBody>
-          <a:bodyPr vert="horz" lIns="91440" tIns="45720" rIns="91440" bIns="45720" rtlCol="0" anchor="ctr">
-            <a:noAutofit/>
-          </a:bodyPr>
-          <a:lstStyle/>
-          <a:p>
-            <a:pPr indent="-228600" defTabSz="914400">
-              <a:lnSpc>
-                <a:spcPct val="90000"/>
-              </a:lnSpc>
-              <a:spcAft>
-                <a:spcPts val="600"/>
-              </a:spcAft>
-              <a:buFont typeface="Arial" panose="020B0604020202020204" pitchFamily="34" charset="0"/>
-              <a:buChar char="•"/>
-            </a:pPr>
-            <a:r>
-              <a:rPr lang="en-US" sz="1400" dirty="0"/>
-              <a:t>PHP uses a special magic method called __call() to simulate method overloading.</a:t>
-            </a:r>
-          </a:p>
-          <a:p>
-            <a:pPr indent="-228600" defTabSz="914400">
-              <a:lnSpc>
-                <a:spcPct val="90000"/>
-              </a:lnSpc>
-              <a:spcAft>
-                <a:spcPts val="600"/>
-              </a:spcAft>
-              <a:buFont typeface="Arial" panose="020B0604020202020204" pitchFamily="34" charset="0"/>
-              <a:buChar char="•"/>
-            </a:pPr>
-            <a:endParaRPr lang="en-US" sz="1400" dirty="0"/>
-          </a:p>
-          <a:p>
-            <a:pPr indent="-228600" defTabSz="914400">
-              <a:lnSpc>
-                <a:spcPct val="90000"/>
-              </a:lnSpc>
-              <a:spcAft>
-                <a:spcPts val="600"/>
-              </a:spcAft>
-              <a:buFont typeface="Arial" panose="020B0604020202020204" pitchFamily="34" charset="0"/>
-              <a:buChar char="•"/>
-            </a:pPr>
-            <a:r>
-              <a:rPr lang="en-US" sz="1400" dirty="0"/>
-              <a:t>This method:</a:t>
-            </a:r>
-          </a:p>
-          <a:p>
-            <a:pPr defTabSz="914400">
-              <a:lnSpc>
-                <a:spcPct val="90000"/>
-              </a:lnSpc>
-              <a:spcAft>
-                <a:spcPts val="600"/>
-              </a:spcAft>
-            </a:pPr>
-            <a:r>
-              <a:rPr lang="en-US" sz="1400" dirty="0"/>
-              <a:t>         -Automatically runs when you call a method that doesn't exist</a:t>
-            </a:r>
-          </a:p>
-          <a:p>
-            <a:pPr indent="-228600" defTabSz="914400">
-              <a:lnSpc>
-                <a:spcPct val="90000"/>
-              </a:lnSpc>
-              <a:spcAft>
-                <a:spcPts val="600"/>
-              </a:spcAft>
-              <a:buFont typeface="Arial" panose="020B0604020202020204" pitchFamily="34" charset="0"/>
-              <a:buChar char="•"/>
-            </a:pPr>
-            <a:endParaRPr lang="en-US" sz="1400" dirty="0"/>
-          </a:p>
-          <a:p>
-            <a:pPr indent="-228600" defTabSz="914400">
-              <a:lnSpc>
-                <a:spcPct val="90000"/>
-              </a:lnSpc>
-              <a:spcAft>
-                <a:spcPts val="600"/>
-              </a:spcAft>
-              <a:buFont typeface="Arial" panose="020B0604020202020204" pitchFamily="34" charset="0"/>
-              <a:buChar char="•"/>
-            </a:pPr>
-            <a:r>
-              <a:rPr lang="en-US" sz="1400" dirty="0"/>
-              <a:t>Receives:</a:t>
-            </a:r>
-          </a:p>
-          <a:p>
-            <a:pPr indent="-228600" defTabSz="914400">
-              <a:lnSpc>
-                <a:spcPct val="90000"/>
-              </a:lnSpc>
-              <a:spcAft>
-                <a:spcPts val="600"/>
-              </a:spcAft>
-              <a:buFont typeface="Arial" panose="020B0604020202020204" pitchFamily="34" charset="0"/>
-              <a:buChar char="•"/>
-            </a:pPr>
-            <a:endParaRPr lang="en-US" sz="1400" dirty="0"/>
-          </a:p>
-          <a:p>
-            <a:pPr indent="-228600" defTabSz="914400">
-              <a:lnSpc>
-                <a:spcPct val="90000"/>
-              </a:lnSpc>
-              <a:spcAft>
-                <a:spcPts val="600"/>
-              </a:spcAft>
-              <a:buFont typeface="Arial" panose="020B0604020202020204" pitchFamily="34" charset="0"/>
-              <a:buChar char="•"/>
-            </a:pPr>
-            <a:r>
-              <a:rPr lang="en-US" sz="1400" dirty="0"/>
-              <a:t>The method name as a string</a:t>
-            </a:r>
-          </a:p>
-          <a:p>
-            <a:pPr indent="-228600" defTabSz="914400">
-              <a:lnSpc>
-                <a:spcPct val="90000"/>
-              </a:lnSpc>
-              <a:spcAft>
-                <a:spcPts val="600"/>
-              </a:spcAft>
-              <a:buFont typeface="Arial" panose="020B0604020202020204" pitchFamily="34" charset="0"/>
-              <a:buChar char="•"/>
-            </a:pPr>
-            <a:endParaRPr lang="en-US" sz="1400" dirty="0"/>
-          </a:p>
-          <a:p>
-            <a:pPr indent="-228600" defTabSz="914400">
-              <a:lnSpc>
-                <a:spcPct val="90000"/>
-              </a:lnSpc>
-              <a:spcAft>
-                <a:spcPts val="600"/>
-              </a:spcAft>
-              <a:buFont typeface="Arial" panose="020B0604020202020204" pitchFamily="34" charset="0"/>
-              <a:buChar char="•"/>
-            </a:pPr>
-            <a:r>
-              <a:rPr lang="en-US" sz="1400" dirty="0"/>
-              <a:t>The arguments in an array</a:t>
-            </a:r>
-          </a:p>
-          <a:p>
-            <a:pPr indent="-228600" defTabSz="914400">
-              <a:lnSpc>
-                <a:spcPct val="90000"/>
-              </a:lnSpc>
-              <a:spcAft>
-                <a:spcPts val="600"/>
-              </a:spcAft>
-              <a:buFont typeface="Arial" panose="020B0604020202020204" pitchFamily="34" charset="0"/>
-              <a:buChar char="•"/>
-            </a:pPr>
-            <a:endParaRPr lang="en-US" sz="1400" dirty="0"/>
-          </a:p>
-          <a:p>
-            <a:pPr indent="-228600" defTabSz="914400">
-              <a:lnSpc>
-                <a:spcPct val="90000"/>
-              </a:lnSpc>
-              <a:spcAft>
-                <a:spcPts val="600"/>
-              </a:spcAft>
-              <a:buFont typeface="Arial" panose="020B0604020202020204" pitchFamily="34" charset="0"/>
-              <a:buChar char="•"/>
-            </a:pPr>
-            <a:r>
-              <a:rPr lang="en-US" sz="1400" dirty="0"/>
-              <a:t>You can then check how many arguments were passed and handle each case differently</a:t>
-            </a:r>
-          </a:p>
-        </p:txBody>
-      </p:sp>
-      <p:cxnSp>
-        <p:nvCxnSpPr>
-          <p:cNvPr id="39" name="Straight Connector 38">
-            <a:extLst>
-              <a:ext uri="{FF2B5EF4-FFF2-40B4-BE49-F238E27FC236}">
-                <a16:creationId xmlns:a16="http://schemas.microsoft.com/office/drawing/2014/main" id="{6CF1BAF6-AD41-4082-B212-8A1F9A2E8779}"/>
-              </a:ext>
-              <a:ext uri="{C183D7F6-B498-43B3-948B-1728B52AA6E4}">
-                <adec:decorative xmlns:adec="http://schemas.microsoft.com/office/drawing/2017/decorative" val="1"/>
-              </a:ext>
-            </a:extLst>
-          </p:cNvPr>
-          <p:cNvCxnSpPr>
-            <a:cxnSpLocks noGrp="1" noRot="1" noChangeAspect="1" noMove="1" noResize="1" noEditPoints="1" noAdjustHandles="1" noChangeArrowheads="1" noChangeShapeType="1"/>
-          </p:cNvCxnSpPr>
-          <p:nvPr>
-            <p:extLst>
-              <p:ext uri="{386F3935-93C4-4BCD-93E2-E3B085C9AB24}">
-                <p16:designElem xmlns:p16="http://schemas.microsoft.com/office/powerpoint/2015/main" val="1"/>
-              </p:ext>
-            </p:extLst>
-          </p:nvPr>
-        </p:nvCxnSpPr>
-        <p:spPr>
-          <a:xfrm flipH="1">
-            <a:off x="628650" y="6485313"/>
-            <a:ext cx="7886700" cy="0"/>
-          </a:xfrm>
-          <a:prstGeom prst="line">
-            <a:avLst/>
-          </a:prstGeom>
-          <a:ln w="57150">
-            <a:solidFill>
-              <a:schemeClr val="accent4"/>
-            </a:solidFill>
-          </a:ln>
-        </p:spPr>
-        <p:style>
-          <a:lnRef idx="1">
-            <a:schemeClr val="accent1"/>
-          </a:lnRef>
-          <a:fillRef idx="0">
-            <a:schemeClr val="accent1"/>
-          </a:fillRef>
-          <a:effectRef idx="0">
-            <a:schemeClr val="accent1"/>
-          </a:effectRef>
-          <a:fontRef idx="minor">
-            <a:schemeClr val="tx1"/>
-          </a:fontRef>
-        </p:style>
-      </p:cxnSp>
-    </p:spTree>
-    <p:extLst>
-      <p:ext uri="{BB962C8B-B14F-4D97-AF65-F5344CB8AC3E}">
-        <p14:creationId xmlns:p14="http://schemas.microsoft.com/office/powerpoint/2010/main" val="3372331515"/>
-      </p:ext>
-    </p:extLst>
-  </p:cSld>
-  <p:clrMapOvr>
-    <a:masterClrMapping/>
-  </p:clrMapOvr>
-</p:sld>
-</file>
-
-<file path=ppt/slides/slide11.xml><?xml version="1.0" encoding="utf-8"?>
-<p:sld xmlns:a="http://schemas.openxmlformats.org/drawingml/2006/main" xmlns:r="http://schemas.openxmlformats.org/officeDocument/2006/relationships" xmlns:p="http://schemas.openxmlformats.org/presentationml/2006/main">
-  <p:cSld>
-    <p:bg>
-      <p:bgPr>
-        <a:solidFill>
-          <a:schemeClr val="bg1"/>
-        </a:solidFill>
-        <a:effectLst/>
-      </p:bgPr>
-    </p:bg>
-    <p:spTree>
-      <p:nvGrpSpPr>
-        <p:cNvPr id="1" name="">
-          <a:extLst>
-            <a:ext uri="{FF2B5EF4-FFF2-40B4-BE49-F238E27FC236}">
-              <a16:creationId xmlns:a16="http://schemas.microsoft.com/office/drawing/2014/main" id="{EE4156D8-D3C2-4EFA-B9BC-9CFB5C4CCE90}"/>
-            </a:ext>
-          </a:extLst>
-        </p:cNvPr>
-        <p:cNvGrpSpPr/>
-        <p:nvPr/>
-      </p:nvGrpSpPr>
-      <p:grpSpPr>
-        <a:xfrm>
-          <a:off x="0" y="0"/>
-          <a:ext cx="0" cy="0"/>
-          <a:chOff x="0" y="0"/>
-          <a:chExt cx="0" cy="0"/>
-        </a:xfrm>
-      </p:grpSpPr>
-      <p:sp useBgFill="1">
-        <p:nvSpPr>
-          <p:cNvPr id="30" name="Rectangle 29">
-            <a:extLst>
-              <a:ext uri="{FF2B5EF4-FFF2-40B4-BE49-F238E27FC236}">
-                <a16:creationId xmlns:a16="http://schemas.microsoft.com/office/drawing/2014/main" id="{53F29798-D584-4792-9B62-3F5F5C36D619}"/>
-              </a:ext>
-              <a:ext uri="{C183D7F6-B498-43B3-948B-1728B52AA6E4}">
-                <adec:decorative xmlns:adec="http://schemas.microsoft.com/office/drawing/2017/decorative" val="1"/>
-              </a:ext>
-            </a:extLst>
-          </p:cNvPr>
-          <p:cNvSpPr>
-            <a:spLocks noGrp="1" noRot="1" noChangeAspect="1" noMove="1" noResize="1" noEditPoints="1" noAdjustHandles="1" noChangeArrowheads="1" noChangeShapeType="1" noTextEdit="1"/>
-          </p:cNvSpPr>
-          <p:nvPr>
-            <p:extLst>
-              <p:ext uri="{386F3935-93C4-4BCD-93E2-E3B085C9AB24}">
-                <p16:designElem xmlns:p16="http://schemas.microsoft.com/office/powerpoint/2015/main" val="1"/>
-              </p:ext>
-            </p:extLst>
-          </p:nvPr>
-        </p:nvSpPr>
-        <p:spPr>
-          <a:xfrm>
-            <a:off x="0" y="0"/>
-            <a:ext cx="9141714" cy="6858000"/>
-          </a:xfrm>
-          <a:prstGeom prst="rect">
-            <a:avLst/>
-          </a:prstGeom>
+          <a:gradFill>
+            <a:gsLst>
+              <a:gs pos="19000">
+                <a:schemeClr val="accent1">
+                  <a:lumMod val="50000"/>
+                  <a:alpha val="68000"/>
+                </a:schemeClr>
+              </a:gs>
+              <a:gs pos="100000">
+                <a:schemeClr val="accent1">
+                  <a:alpha val="79000"/>
+                </a:schemeClr>
+              </a:gs>
+            </a:gsLst>
+            <a:lin ang="19200000" scaled="0"/>
+          </a:gradFill>
           <a:ln>
             <a:noFill/>
           </a:ln>
@@ -17752,10 +13957,1062 @@
       </p:sp>
       <p:sp>
         <p:nvSpPr>
+          <p:cNvPr id="15" name="Rectangle 14">
+            <a:extLst>
+              <a:ext uri="{FF2B5EF4-FFF2-40B4-BE49-F238E27FC236}">
+                <a16:creationId xmlns:a16="http://schemas.microsoft.com/office/drawing/2014/main" id="{063BBA22-50EA-4C4D-BE05-F1CE4E63AA56}"/>
+              </a:ext>
+              <a:ext uri="{C183D7F6-B498-43B3-948B-1728B52AA6E4}">
+                <adec:decorative xmlns:adec="http://schemas.microsoft.com/office/drawing/2017/decorative" val="1"/>
+              </a:ext>
+            </a:extLst>
+          </p:cNvPr>
+          <p:cNvSpPr>
+            <a:spLocks noGrp="1" noRot="1" noChangeAspect="1" noMove="1" noResize="1" noEditPoints="1" noAdjustHandles="1" noChangeArrowheads="1" noChangeShapeType="1" noTextEdit="1"/>
+          </p:cNvSpPr>
+          <p:nvPr>
+            <p:extLst>
+              <p:ext uri="{386F3935-93C4-4BCD-93E2-E3B085C9AB24}">
+                <p16:designElem xmlns:p16="http://schemas.microsoft.com/office/powerpoint/2015/main" val="1"/>
+              </p:ext>
+            </p:extLst>
+          </p:nvPr>
+        </p:nvSpPr>
+        <p:spPr>
+          <a:xfrm rot="5400000">
+            <a:off x="3783777" y="-3783778"/>
+            <a:ext cx="1576446" cy="9144002"/>
+          </a:xfrm>
+          <a:prstGeom prst="rect">
+            <a:avLst/>
+          </a:prstGeom>
+          <a:gradFill>
+            <a:gsLst>
+              <a:gs pos="23000">
+                <a:schemeClr val="accent1">
+                  <a:alpha val="0"/>
+                </a:schemeClr>
+              </a:gs>
+              <a:gs pos="99000">
+                <a:srgbClr val="000000">
+                  <a:alpha val="74000"/>
+                </a:srgbClr>
+              </a:gs>
+            </a:gsLst>
+            <a:lin ang="20400000" scaled="0"/>
+          </a:gradFill>
+          <a:ln>
+            <a:noFill/>
+          </a:ln>
+        </p:spPr>
+        <p:style>
+          <a:lnRef idx="2">
+            <a:schemeClr val="accent1">
+              <a:shade val="50000"/>
+            </a:schemeClr>
+          </a:lnRef>
+          <a:fillRef idx="1">
+            <a:schemeClr val="accent1"/>
+          </a:fillRef>
+          <a:effectRef idx="0">
+            <a:schemeClr val="accent1"/>
+          </a:effectRef>
+          <a:fontRef idx="minor">
+            <a:schemeClr val="lt1"/>
+          </a:fontRef>
+        </p:style>
+        <p:txBody>
+          <a:bodyPr rtlCol="0" anchor="ctr"/>
+          <a:lstStyle/>
+          <a:p>
+            <a:pPr algn="ctr"/>
+            <a:endParaRPr lang="en-US" dirty="0"/>
+          </a:p>
+        </p:txBody>
+      </p:sp>
+      <p:sp>
+        <p:nvSpPr>
+          <p:cNvPr id="2" name="Title 1"/>
+          <p:cNvSpPr>
+            <a:spLocks noGrp="1"/>
+          </p:cNvSpPr>
+          <p:nvPr>
+            <p:ph type="title"/>
+          </p:nvPr>
+        </p:nvSpPr>
+        <p:spPr>
+          <a:xfrm>
+            <a:off x="1028697" y="348865"/>
+            <a:ext cx="7533018" cy="877729"/>
+          </a:xfrm>
+        </p:spPr>
+        <p:txBody>
+          <a:bodyPr anchor="ctr">
+            <a:normAutofit/>
+          </a:bodyPr>
+          <a:lstStyle/>
+          <a:p>
+            <a:r>
+              <a:rPr lang="en-US" sz="3500">
+                <a:solidFill>
+                  <a:srgbClr val="FFFFFF"/>
+                </a:solidFill>
+              </a:rPr>
+              <a:t>Learning Objectives</a:t>
+            </a:r>
+          </a:p>
+        </p:txBody>
+      </p:sp>
+      <p:graphicFrame>
+        <p:nvGraphicFramePr>
+          <p:cNvPr id="5" name="Content Placeholder 2">
+            <a:extLst>
+              <a:ext uri="{FF2B5EF4-FFF2-40B4-BE49-F238E27FC236}">
+                <a16:creationId xmlns:a16="http://schemas.microsoft.com/office/drawing/2014/main" id="{AFC11FF0-282D-0E40-3DC6-BA66DB45F57D}"/>
+              </a:ext>
+            </a:extLst>
+          </p:cNvPr>
+          <p:cNvGraphicFramePr>
+            <a:graphicFrameLocks noGrp="1"/>
+          </p:cNvGraphicFramePr>
+          <p:nvPr>
+            <p:ph idx="1"/>
+            <p:extLst>
+              <p:ext uri="{D42A27DB-BD31-4B8C-83A1-F6EECF244321}">
+                <p14:modId xmlns:p14="http://schemas.microsoft.com/office/powerpoint/2010/main" val="3638801212"/>
+              </p:ext>
+            </p:extLst>
+          </p:nvPr>
+        </p:nvGraphicFramePr>
+        <p:xfrm>
+          <a:off x="483042" y="2112579"/>
+          <a:ext cx="8195871" cy="4192805"/>
+        </p:xfrm>
+        <a:graphic>
+          <a:graphicData uri="http://schemas.openxmlformats.org/drawingml/2006/diagram">
+            <dgm:relIds xmlns:dgm="http://schemas.openxmlformats.org/drawingml/2006/diagram" xmlns:r="http://schemas.openxmlformats.org/officeDocument/2006/relationships" r:dm="rId2" r:lo="rId3" r:qs="rId4" r:cs="rId5"/>
+          </a:graphicData>
+        </a:graphic>
+      </p:graphicFrame>
+    </p:spTree>
+  </p:cSld>
+  <p:clrMapOvr>
+    <a:masterClrMapping/>
+  </p:clrMapOvr>
+</p:sld>
+</file>
+
+<file path=ppt/slides/slide3.xml><?xml version="1.0" encoding="utf-8"?>
+<p:sld xmlns:a="http://schemas.openxmlformats.org/drawingml/2006/main" xmlns:r="http://schemas.openxmlformats.org/officeDocument/2006/relationships" xmlns:p="http://schemas.openxmlformats.org/presentationml/2006/main">
+  <p:cSld>
+    <p:bg>
+      <p:bgPr>
+        <a:solidFill>
+          <a:schemeClr val="bg1"/>
+        </a:solidFill>
+        <a:effectLst/>
+      </p:bgPr>
+    </p:bg>
+    <p:spTree>
+      <p:nvGrpSpPr>
+        <p:cNvPr id="1" name=""/>
+        <p:cNvGrpSpPr/>
+        <p:nvPr/>
+      </p:nvGrpSpPr>
+      <p:grpSpPr>
+        <a:xfrm>
+          <a:off x="0" y="0"/>
+          <a:ext cx="0" cy="0"/>
+          <a:chOff x="0" y="0"/>
+          <a:chExt cx="0" cy="0"/>
+        </a:xfrm>
+      </p:grpSpPr>
+      <p:sp useBgFill="1">
+        <p:nvSpPr>
+          <p:cNvPr id="17" name="Rectangle 16">
+            <a:extLst>
+              <a:ext uri="{FF2B5EF4-FFF2-40B4-BE49-F238E27FC236}">
+                <a16:creationId xmlns:a16="http://schemas.microsoft.com/office/drawing/2014/main" id="{BACC6370-2D7E-4714-9D71-7542949D7D5D}"/>
+              </a:ext>
+              <a:ext uri="{C183D7F6-B498-43B3-948B-1728B52AA6E4}">
+                <adec:decorative xmlns:adec="http://schemas.microsoft.com/office/drawing/2017/decorative" val="1"/>
+              </a:ext>
+            </a:extLst>
+          </p:cNvPr>
+          <p:cNvSpPr>
+            <a:spLocks noGrp="1" noRot="1" noChangeAspect="1" noMove="1" noResize="1" noEditPoints="1" noAdjustHandles="1" noChangeArrowheads="1" noChangeShapeType="1" noTextEdit="1"/>
+          </p:cNvSpPr>
+          <p:nvPr>
+            <p:extLst>
+              <p:ext uri="{386F3935-93C4-4BCD-93E2-E3B085C9AB24}">
+                <p16:designElem xmlns:p16="http://schemas.microsoft.com/office/powerpoint/2015/main" val="1"/>
+              </p:ext>
+            </p:extLst>
+          </p:nvPr>
+        </p:nvSpPr>
+        <p:spPr>
+          <a:xfrm>
+            <a:off x="0" y="0"/>
+            <a:ext cx="9144000" cy="6858000"/>
+          </a:xfrm>
+          <a:prstGeom prst="rect">
+            <a:avLst/>
+          </a:prstGeom>
+          <a:ln w="12700" cap="flat" cmpd="sng" algn="ctr">
+            <a:noFill/>
+            <a:prstDash val="solid"/>
+            <a:miter lim="800000"/>
+          </a:ln>
+          <a:effectLst/>
+          <a:extLst>
+            <a:ext uri="{91240B29-F687-4F45-9708-019B960494DF}">
+              <a14:hiddenLine xmlns:a14="http://schemas.microsoft.com/office/drawing/2010/main" w="12700" cap="flat" cmpd="sng" algn="ctr">
+                <a:solidFill>
+                  <a:schemeClr val="accent1">
+                    <a:shade val="50000"/>
+                  </a:schemeClr>
+                </a:solidFill>
+                <a:prstDash val="solid"/>
+                <a:miter lim="800000"/>
+              </a14:hiddenLine>
+            </a:ext>
+          </a:extLst>
+        </p:spPr>
+        <p:style>
+          <a:lnRef idx="2">
+            <a:schemeClr val="accent1">
+              <a:shade val="50000"/>
+            </a:schemeClr>
+          </a:lnRef>
+          <a:fillRef idx="1">
+            <a:schemeClr val="accent1"/>
+          </a:fillRef>
+          <a:effectRef idx="0">
+            <a:schemeClr val="accent1"/>
+          </a:effectRef>
+          <a:fontRef idx="minor">
+            <a:schemeClr val="lt1"/>
+          </a:fontRef>
+        </p:style>
+        <p:txBody>
+          <a:bodyPr rtlCol="0" anchor="ctr"/>
+          <a:lstStyle/>
+          <a:p>
+            <a:pPr algn="ctr"/>
+            <a:endParaRPr lang="en-US"/>
+          </a:p>
+        </p:txBody>
+      </p:sp>
+      <p:sp>
+        <p:nvSpPr>
+          <p:cNvPr id="18" name="Rectangle 17">
+            <a:extLst>
+              <a:ext uri="{FF2B5EF4-FFF2-40B4-BE49-F238E27FC236}">
+                <a16:creationId xmlns:a16="http://schemas.microsoft.com/office/drawing/2014/main" id="{F68B3F68-107C-434F-AA38-110D5EA91B85}"/>
+              </a:ext>
+              <a:ext uri="{C183D7F6-B498-43B3-948B-1728B52AA6E4}">
+                <adec:decorative xmlns:adec="http://schemas.microsoft.com/office/drawing/2017/decorative" val="1"/>
+              </a:ext>
+            </a:extLst>
+          </p:cNvPr>
+          <p:cNvSpPr>
+            <a:spLocks noGrp="1" noRot="1" noChangeAspect="1" noMove="1" noResize="1" noEditPoints="1" noAdjustHandles="1" noChangeArrowheads="1" noChangeShapeType="1" noTextEdit="1"/>
+          </p:cNvSpPr>
+          <p:nvPr>
+            <p:extLst>
+              <p:ext uri="{386F3935-93C4-4BCD-93E2-E3B085C9AB24}">
+                <p16:designElem xmlns:p16="http://schemas.microsoft.com/office/powerpoint/2015/main" val="1"/>
+              </p:ext>
+            </p:extLst>
+          </p:nvPr>
+        </p:nvSpPr>
+        <p:spPr>
+          <a:xfrm flipH="1">
+            <a:off x="1" y="0"/>
+            <a:ext cx="9143999" cy="2170031"/>
+          </a:xfrm>
+          <a:prstGeom prst="rect">
+            <a:avLst/>
+          </a:prstGeom>
+          <a:gradFill>
+            <a:gsLst>
+              <a:gs pos="0">
+                <a:srgbClr val="000000">
+                  <a:alpha val="96000"/>
+                </a:srgbClr>
+              </a:gs>
+              <a:gs pos="100000">
+                <a:schemeClr val="accent1">
+                  <a:lumMod val="75000"/>
+                </a:schemeClr>
+              </a:gs>
+            </a:gsLst>
+            <a:lin ang="19800000" scaled="0"/>
+          </a:gradFill>
+          <a:ln>
+            <a:noFill/>
+          </a:ln>
+        </p:spPr>
+        <p:style>
+          <a:lnRef idx="2">
+            <a:schemeClr val="accent1">
+              <a:shade val="50000"/>
+            </a:schemeClr>
+          </a:lnRef>
+          <a:fillRef idx="1">
+            <a:schemeClr val="accent1"/>
+          </a:fillRef>
+          <a:effectRef idx="0">
+            <a:schemeClr val="accent1"/>
+          </a:effectRef>
+          <a:fontRef idx="minor">
+            <a:schemeClr val="lt1"/>
+          </a:fontRef>
+        </p:style>
+        <p:txBody>
+          <a:bodyPr rtlCol="0" anchor="ctr"/>
+          <a:lstStyle/>
+          <a:p>
+            <a:pPr algn="ctr"/>
+            <a:endParaRPr lang="en-US"/>
+          </a:p>
+        </p:txBody>
+      </p:sp>
+      <p:sp>
+        <p:nvSpPr>
+          <p:cNvPr id="19" name="Rectangle 18">
+            <a:extLst>
+              <a:ext uri="{FF2B5EF4-FFF2-40B4-BE49-F238E27FC236}">
+                <a16:creationId xmlns:a16="http://schemas.microsoft.com/office/drawing/2014/main" id="{AAD0DBB9-1A4B-4391-81D4-CB19F9AB918A}"/>
+              </a:ext>
+              <a:ext uri="{C183D7F6-B498-43B3-948B-1728B52AA6E4}">
+                <adec:decorative xmlns:adec="http://schemas.microsoft.com/office/drawing/2017/decorative" val="1"/>
+              </a:ext>
+            </a:extLst>
+          </p:cNvPr>
+          <p:cNvSpPr>
+            <a:spLocks noGrp="1" noRot="1" noChangeAspect="1" noMove="1" noResize="1" noEditPoints="1" noAdjustHandles="1" noChangeArrowheads="1" noChangeShapeType="1" noTextEdit="1"/>
+          </p:cNvSpPr>
+          <p:nvPr>
+            <p:extLst>
+              <p:ext uri="{386F3935-93C4-4BCD-93E2-E3B085C9AB24}">
+                <p16:designElem xmlns:p16="http://schemas.microsoft.com/office/powerpoint/2015/main" val="1"/>
+              </p:ext>
+            </p:extLst>
+          </p:nvPr>
+        </p:nvSpPr>
+        <p:spPr>
+          <a:xfrm flipH="1">
+            <a:off x="6062114" y="0"/>
+            <a:ext cx="3072908" cy="2170661"/>
+          </a:xfrm>
+          <a:prstGeom prst="rect">
+            <a:avLst/>
+          </a:prstGeom>
+          <a:gradFill>
+            <a:gsLst>
+              <a:gs pos="19000">
+                <a:schemeClr val="accent1">
+                  <a:lumMod val="50000"/>
+                  <a:alpha val="68000"/>
+                </a:schemeClr>
+              </a:gs>
+              <a:gs pos="100000">
+                <a:schemeClr val="accent1">
+                  <a:alpha val="48000"/>
+                </a:schemeClr>
+              </a:gs>
+            </a:gsLst>
+            <a:lin ang="19200000" scaled="0"/>
+          </a:gradFill>
+          <a:ln>
+            <a:noFill/>
+          </a:ln>
+        </p:spPr>
+        <p:style>
+          <a:lnRef idx="2">
+            <a:schemeClr val="accent1">
+              <a:shade val="50000"/>
+            </a:schemeClr>
+          </a:lnRef>
+          <a:fillRef idx="1">
+            <a:schemeClr val="accent1"/>
+          </a:fillRef>
+          <a:effectRef idx="0">
+            <a:schemeClr val="accent1"/>
+          </a:effectRef>
+          <a:fontRef idx="minor">
+            <a:schemeClr val="lt1"/>
+          </a:fontRef>
+        </p:style>
+        <p:txBody>
+          <a:bodyPr rtlCol="0" anchor="ctr"/>
+          <a:lstStyle/>
+          <a:p>
+            <a:pPr algn="ctr"/>
+            <a:endParaRPr lang="en-US"/>
+          </a:p>
+        </p:txBody>
+      </p:sp>
+      <p:sp>
+        <p:nvSpPr>
+          <p:cNvPr id="20" name="Rectangle 19">
+            <a:extLst>
+              <a:ext uri="{FF2B5EF4-FFF2-40B4-BE49-F238E27FC236}">
+                <a16:creationId xmlns:a16="http://schemas.microsoft.com/office/drawing/2014/main" id="{063BBA22-50EA-4C4D-BE05-F1CE4E63AA56}"/>
+              </a:ext>
+              <a:ext uri="{C183D7F6-B498-43B3-948B-1728B52AA6E4}">
+                <adec:decorative xmlns:adec="http://schemas.microsoft.com/office/drawing/2017/decorative" val="1"/>
+              </a:ext>
+            </a:extLst>
+          </p:cNvPr>
+          <p:cNvSpPr>
+            <a:spLocks noGrp="1" noRot="1" noChangeAspect="1" noMove="1" noResize="1" noEditPoints="1" noAdjustHandles="1" noChangeArrowheads="1" noChangeShapeType="1" noTextEdit="1"/>
+          </p:cNvSpPr>
+          <p:nvPr>
+            <p:extLst>
+              <p:ext uri="{386F3935-93C4-4BCD-93E2-E3B085C9AB24}">
+                <p16:designElem xmlns:p16="http://schemas.microsoft.com/office/powerpoint/2015/main" val="1"/>
+              </p:ext>
+            </p:extLst>
+          </p:nvPr>
+        </p:nvSpPr>
+        <p:spPr>
+          <a:xfrm rot="16200000" flipH="1">
+            <a:off x="3486646" y="-3486043"/>
+            <a:ext cx="2170709" cy="9144000"/>
+          </a:xfrm>
+          <a:prstGeom prst="rect">
+            <a:avLst/>
+          </a:prstGeom>
+          <a:gradFill>
+            <a:gsLst>
+              <a:gs pos="23000">
+                <a:schemeClr val="accent1">
+                  <a:lumMod val="75000"/>
+                  <a:alpha val="16000"/>
+                </a:schemeClr>
+              </a:gs>
+              <a:gs pos="99000">
+                <a:srgbClr val="000000">
+                  <a:alpha val="45000"/>
+                </a:srgbClr>
+              </a:gs>
+            </a:gsLst>
+            <a:lin ang="21000000" scaled="0"/>
+          </a:gradFill>
+          <a:ln>
+            <a:noFill/>
+          </a:ln>
+        </p:spPr>
+        <p:style>
+          <a:lnRef idx="2">
+            <a:schemeClr val="accent1">
+              <a:shade val="50000"/>
+            </a:schemeClr>
+          </a:lnRef>
+          <a:fillRef idx="1">
+            <a:schemeClr val="accent1"/>
+          </a:fillRef>
+          <a:effectRef idx="0">
+            <a:schemeClr val="accent1"/>
+          </a:effectRef>
+          <a:fontRef idx="minor">
+            <a:schemeClr val="lt1"/>
+          </a:fontRef>
+        </p:style>
+        <p:txBody>
+          <a:bodyPr rtlCol="0" anchor="ctr"/>
+          <a:lstStyle/>
+          <a:p>
+            <a:pPr algn="ctr"/>
+            <a:endParaRPr lang="en-US" dirty="0"/>
+          </a:p>
+        </p:txBody>
+      </p:sp>
+      <p:sp>
+        <p:nvSpPr>
+          <p:cNvPr id="2" name="Title 1"/>
+          <p:cNvSpPr>
+            <a:spLocks noGrp="1"/>
+          </p:cNvSpPr>
+          <p:nvPr>
+            <p:ph type="title"/>
+          </p:nvPr>
+        </p:nvSpPr>
+        <p:spPr>
+          <a:xfrm>
+            <a:off x="1037673" y="348865"/>
+            <a:ext cx="7288583" cy="1576446"/>
+          </a:xfrm>
+        </p:spPr>
+        <p:txBody>
+          <a:bodyPr anchor="ctr">
+            <a:normAutofit/>
+          </a:bodyPr>
+          <a:lstStyle/>
+          <a:p>
+            <a:r>
+              <a:rPr lang="en-US" sz="3500">
+                <a:solidFill>
+                  <a:srgbClr val="FFFFFF"/>
+                </a:solidFill>
+              </a:rPr>
+              <a:t>What is a Constructor?</a:t>
+            </a:r>
+          </a:p>
+        </p:txBody>
+      </p:sp>
+      <p:graphicFrame>
+        <p:nvGraphicFramePr>
+          <p:cNvPr id="21" name="Content Placeholder 2">
+            <a:extLst>
+              <a:ext uri="{FF2B5EF4-FFF2-40B4-BE49-F238E27FC236}">
+                <a16:creationId xmlns:a16="http://schemas.microsoft.com/office/drawing/2014/main" id="{CBAEF89F-47C0-BA3F-0FEA-CDCB511EE54A}"/>
+              </a:ext>
+            </a:extLst>
+          </p:cNvPr>
+          <p:cNvGraphicFramePr>
+            <a:graphicFrameLocks noGrp="1"/>
+          </p:cNvGraphicFramePr>
+          <p:nvPr>
+            <p:ph idx="1"/>
+            <p:extLst>
+              <p:ext uri="{D42A27DB-BD31-4B8C-83A1-F6EECF244321}">
+                <p14:modId xmlns:p14="http://schemas.microsoft.com/office/powerpoint/2010/main" val="2096667398"/>
+              </p:ext>
+            </p:extLst>
+          </p:nvPr>
+        </p:nvGraphicFramePr>
+        <p:xfrm>
+          <a:off x="483042" y="2615979"/>
+          <a:ext cx="8195871" cy="3689405"/>
+        </p:xfrm>
+        <a:graphic>
+          <a:graphicData uri="http://schemas.openxmlformats.org/drawingml/2006/diagram">
+            <dgm:relIds xmlns:dgm="http://schemas.openxmlformats.org/drawingml/2006/diagram" xmlns:r="http://schemas.openxmlformats.org/officeDocument/2006/relationships" r:dm="rId2" r:lo="rId3" r:qs="rId4" r:cs="rId5"/>
+          </a:graphicData>
+        </a:graphic>
+      </p:graphicFrame>
+    </p:spTree>
+  </p:cSld>
+  <p:clrMapOvr>
+    <a:masterClrMapping/>
+  </p:clrMapOvr>
+</p:sld>
+</file>
+
+<file path=ppt/slides/slide4.xml><?xml version="1.0" encoding="utf-8"?>
+<p:sld xmlns:a="http://schemas.openxmlformats.org/drawingml/2006/main" xmlns:r="http://schemas.openxmlformats.org/officeDocument/2006/relationships" xmlns:p="http://schemas.openxmlformats.org/presentationml/2006/main">
+  <p:cSld>
+    <p:bg>
+      <p:bgPr>
+        <a:solidFill>
+          <a:schemeClr val="bg1"/>
+        </a:solidFill>
+        <a:effectLst/>
+      </p:bgPr>
+    </p:bg>
+    <p:spTree>
+      <p:nvGrpSpPr>
+        <p:cNvPr id="1" name=""/>
+        <p:cNvGrpSpPr/>
+        <p:nvPr/>
+      </p:nvGrpSpPr>
+      <p:grpSpPr>
+        <a:xfrm>
+          <a:off x="0" y="0"/>
+          <a:ext cx="0" cy="0"/>
+          <a:chOff x="0" y="0"/>
+          <a:chExt cx="0" cy="0"/>
+        </a:xfrm>
+      </p:grpSpPr>
+      <p:sp>
+        <p:nvSpPr>
+          <p:cNvPr id="10" name="Down Arrow 7">
+            <a:extLst>
+              <a:ext uri="{FF2B5EF4-FFF2-40B4-BE49-F238E27FC236}">
+                <a16:creationId xmlns:a16="http://schemas.microsoft.com/office/drawing/2014/main" id="{D4771268-CB57-404A-9271-370EB28F6090}"/>
+              </a:ext>
+              <a:ext uri="{C183D7F6-B498-43B3-948B-1728B52AA6E4}">
+                <adec:decorative xmlns:adec="http://schemas.microsoft.com/office/drawing/2017/decorative" val="1"/>
+              </a:ext>
+            </a:extLst>
+          </p:cNvPr>
+          <p:cNvSpPr>
+            <a:spLocks noGrp="1" noRot="1" noChangeAspect="1" noMove="1" noResize="1" noEditPoints="1" noAdjustHandles="1" noChangeArrowheads="1" noChangeShapeType="1" noTextEdit="1"/>
+          </p:cNvSpPr>
+          <p:nvPr>
+            <p:extLst>
+              <p:ext uri="{386F3935-93C4-4BCD-93E2-E3B085C9AB24}">
+                <p16:designElem xmlns:p16="http://schemas.microsoft.com/office/powerpoint/2015/main" val="1"/>
+              </p:ext>
+            </p:extLst>
+          </p:nvPr>
+        </p:nvSpPr>
+        <p:spPr>
+          <a:xfrm rot="16200000">
+            <a:off x="183356" y="1928731"/>
+            <a:ext cx="3333749" cy="2624327"/>
+          </a:xfrm>
+          <a:prstGeom prst="downArrow">
+            <a:avLst>
+              <a:gd name="adj1" fmla="val 100000"/>
+              <a:gd name="adj2" fmla="val 15788"/>
+            </a:avLst>
+          </a:prstGeom>
+          <a:solidFill>
+            <a:srgbClr val="404040"/>
+          </a:solidFill>
+          <a:ln w="53975">
+            <a:noFill/>
+          </a:ln>
+        </p:spPr>
+        <p:style>
+          <a:lnRef idx="2">
+            <a:schemeClr val="accent1">
+              <a:shade val="50000"/>
+            </a:schemeClr>
+          </a:lnRef>
+          <a:fillRef idx="1">
+            <a:schemeClr val="accent1"/>
+          </a:fillRef>
+          <a:effectRef idx="0">
+            <a:schemeClr val="accent1"/>
+          </a:effectRef>
+          <a:fontRef idx="minor">
+            <a:schemeClr val="lt1"/>
+          </a:fontRef>
+        </p:style>
+        <p:txBody>
+          <a:bodyPr rtlCol="0" anchor="ctr"/>
+          <a:lstStyle/>
+          <a:p>
+            <a:pPr algn="ctr"/>
+            <a:endParaRPr lang="en-US"/>
+          </a:p>
+        </p:txBody>
+      </p:sp>
+      <p:sp>
+        <p:nvSpPr>
+          <p:cNvPr id="2" name="Title 1"/>
+          <p:cNvSpPr>
+            <a:spLocks noGrp="1"/>
+          </p:cNvSpPr>
+          <p:nvPr>
+            <p:ph type="title"/>
+          </p:nvPr>
+        </p:nvSpPr>
+        <p:spPr>
+          <a:xfrm>
+            <a:off x="771525" y="1967266"/>
+            <a:ext cx="1971675" cy="2547257"/>
+          </a:xfrm>
+          <a:noFill/>
+        </p:spPr>
+        <p:txBody>
+          <a:bodyPr vert="horz" lIns="91440" tIns="45720" rIns="91440" bIns="45720" rtlCol="0" anchor="ctr">
+            <a:normAutofit/>
+          </a:bodyPr>
+          <a:lstStyle/>
+          <a:p>
+            <a:pPr defTabSz="914400">
+              <a:lnSpc>
+                <a:spcPct val="90000"/>
+              </a:lnSpc>
+            </a:pPr>
+            <a:r>
+              <a:rPr lang="en-US" sz="2900" kern="1200">
+                <a:solidFill>
+                  <a:srgbClr val="FFFFFF"/>
+                </a:solidFill>
+                <a:latin typeface="+mj-lt"/>
+                <a:ea typeface="+mj-ea"/>
+                <a:cs typeface="+mj-cs"/>
+              </a:rPr>
+              <a:t>Example – Constructor in PHP</a:t>
+            </a:r>
+          </a:p>
+        </p:txBody>
+      </p:sp>
+      <p:pic>
+        <p:nvPicPr>
+          <p:cNvPr id="5" name="Picture 4">
+            <a:extLst>
+              <a:ext uri="{FF2B5EF4-FFF2-40B4-BE49-F238E27FC236}">
+                <a16:creationId xmlns:a16="http://schemas.microsoft.com/office/drawing/2014/main" id="{186C6DD6-3A94-EB08-461A-C34CDDFA814D}"/>
+              </a:ext>
+            </a:extLst>
+          </p:cNvPr>
+          <p:cNvPicPr>
+            <a:picLocks noChangeAspect="1"/>
+          </p:cNvPicPr>
+          <p:nvPr/>
+        </p:nvPicPr>
+        <p:blipFill>
+          <a:blip r:embed="rId2"/>
+          <a:stretch>
+            <a:fillRect/>
+          </a:stretch>
+        </p:blipFill>
+        <p:spPr>
+          <a:xfrm>
+            <a:off x="3582987" y="1157338"/>
+            <a:ext cx="5085525" cy="4540995"/>
+          </a:xfrm>
+          <a:prstGeom prst="rect">
+            <a:avLst/>
+          </a:prstGeom>
+        </p:spPr>
+      </p:pic>
+    </p:spTree>
+  </p:cSld>
+  <p:clrMapOvr>
+    <a:masterClrMapping/>
+  </p:clrMapOvr>
+</p:sld>
+</file>
+
+<file path=ppt/slides/slide5.xml><?xml version="1.0" encoding="utf-8"?>
+<p:sld xmlns:a="http://schemas.openxmlformats.org/drawingml/2006/main" xmlns:r="http://schemas.openxmlformats.org/officeDocument/2006/relationships" xmlns:p="http://schemas.openxmlformats.org/presentationml/2006/main">
+  <p:cSld>
+    <p:bg>
+      <p:bgPr>
+        <a:solidFill>
+          <a:schemeClr val="bg1"/>
+        </a:solidFill>
+        <a:effectLst/>
+      </p:bgPr>
+    </p:bg>
+    <p:spTree>
+      <p:nvGrpSpPr>
+        <p:cNvPr id="1" name="">
+          <a:extLst>
+            <a:ext uri="{FF2B5EF4-FFF2-40B4-BE49-F238E27FC236}">
+              <a16:creationId xmlns:a16="http://schemas.microsoft.com/office/drawing/2014/main" id="{715825B6-B4CE-EB6B-7EB5-3568BAC9B95F}"/>
+            </a:ext>
+          </a:extLst>
+        </p:cNvPr>
+        <p:cNvGrpSpPr/>
+        <p:nvPr/>
+      </p:nvGrpSpPr>
+      <p:grpSpPr>
+        <a:xfrm>
+          <a:off x="0" y="0"/>
+          <a:ext cx="0" cy="0"/>
+          <a:chOff x="0" y="0"/>
+          <a:chExt cx="0" cy="0"/>
+        </a:xfrm>
+      </p:grpSpPr>
+      <p:sp useBgFill="1">
+        <p:nvSpPr>
+          <p:cNvPr id="17" name="Rectangle 16">
+            <a:extLst>
+              <a:ext uri="{FF2B5EF4-FFF2-40B4-BE49-F238E27FC236}">
+                <a16:creationId xmlns:a16="http://schemas.microsoft.com/office/drawing/2014/main" id="{A6638BD7-C676-BA81-4A7C-7FB2A6C4EC60}"/>
+              </a:ext>
+              <a:ext uri="{C183D7F6-B498-43B3-948B-1728B52AA6E4}">
+                <adec:decorative xmlns:adec="http://schemas.microsoft.com/office/drawing/2017/decorative" val="1"/>
+              </a:ext>
+            </a:extLst>
+          </p:cNvPr>
+          <p:cNvSpPr>
+            <a:spLocks noGrp="1" noRot="1" noChangeAspect="1" noMove="1" noResize="1" noEditPoints="1" noAdjustHandles="1" noChangeArrowheads="1" noChangeShapeType="1" noTextEdit="1"/>
+          </p:cNvSpPr>
+          <p:nvPr>
+            <p:extLst>
+              <p:ext uri="{386F3935-93C4-4BCD-93E2-E3B085C9AB24}">
+                <p16:designElem xmlns:p16="http://schemas.microsoft.com/office/powerpoint/2015/main" val="1"/>
+              </p:ext>
+            </p:extLst>
+          </p:nvPr>
+        </p:nvSpPr>
+        <p:spPr>
+          <a:xfrm>
+            <a:off x="0" y="0"/>
+            <a:ext cx="9144000" cy="6858000"/>
+          </a:xfrm>
+          <a:prstGeom prst="rect">
+            <a:avLst/>
+          </a:prstGeom>
+          <a:ln w="12700" cap="flat" cmpd="sng" algn="ctr">
+            <a:noFill/>
+            <a:prstDash val="solid"/>
+            <a:miter lim="800000"/>
+          </a:ln>
+          <a:effectLst/>
+          <a:extLst>
+            <a:ext uri="{91240B29-F687-4F45-9708-019B960494DF}">
+              <a14:hiddenLine xmlns:a14="http://schemas.microsoft.com/office/drawing/2010/main" w="12700" cap="flat" cmpd="sng" algn="ctr">
+                <a:solidFill>
+                  <a:schemeClr val="accent1">
+                    <a:shade val="50000"/>
+                  </a:schemeClr>
+                </a:solidFill>
+                <a:prstDash val="solid"/>
+                <a:miter lim="800000"/>
+              </a14:hiddenLine>
+            </a:ext>
+          </a:extLst>
+        </p:spPr>
+        <p:style>
+          <a:lnRef idx="2">
+            <a:schemeClr val="accent1">
+              <a:shade val="50000"/>
+            </a:schemeClr>
+          </a:lnRef>
+          <a:fillRef idx="1">
+            <a:schemeClr val="accent1"/>
+          </a:fillRef>
+          <a:effectRef idx="0">
+            <a:schemeClr val="accent1"/>
+          </a:effectRef>
+          <a:fontRef idx="minor">
+            <a:schemeClr val="lt1"/>
+          </a:fontRef>
+        </p:style>
+        <p:txBody>
+          <a:bodyPr rtlCol="0" anchor="ctr"/>
+          <a:lstStyle/>
+          <a:p>
+            <a:pPr algn="ctr"/>
+            <a:endParaRPr lang="en-US"/>
+          </a:p>
+        </p:txBody>
+      </p:sp>
+      <p:sp>
+        <p:nvSpPr>
+          <p:cNvPr id="18" name="Rectangle 17">
+            <a:extLst>
+              <a:ext uri="{FF2B5EF4-FFF2-40B4-BE49-F238E27FC236}">
+                <a16:creationId xmlns:a16="http://schemas.microsoft.com/office/drawing/2014/main" id="{775C6438-B297-0524-DD0C-6DB9A0B279C5}"/>
+              </a:ext>
+              <a:ext uri="{C183D7F6-B498-43B3-948B-1728B52AA6E4}">
+                <adec:decorative xmlns:adec="http://schemas.microsoft.com/office/drawing/2017/decorative" val="1"/>
+              </a:ext>
+            </a:extLst>
+          </p:cNvPr>
+          <p:cNvSpPr>
+            <a:spLocks noGrp="1" noRot="1" noChangeAspect="1" noMove="1" noResize="1" noEditPoints="1" noAdjustHandles="1" noChangeArrowheads="1" noChangeShapeType="1" noTextEdit="1"/>
+          </p:cNvSpPr>
+          <p:nvPr>
+            <p:extLst>
+              <p:ext uri="{386F3935-93C4-4BCD-93E2-E3B085C9AB24}">
+                <p16:designElem xmlns:p16="http://schemas.microsoft.com/office/powerpoint/2015/main" val="1"/>
+              </p:ext>
+            </p:extLst>
+          </p:nvPr>
+        </p:nvSpPr>
+        <p:spPr>
+          <a:xfrm flipH="1">
+            <a:off x="1" y="0"/>
+            <a:ext cx="9143999" cy="2170031"/>
+          </a:xfrm>
+          <a:prstGeom prst="rect">
+            <a:avLst/>
+          </a:prstGeom>
+          <a:gradFill>
+            <a:gsLst>
+              <a:gs pos="0">
+                <a:srgbClr val="000000">
+                  <a:alpha val="96000"/>
+                </a:srgbClr>
+              </a:gs>
+              <a:gs pos="100000">
+                <a:schemeClr val="accent1">
+                  <a:lumMod val="75000"/>
+                </a:schemeClr>
+              </a:gs>
+            </a:gsLst>
+            <a:lin ang="19800000" scaled="0"/>
+          </a:gradFill>
+          <a:ln>
+            <a:noFill/>
+          </a:ln>
+        </p:spPr>
+        <p:style>
+          <a:lnRef idx="2">
+            <a:schemeClr val="accent1">
+              <a:shade val="50000"/>
+            </a:schemeClr>
+          </a:lnRef>
+          <a:fillRef idx="1">
+            <a:schemeClr val="accent1"/>
+          </a:fillRef>
+          <a:effectRef idx="0">
+            <a:schemeClr val="accent1"/>
+          </a:effectRef>
+          <a:fontRef idx="minor">
+            <a:schemeClr val="lt1"/>
+          </a:fontRef>
+        </p:style>
+        <p:txBody>
+          <a:bodyPr rtlCol="0" anchor="ctr"/>
+          <a:lstStyle/>
+          <a:p>
+            <a:pPr algn="ctr"/>
+            <a:endParaRPr lang="en-US"/>
+          </a:p>
+        </p:txBody>
+      </p:sp>
+      <p:sp>
+        <p:nvSpPr>
+          <p:cNvPr id="19" name="Rectangle 18">
+            <a:extLst>
+              <a:ext uri="{FF2B5EF4-FFF2-40B4-BE49-F238E27FC236}">
+                <a16:creationId xmlns:a16="http://schemas.microsoft.com/office/drawing/2014/main" id="{633ACCB2-7D1F-F074-0464-C44923317DB8}"/>
+              </a:ext>
+              <a:ext uri="{C183D7F6-B498-43B3-948B-1728B52AA6E4}">
+                <adec:decorative xmlns:adec="http://schemas.microsoft.com/office/drawing/2017/decorative" val="1"/>
+              </a:ext>
+            </a:extLst>
+          </p:cNvPr>
+          <p:cNvSpPr>
+            <a:spLocks noGrp="1" noRot="1" noChangeAspect="1" noMove="1" noResize="1" noEditPoints="1" noAdjustHandles="1" noChangeArrowheads="1" noChangeShapeType="1" noTextEdit="1"/>
+          </p:cNvSpPr>
+          <p:nvPr>
+            <p:extLst>
+              <p:ext uri="{386F3935-93C4-4BCD-93E2-E3B085C9AB24}">
+                <p16:designElem xmlns:p16="http://schemas.microsoft.com/office/powerpoint/2015/main" val="1"/>
+              </p:ext>
+            </p:extLst>
+          </p:nvPr>
+        </p:nvSpPr>
+        <p:spPr>
+          <a:xfrm flipH="1">
+            <a:off x="6062114" y="0"/>
+            <a:ext cx="3072908" cy="2170661"/>
+          </a:xfrm>
+          <a:prstGeom prst="rect">
+            <a:avLst/>
+          </a:prstGeom>
+          <a:gradFill>
+            <a:gsLst>
+              <a:gs pos="19000">
+                <a:schemeClr val="accent1">
+                  <a:lumMod val="50000"/>
+                  <a:alpha val="68000"/>
+                </a:schemeClr>
+              </a:gs>
+              <a:gs pos="100000">
+                <a:schemeClr val="accent1">
+                  <a:alpha val="48000"/>
+                </a:schemeClr>
+              </a:gs>
+            </a:gsLst>
+            <a:lin ang="19200000" scaled="0"/>
+          </a:gradFill>
+          <a:ln>
+            <a:noFill/>
+          </a:ln>
+        </p:spPr>
+        <p:style>
+          <a:lnRef idx="2">
+            <a:schemeClr val="accent1">
+              <a:shade val="50000"/>
+            </a:schemeClr>
+          </a:lnRef>
+          <a:fillRef idx="1">
+            <a:schemeClr val="accent1"/>
+          </a:fillRef>
+          <a:effectRef idx="0">
+            <a:schemeClr val="accent1"/>
+          </a:effectRef>
+          <a:fontRef idx="minor">
+            <a:schemeClr val="lt1"/>
+          </a:fontRef>
+        </p:style>
+        <p:txBody>
+          <a:bodyPr rtlCol="0" anchor="ctr"/>
+          <a:lstStyle/>
+          <a:p>
+            <a:pPr algn="ctr"/>
+            <a:endParaRPr lang="en-US"/>
+          </a:p>
+        </p:txBody>
+      </p:sp>
+      <p:sp>
+        <p:nvSpPr>
+          <p:cNvPr id="20" name="Rectangle 19">
+            <a:extLst>
+              <a:ext uri="{FF2B5EF4-FFF2-40B4-BE49-F238E27FC236}">
+                <a16:creationId xmlns:a16="http://schemas.microsoft.com/office/drawing/2014/main" id="{F3BB32E8-87F5-3F57-6FAD-6406D1A7CDEC}"/>
+              </a:ext>
+              <a:ext uri="{C183D7F6-B498-43B3-948B-1728B52AA6E4}">
+                <adec:decorative xmlns:adec="http://schemas.microsoft.com/office/drawing/2017/decorative" val="1"/>
+              </a:ext>
+            </a:extLst>
+          </p:cNvPr>
+          <p:cNvSpPr>
+            <a:spLocks noGrp="1" noRot="1" noChangeAspect="1" noMove="1" noResize="1" noEditPoints="1" noAdjustHandles="1" noChangeArrowheads="1" noChangeShapeType="1" noTextEdit="1"/>
+          </p:cNvSpPr>
+          <p:nvPr>
+            <p:extLst>
+              <p:ext uri="{386F3935-93C4-4BCD-93E2-E3B085C9AB24}">
+                <p16:designElem xmlns:p16="http://schemas.microsoft.com/office/powerpoint/2015/main" val="1"/>
+              </p:ext>
+            </p:extLst>
+          </p:nvPr>
+        </p:nvSpPr>
+        <p:spPr>
+          <a:xfrm rot="16200000" flipH="1">
+            <a:off x="3486646" y="-3486043"/>
+            <a:ext cx="2170709" cy="9144000"/>
+          </a:xfrm>
+          <a:prstGeom prst="rect">
+            <a:avLst/>
+          </a:prstGeom>
+          <a:gradFill>
+            <a:gsLst>
+              <a:gs pos="23000">
+                <a:schemeClr val="accent1">
+                  <a:lumMod val="75000"/>
+                  <a:alpha val="16000"/>
+                </a:schemeClr>
+              </a:gs>
+              <a:gs pos="99000">
+                <a:srgbClr val="000000">
+                  <a:alpha val="45000"/>
+                </a:srgbClr>
+              </a:gs>
+            </a:gsLst>
+            <a:lin ang="21000000" scaled="0"/>
+          </a:gradFill>
+          <a:ln>
+            <a:noFill/>
+          </a:ln>
+        </p:spPr>
+        <p:style>
+          <a:lnRef idx="2">
+            <a:schemeClr val="accent1">
+              <a:shade val="50000"/>
+            </a:schemeClr>
+          </a:lnRef>
+          <a:fillRef idx="1">
+            <a:schemeClr val="accent1"/>
+          </a:fillRef>
+          <a:effectRef idx="0">
+            <a:schemeClr val="accent1"/>
+          </a:effectRef>
+          <a:fontRef idx="minor">
+            <a:schemeClr val="lt1"/>
+          </a:fontRef>
+        </p:style>
+        <p:txBody>
+          <a:bodyPr rtlCol="0" anchor="ctr"/>
+          <a:lstStyle/>
+          <a:p>
+            <a:pPr algn="ctr"/>
+            <a:endParaRPr lang="en-US" dirty="0"/>
+          </a:p>
+        </p:txBody>
+      </p:sp>
+      <p:sp>
+        <p:nvSpPr>
           <p:cNvPr id="2" name="Title 1">
             <a:extLst>
               <a:ext uri="{FF2B5EF4-FFF2-40B4-BE49-F238E27FC236}">
-                <a16:creationId xmlns:a16="http://schemas.microsoft.com/office/drawing/2014/main" id="{547D70D1-F4D2-9AD1-CC0F-428D36303C97}"/>
+                <a16:creationId xmlns:a16="http://schemas.microsoft.com/office/drawing/2014/main" id="{241521D4-661C-A4BF-E263-F8F86B1091CD}"/>
               </a:ext>
             </a:extLst>
           </p:cNvPr>
@@ -17768,9 +15025,178 @@
         </p:nvSpPr>
         <p:spPr>
           <a:xfrm>
-            <a:off x="628650" y="184805"/>
-            <a:ext cx="7886700" cy="1505883"/>
+            <a:off x="1037673" y="348865"/>
+            <a:ext cx="7288583" cy="1576446"/>
           </a:xfrm>
+        </p:spPr>
+        <p:txBody>
+          <a:bodyPr anchor="ctr">
+            <a:normAutofit/>
+          </a:bodyPr>
+          <a:lstStyle/>
+          <a:p>
+            <a:r>
+              <a:rPr lang="en-US" sz="3500" dirty="0">
+                <a:solidFill>
+                  <a:srgbClr val="FFFFFF"/>
+                </a:solidFill>
+              </a:rPr>
+              <a:t>What is a Destructor?</a:t>
+            </a:r>
+          </a:p>
+        </p:txBody>
+      </p:sp>
+      <p:graphicFrame>
+        <p:nvGraphicFramePr>
+          <p:cNvPr id="21" name="Content Placeholder 2">
+            <a:extLst>
+              <a:ext uri="{FF2B5EF4-FFF2-40B4-BE49-F238E27FC236}">
+                <a16:creationId xmlns:a16="http://schemas.microsoft.com/office/drawing/2014/main" id="{BABBF2A5-041F-1D0B-AFAF-5EF96130E38C}"/>
+              </a:ext>
+            </a:extLst>
+          </p:cNvPr>
+          <p:cNvGraphicFramePr>
+            <a:graphicFrameLocks noGrp="1"/>
+          </p:cNvGraphicFramePr>
+          <p:nvPr>
+            <p:ph idx="1"/>
+            <p:extLst>
+              <p:ext uri="{D42A27DB-BD31-4B8C-83A1-F6EECF244321}">
+                <p14:modId xmlns:p14="http://schemas.microsoft.com/office/powerpoint/2010/main" val="3943113484"/>
+              </p:ext>
+            </p:extLst>
+          </p:nvPr>
+        </p:nvGraphicFramePr>
+        <p:xfrm>
+          <a:off x="483042" y="2615979"/>
+          <a:ext cx="8195871" cy="3689405"/>
+        </p:xfrm>
+        <a:graphic>
+          <a:graphicData uri="http://schemas.openxmlformats.org/drawingml/2006/diagram">
+            <dgm:relIds xmlns:dgm="http://schemas.openxmlformats.org/drawingml/2006/diagram" xmlns:r="http://schemas.openxmlformats.org/officeDocument/2006/relationships" r:dm="rId2" r:lo="rId3" r:qs="rId4" r:cs="rId5"/>
+          </a:graphicData>
+        </a:graphic>
+      </p:graphicFrame>
+    </p:spTree>
+    <p:extLst>
+      <p:ext uri="{BB962C8B-B14F-4D97-AF65-F5344CB8AC3E}">
+        <p14:creationId xmlns:p14="http://schemas.microsoft.com/office/powerpoint/2010/main" val="1714104550"/>
+      </p:ext>
+    </p:extLst>
+  </p:cSld>
+  <p:clrMapOvr>
+    <a:masterClrMapping/>
+  </p:clrMapOvr>
+</p:sld>
+</file>
+
+<file path=ppt/slides/slide6.xml><?xml version="1.0" encoding="utf-8"?>
+<p:sld xmlns:a="http://schemas.openxmlformats.org/drawingml/2006/main" xmlns:r="http://schemas.openxmlformats.org/officeDocument/2006/relationships" xmlns:p="http://schemas.openxmlformats.org/presentationml/2006/main">
+  <p:cSld>
+    <p:bg>
+      <p:bgPr>
+        <a:solidFill>
+          <a:schemeClr val="bg1"/>
+        </a:solidFill>
+        <a:effectLst/>
+      </p:bgPr>
+    </p:bg>
+    <p:spTree>
+      <p:nvGrpSpPr>
+        <p:cNvPr id="1" name=""/>
+        <p:cNvGrpSpPr/>
+        <p:nvPr/>
+      </p:nvGrpSpPr>
+      <p:grpSpPr>
+        <a:xfrm>
+          <a:off x="0" y="0"/>
+          <a:ext cx="0" cy="0"/>
+          <a:chOff x="0" y="0"/>
+          <a:chExt cx="0" cy="0"/>
+        </a:xfrm>
+      </p:grpSpPr>
+      <p:sp>
+        <p:nvSpPr>
+          <p:cNvPr id="10" name="Down Arrow 7">
+            <a:extLst>
+              <a:ext uri="{FF2B5EF4-FFF2-40B4-BE49-F238E27FC236}">
+                <a16:creationId xmlns:a16="http://schemas.microsoft.com/office/drawing/2014/main" id="{D4771268-CB57-404A-9271-370EB28F6090}"/>
+              </a:ext>
+              <a:ext uri="{C183D7F6-B498-43B3-948B-1728B52AA6E4}">
+                <adec:decorative xmlns:adec="http://schemas.microsoft.com/office/drawing/2017/decorative" val="1"/>
+              </a:ext>
+            </a:extLst>
+          </p:cNvPr>
+          <p:cNvSpPr>
+            <a:spLocks noGrp="1" noRot="1" noChangeAspect="1" noMove="1" noResize="1" noEditPoints="1" noAdjustHandles="1" noChangeArrowheads="1" noChangeShapeType="1" noTextEdit="1"/>
+          </p:cNvSpPr>
+          <p:nvPr>
+            <p:extLst>
+              <p:ext uri="{386F3935-93C4-4BCD-93E2-E3B085C9AB24}">
+                <p16:designElem xmlns:p16="http://schemas.microsoft.com/office/powerpoint/2015/main" val="1"/>
+              </p:ext>
+            </p:extLst>
+          </p:nvPr>
+        </p:nvSpPr>
+        <p:spPr>
+          <a:xfrm rot="16200000">
+            <a:off x="183356" y="1928731"/>
+            <a:ext cx="3333749" cy="2624327"/>
+          </a:xfrm>
+          <a:prstGeom prst="downArrow">
+            <a:avLst>
+              <a:gd name="adj1" fmla="val 100000"/>
+              <a:gd name="adj2" fmla="val 15788"/>
+            </a:avLst>
+          </a:prstGeom>
+          <a:solidFill>
+            <a:srgbClr val="404040"/>
+          </a:solidFill>
+          <a:ln w="53975">
+            <a:noFill/>
+          </a:ln>
+        </p:spPr>
+        <p:style>
+          <a:lnRef idx="2">
+            <a:schemeClr val="accent1">
+              <a:shade val="50000"/>
+            </a:schemeClr>
+          </a:lnRef>
+          <a:fillRef idx="1">
+            <a:schemeClr val="accent1"/>
+          </a:fillRef>
+          <a:effectRef idx="0">
+            <a:schemeClr val="accent1"/>
+          </a:effectRef>
+          <a:fontRef idx="minor">
+            <a:schemeClr val="lt1"/>
+          </a:fontRef>
+        </p:style>
+        <p:txBody>
+          <a:bodyPr rtlCol="0" anchor="ctr"/>
+          <a:lstStyle/>
+          <a:p>
+            <a:pPr algn="ctr"/>
+            <a:endParaRPr lang="en-US"/>
+          </a:p>
+        </p:txBody>
+      </p:sp>
+      <p:sp>
+        <p:nvSpPr>
+          <p:cNvPr id="2" name="Title 1"/>
+          <p:cNvSpPr>
+            <a:spLocks noGrp="1"/>
+          </p:cNvSpPr>
+          <p:nvPr>
+            <p:ph type="title"/>
+          </p:nvPr>
+        </p:nvSpPr>
+        <p:spPr>
+          <a:xfrm>
+            <a:off x="771525" y="1967266"/>
+            <a:ext cx="1971675" cy="2547257"/>
+          </a:xfrm>
+          <a:noFill/>
         </p:spPr>
         <p:txBody>
           <a:bodyPr vert="horz" lIns="91440" tIns="45720" rIns="91440" bIns="45720" rtlCol="0" anchor="ctr">
@@ -17778,31 +15204,31 @@
           </a:bodyPr>
           <a:lstStyle/>
           <a:p>
-            <a:pPr algn="l" defTabSz="914400">
+            <a:pPr defTabSz="914400">
               <a:lnSpc>
                 <a:spcPct val="90000"/>
               </a:lnSpc>
             </a:pPr>
             <a:r>
-              <a:rPr lang="en-US" sz="4500" kern="1200">
+              <a:rPr lang="en-US" sz="3100" kern="1200">
                 <a:solidFill>
-                  <a:schemeClr val="tx1"/>
+                  <a:srgbClr val="FFFFFF"/>
                 </a:solidFill>
                 <a:latin typeface="+mj-lt"/>
                 <a:ea typeface="+mj-ea"/>
                 <a:cs typeface="+mj-cs"/>
               </a:rPr>
-              <a:t>Method Overloading in PHP</a:t>
+              <a:t>Example – Destructor in PHP</a:t>
             </a:r>
           </a:p>
         </p:txBody>
       </p:sp>
       <p:pic>
         <p:nvPicPr>
-          <p:cNvPr id="4" name="Picture 3">
+          <p:cNvPr id="5" name="Picture 4">
             <a:extLst>
               <a:ext uri="{FF2B5EF4-FFF2-40B4-BE49-F238E27FC236}">
-                <a16:creationId xmlns:a16="http://schemas.microsoft.com/office/drawing/2014/main" id="{1C33E97A-D732-7F7B-3F55-62D4F3472503}"/>
+                <a16:creationId xmlns:a16="http://schemas.microsoft.com/office/drawing/2014/main" id="{FD2AFFE2-6261-BBE0-C59B-FE0B74067B10}"/>
               </a:ext>
             </a:extLst>
           </p:cNvPr>
@@ -17812,15 +15238,15 @@
           <p:nvPr/>
         </p:nvPicPr>
         <p:blipFill>
-          <a:blip r:embed="rId3"/>
+          <a:blip r:embed="rId2"/>
           <a:stretch>
             <a:fillRect/>
           </a:stretch>
         </p:blipFill>
         <p:spPr>
           <a:xfrm>
-            <a:off x="628650" y="2188175"/>
-            <a:ext cx="7884410" cy="3764805"/>
+            <a:off x="3582987" y="1001758"/>
+            <a:ext cx="5085525" cy="4852154"/>
           </a:xfrm>
           <a:prstGeom prst="rect">
             <a:avLst/>
@@ -17828,11 +15254,6 @@
         </p:spPr>
       </p:pic>
     </p:spTree>
-    <p:extLst>
-      <p:ext uri="{BB962C8B-B14F-4D97-AF65-F5344CB8AC3E}">
-        <p14:creationId xmlns:p14="http://schemas.microsoft.com/office/powerpoint/2010/main" val="3439289118"/>
-      </p:ext>
-    </p:extLst>
   </p:cSld>
   <p:clrMapOvr>
     <a:masterClrMapping/>
@@ -17840,7 +15261,7 @@
 </p:sld>
 </file>
 
-<file path=ppt/slides/slide12.xml><?xml version="1.0" encoding="utf-8"?>
+<file path=ppt/slides/slide7.xml><?xml version="1.0" encoding="utf-8"?>
 <p:sld xmlns:a="http://schemas.openxmlformats.org/drawingml/2006/main" xmlns:r="http://schemas.openxmlformats.org/officeDocument/2006/relationships" xmlns:p="http://schemas.openxmlformats.org/presentationml/2006/main">
   <p:cSld>
     <p:bg>
@@ -18344,22 +15765,6 @@
             </a:pPr>
             <a:endParaRPr lang="en-US" sz="2100" dirty="0"/>
           </a:p>
-          <a:p>
-            <a:pPr indent="-228600" defTabSz="914400">
-              <a:lnSpc>
-                <a:spcPct val="90000"/>
-              </a:lnSpc>
-              <a:spcAft>
-                <a:spcPts val="600"/>
-              </a:spcAft>
-              <a:buFont typeface="Arial" panose="020B0604020202020204" pitchFamily="34" charset="0"/>
-              <a:buChar char="•"/>
-            </a:pPr>
-            <a:r>
-              <a:rPr lang="en-US" sz="2100" dirty="0"/>
-              <a:t>Method overloading in PHP is simulated using __call() to handle method calls with different numbers of arguments.</a:t>
-            </a:r>
-          </a:p>
         </p:txBody>
       </p:sp>
       <p:cxnSp>
@@ -18427,7 +15832,7 @@
 </p:sld>
 </file>
 
-<file path=ppt/slides/slide13.xml><?xml version="1.0" encoding="utf-8"?>
+<file path=ppt/slides/slide8.xml><?xml version="1.0" encoding="utf-8"?>
 <p:sld xmlns:a="http://schemas.openxmlformats.org/drawingml/2006/main" xmlns:r="http://schemas.openxmlformats.org/officeDocument/2006/relationships" xmlns:p="http://schemas.openxmlformats.org/presentationml/2006/main">
   <p:cSld>
     <p:bg>
@@ -18724,2419 +16129,6 @@
         </p:txBody>
       </p:sp>
     </p:spTree>
-  </p:cSld>
-  <p:clrMapOvr>
-    <a:masterClrMapping/>
-  </p:clrMapOvr>
-</p:sld>
-</file>
-
-<file path=ppt/slides/slide2.xml><?xml version="1.0" encoding="utf-8"?>
-<p:sld xmlns:a="http://schemas.openxmlformats.org/drawingml/2006/main" xmlns:r="http://schemas.openxmlformats.org/officeDocument/2006/relationships" xmlns:p="http://schemas.openxmlformats.org/presentationml/2006/main">
-  <p:cSld>
-    <p:bg>
-      <p:bgPr>
-        <a:solidFill>
-          <a:schemeClr val="bg1"/>
-        </a:solidFill>
-        <a:effectLst/>
-      </p:bgPr>
-    </p:bg>
-    <p:spTree>
-      <p:nvGrpSpPr>
-        <p:cNvPr id="1" name=""/>
-        <p:cNvGrpSpPr/>
-        <p:nvPr/>
-      </p:nvGrpSpPr>
-      <p:grpSpPr>
-        <a:xfrm>
-          <a:off x="0" y="0"/>
-          <a:ext cx="0" cy="0"/>
-          <a:chOff x="0" y="0"/>
-          <a:chExt cx="0" cy="0"/>
-        </a:xfrm>
-      </p:grpSpPr>
-      <p:sp useBgFill="1">
-        <p:nvSpPr>
-          <p:cNvPr id="9" name="Rectangle 8">
-            <a:extLst>
-              <a:ext uri="{FF2B5EF4-FFF2-40B4-BE49-F238E27FC236}">
-                <a16:creationId xmlns:a16="http://schemas.microsoft.com/office/drawing/2014/main" id="{BACC6370-2D7E-4714-9D71-7542949D7D5D}"/>
-              </a:ext>
-              <a:ext uri="{C183D7F6-B498-43B3-948B-1728B52AA6E4}">
-                <adec:decorative xmlns:adec="http://schemas.microsoft.com/office/drawing/2017/decorative" val="1"/>
-              </a:ext>
-            </a:extLst>
-          </p:cNvPr>
-          <p:cNvSpPr>
-            <a:spLocks noGrp="1" noRot="1" noChangeAspect="1" noMove="1" noResize="1" noEditPoints="1" noAdjustHandles="1" noChangeArrowheads="1" noChangeShapeType="1" noTextEdit="1"/>
-          </p:cNvSpPr>
-          <p:nvPr>
-            <p:extLst>
-              <p:ext uri="{386F3935-93C4-4BCD-93E2-E3B085C9AB24}">
-                <p16:designElem xmlns:p16="http://schemas.microsoft.com/office/powerpoint/2015/main" val="1"/>
-              </p:ext>
-            </p:extLst>
-          </p:nvPr>
-        </p:nvSpPr>
-        <p:spPr>
-          <a:xfrm>
-            <a:off x="0" y="0"/>
-            <a:ext cx="9144000" cy="6858000"/>
-          </a:xfrm>
-          <a:prstGeom prst="rect">
-            <a:avLst/>
-          </a:prstGeom>
-          <a:ln w="12700" cap="flat" cmpd="sng" algn="ctr">
-            <a:noFill/>
-            <a:prstDash val="solid"/>
-            <a:miter lim="800000"/>
-          </a:ln>
-          <a:effectLst/>
-          <a:extLst>
-            <a:ext uri="{91240B29-F687-4F45-9708-019B960494DF}">
-              <a14:hiddenLine xmlns:a14="http://schemas.microsoft.com/office/drawing/2010/main" w="12700" cap="flat" cmpd="sng" algn="ctr">
-                <a:solidFill>
-                  <a:schemeClr val="accent1">
-                    <a:shade val="50000"/>
-                  </a:schemeClr>
-                </a:solidFill>
-                <a:prstDash val="solid"/>
-                <a:miter lim="800000"/>
-              </a14:hiddenLine>
-            </a:ext>
-          </a:extLst>
-        </p:spPr>
-        <p:style>
-          <a:lnRef idx="2">
-            <a:schemeClr val="accent1">
-              <a:shade val="50000"/>
-            </a:schemeClr>
-          </a:lnRef>
-          <a:fillRef idx="1">
-            <a:schemeClr val="accent1"/>
-          </a:fillRef>
-          <a:effectRef idx="0">
-            <a:schemeClr val="accent1"/>
-          </a:effectRef>
-          <a:fontRef idx="minor">
-            <a:schemeClr val="lt1"/>
-          </a:fontRef>
-        </p:style>
-        <p:txBody>
-          <a:bodyPr rtlCol="0" anchor="ctr"/>
-          <a:lstStyle/>
-          <a:p>
-            <a:pPr algn="ctr"/>
-            <a:endParaRPr lang="en-US"/>
-          </a:p>
-        </p:txBody>
-      </p:sp>
-      <p:sp>
-        <p:nvSpPr>
-          <p:cNvPr id="11" name="Rectangle 10">
-            <a:extLst>
-              <a:ext uri="{FF2B5EF4-FFF2-40B4-BE49-F238E27FC236}">
-                <a16:creationId xmlns:a16="http://schemas.microsoft.com/office/drawing/2014/main" id="{F68B3F68-107C-434F-AA38-110D5EA91B85}"/>
-              </a:ext>
-              <a:ext uri="{C183D7F6-B498-43B3-948B-1728B52AA6E4}">
-                <adec:decorative xmlns:adec="http://schemas.microsoft.com/office/drawing/2017/decorative" val="1"/>
-              </a:ext>
-            </a:extLst>
-          </p:cNvPr>
-          <p:cNvSpPr>
-            <a:spLocks noGrp="1" noRot="1" noChangeAspect="1" noMove="1" noResize="1" noEditPoints="1" noAdjustHandles="1" noChangeArrowheads="1" noChangeShapeType="1" noTextEdit="1"/>
-          </p:cNvSpPr>
-          <p:nvPr>
-            <p:extLst>
-              <p:ext uri="{386F3935-93C4-4BCD-93E2-E3B085C9AB24}">
-                <p16:designElem xmlns:p16="http://schemas.microsoft.com/office/powerpoint/2015/main" val="1"/>
-              </p:ext>
-            </p:extLst>
-          </p:nvPr>
-        </p:nvSpPr>
-        <p:spPr>
-          <a:xfrm flipH="1">
-            <a:off x="1" y="0"/>
-            <a:ext cx="9143999" cy="1575955"/>
-          </a:xfrm>
-          <a:prstGeom prst="rect">
-            <a:avLst/>
-          </a:prstGeom>
-          <a:gradFill>
-            <a:gsLst>
-              <a:gs pos="0">
-                <a:srgbClr val="000000">
-                  <a:alpha val="96000"/>
-                </a:srgbClr>
-              </a:gs>
-              <a:gs pos="100000">
-                <a:schemeClr val="accent1">
-                  <a:lumMod val="75000"/>
-                </a:schemeClr>
-              </a:gs>
-            </a:gsLst>
-            <a:lin ang="8400000" scaled="0"/>
-          </a:gradFill>
-          <a:ln>
-            <a:noFill/>
-          </a:ln>
-        </p:spPr>
-        <p:style>
-          <a:lnRef idx="2">
-            <a:schemeClr val="accent1">
-              <a:shade val="50000"/>
-            </a:schemeClr>
-          </a:lnRef>
-          <a:fillRef idx="1">
-            <a:schemeClr val="accent1"/>
-          </a:fillRef>
-          <a:effectRef idx="0">
-            <a:schemeClr val="accent1"/>
-          </a:effectRef>
-          <a:fontRef idx="minor">
-            <a:schemeClr val="lt1"/>
-          </a:fontRef>
-        </p:style>
-        <p:txBody>
-          <a:bodyPr rtlCol="0" anchor="ctr"/>
-          <a:lstStyle/>
-          <a:p>
-            <a:pPr algn="ctr"/>
-            <a:endParaRPr lang="en-US"/>
-          </a:p>
-        </p:txBody>
-      </p:sp>
-      <p:sp>
-        <p:nvSpPr>
-          <p:cNvPr id="13" name="Rectangle 12">
-            <a:extLst>
-              <a:ext uri="{FF2B5EF4-FFF2-40B4-BE49-F238E27FC236}">
-                <a16:creationId xmlns:a16="http://schemas.microsoft.com/office/drawing/2014/main" id="{AAD0DBB9-1A4B-4391-81D4-CB19F9AB918A}"/>
-              </a:ext>
-              <a:ext uri="{C183D7F6-B498-43B3-948B-1728B52AA6E4}">
-                <adec:decorative xmlns:adec="http://schemas.microsoft.com/office/drawing/2017/decorative" val="1"/>
-              </a:ext>
-            </a:extLst>
-          </p:cNvPr>
-          <p:cNvSpPr>
-            <a:spLocks noGrp="1" noRot="1" noChangeAspect="1" noMove="1" noResize="1" noEditPoints="1" noAdjustHandles="1" noChangeArrowheads="1" noChangeShapeType="1" noTextEdit="1"/>
-          </p:cNvSpPr>
-          <p:nvPr>
-            <p:extLst>
-              <p:ext uri="{386F3935-93C4-4BCD-93E2-E3B085C9AB24}">
-                <p16:designElem xmlns:p16="http://schemas.microsoft.com/office/powerpoint/2015/main" val="1"/>
-              </p:ext>
-            </p:extLst>
-          </p:nvPr>
-        </p:nvSpPr>
-        <p:spPr>
-          <a:xfrm rot="10800000" flipH="1">
-            <a:off x="6096642" y="0"/>
-            <a:ext cx="3047358" cy="1576412"/>
-          </a:xfrm>
-          <a:prstGeom prst="rect">
-            <a:avLst/>
-          </a:prstGeom>
-          <a:gradFill>
-            <a:gsLst>
-              <a:gs pos="19000">
-                <a:schemeClr val="accent1">
-                  <a:lumMod val="50000"/>
-                  <a:alpha val="68000"/>
-                </a:schemeClr>
-              </a:gs>
-              <a:gs pos="100000">
-                <a:schemeClr val="accent1">
-                  <a:alpha val="79000"/>
-                </a:schemeClr>
-              </a:gs>
-            </a:gsLst>
-            <a:lin ang="19200000" scaled="0"/>
-          </a:gradFill>
-          <a:ln>
-            <a:noFill/>
-          </a:ln>
-        </p:spPr>
-        <p:style>
-          <a:lnRef idx="2">
-            <a:schemeClr val="accent1">
-              <a:shade val="50000"/>
-            </a:schemeClr>
-          </a:lnRef>
-          <a:fillRef idx="1">
-            <a:schemeClr val="accent1"/>
-          </a:fillRef>
-          <a:effectRef idx="0">
-            <a:schemeClr val="accent1"/>
-          </a:effectRef>
-          <a:fontRef idx="minor">
-            <a:schemeClr val="lt1"/>
-          </a:fontRef>
-        </p:style>
-        <p:txBody>
-          <a:bodyPr rtlCol="0" anchor="ctr"/>
-          <a:lstStyle/>
-          <a:p>
-            <a:pPr algn="ctr"/>
-            <a:endParaRPr lang="en-US"/>
-          </a:p>
-        </p:txBody>
-      </p:sp>
-      <p:sp>
-        <p:nvSpPr>
-          <p:cNvPr id="15" name="Rectangle 14">
-            <a:extLst>
-              <a:ext uri="{FF2B5EF4-FFF2-40B4-BE49-F238E27FC236}">
-                <a16:creationId xmlns:a16="http://schemas.microsoft.com/office/drawing/2014/main" id="{063BBA22-50EA-4C4D-BE05-F1CE4E63AA56}"/>
-              </a:ext>
-              <a:ext uri="{C183D7F6-B498-43B3-948B-1728B52AA6E4}">
-                <adec:decorative xmlns:adec="http://schemas.microsoft.com/office/drawing/2017/decorative" val="1"/>
-              </a:ext>
-            </a:extLst>
-          </p:cNvPr>
-          <p:cNvSpPr>
-            <a:spLocks noGrp="1" noRot="1" noChangeAspect="1" noMove="1" noResize="1" noEditPoints="1" noAdjustHandles="1" noChangeArrowheads="1" noChangeShapeType="1" noTextEdit="1"/>
-          </p:cNvSpPr>
-          <p:nvPr>
-            <p:extLst>
-              <p:ext uri="{386F3935-93C4-4BCD-93E2-E3B085C9AB24}">
-                <p16:designElem xmlns:p16="http://schemas.microsoft.com/office/powerpoint/2015/main" val="1"/>
-              </p:ext>
-            </p:extLst>
-          </p:nvPr>
-        </p:nvSpPr>
-        <p:spPr>
-          <a:xfrm rot="5400000">
-            <a:off x="3783777" y="-3783778"/>
-            <a:ext cx="1576446" cy="9144002"/>
-          </a:xfrm>
-          <a:prstGeom prst="rect">
-            <a:avLst/>
-          </a:prstGeom>
-          <a:gradFill>
-            <a:gsLst>
-              <a:gs pos="23000">
-                <a:schemeClr val="accent1">
-                  <a:alpha val="0"/>
-                </a:schemeClr>
-              </a:gs>
-              <a:gs pos="99000">
-                <a:srgbClr val="000000">
-                  <a:alpha val="74000"/>
-                </a:srgbClr>
-              </a:gs>
-            </a:gsLst>
-            <a:lin ang="20400000" scaled="0"/>
-          </a:gradFill>
-          <a:ln>
-            <a:noFill/>
-          </a:ln>
-        </p:spPr>
-        <p:style>
-          <a:lnRef idx="2">
-            <a:schemeClr val="accent1">
-              <a:shade val="50000"/>
-            </a:schemeClr>
-          </a:lnRef>
-          <a:fillRef idx="1">
-            <a:schemeClr val="accent1"/>
-          </a:fillRef>
-          <a:effectRef idx="0">
-            <a:schemeClr val="accent1"/>
-          </a:effectRef>
-          <a:fontRef idx="minor">
-            <a:schemeClr val="lt1"/>
-          </a:fontRef>
-        </p:style>
-        <p:txBody>
-          <a:bodyPr rtlCol="0" anchor="ctr"/>
-          <a:lstStyle/>
-          <a:p>
-            <a:pPr algn="ctr"/>
-            <a:endParaRPr lang="en-US" dirty="0"/>
-          </a:p>
-        </p:txBody>
-      </p:sp>
-      <p:sp>
-        <p:nvSpPr>
-          <p:cNvPr id="2" name="Title 1"/>
-          <p:cNvSpPr>
-            <a:spLocks noGrp="1"/>
-          </p:cNvSpPr>
-          <p:nvPr>
-            <p:ph type="title"/>
-          </p:nvPr>
-        </p:nvSpPr>
-        <p:spPr>
-          <a:xfrm>
-            <a:off x="1028697" y="348865"/>
-            <a:ext cx="7533018" cy="877729"/>
-          </a:xfrm>
-        </p:spPr>
-        <p:txBody>
-          <a:bodyPr anchor="ctr">
-            <a:normAutofit/>
-          </a:bodyPr>
-          <a:lstStyle/>
-          <a:p>
-            <a:r>
-              <a:rPr lang="en-US" sz="3500">
-                <a:solidFill>
-                  <a:srgbClr val="FFFFFF"/>
-                </a:solidFill>
-              </a:rPr>
-              <a:t>Learning Objectives</a:t>
-            </a:r>
-          </a:p>
-        </p:txBody>
-      </p:sp>
-      <p:graphicFrame>
-        <p:nvGraphicFramePr>
-          <p:cNvPr id="5" name="Content Placeholder 2">
-            <a:extLst>
-              <a:ext uri="{FF2B5EF4-FFF2-40B4-BE49-F238E27FC236}">
-                <a16:creationId xmlns:a16="http://schemas.microsoft.com/office/drawing/2014/main" id="{AFC11FF0-282D-0E40-3DC6-BA66DB45F57D}"/>
-              </a:ext>
-            </a:extLst>
-          </p:cNvPr>
-          <p:cNvGraphicFramePr>
-            <a:graphicFrameLocks noGrp="1"/>
-          </p:cNvGraphicFramePr>
-          <p:nvPr>
-            <p:ph idx="1"/>
-            <p:extLst>
-              <p:ext uri="{D42A27DB-BD31-4B8C-83A1-F6EECF244321}">
-                <p14:modId xmlns:p14="http://schemas.microsoft.com/office/powerpoint/2010/main" val="3638801212"/>
-              </p:ext>
-            </p:extLst>
-          </p:nvPr>
-        </p:nvGraphicFramePr>
-        <p:xfrm>
-          <a:off x="483042" y="2112579"/>
-          <a:ext cx="8195871" cy="4192805"/>
-        </p:xfrm>
-        <a:graphic>
-          <a:graphicData uri="http://schemas.openxmlformats.org/drawingml/2006/diagram">
-            <dgm:relIds xmlns:dgm="http://schemas.openxmlformats.org/drawingml/2006/diagram" xmlns:r="http://schemas.openxmlformats.org/officeDocument/2006/relationships" r:dm="rId2" r:lo="rId3" r:qs="rId4" r:cs="rId5"/>
-          </a:graphicData>
-        </a:graphic>
-      </p:graphicFrame>
-    </p:spTree>
-  </p:cSld>
-  <p:clrMapOvr>
-    <a:masterClrMapping/>
-  </p:clrMapOvr>
-</p:sld>
-</file>
-
-<file path=ppt/slides/slide3.xml><?xml version="1.0" encoding="utf-8"?>
-<p:sld xmlns:a="http://schemas.openxmlformats.org/drawingml/2006/main" xmlns:r="http://schemas.openxmlformats.org/officeDocument/2006/relationships" xmlns:p="http://schemas.openxmlformats.org/presentationml/2006/main">
-  <p:cSld>
-    <p:bg>
-      <p:bgPr>
-        <a:solidFill>
-          <a:schemeClr val="bg1"/>
-        </a:solidFill>
-        <a:effectLst/>
-      </p:bgPr>
-    </p:bg>
-    <p:spTree>
-      <p:nvGrpSpPr>
-        <p:cNvPr id="1" name=""/>
-        <p:cNvGrpSpPr/>
-        <p:nvPr/>
-      </p:nvGrpSpPr>
-      <p:grpSpPr>
-        <a:xfrm>
-          <a:off x="0" y="0"/>
-          <a:ext cx="0" cy="0"/>
-          <a:chOff x="0" y="0"/>
-          <a:chExt cx="0" cy="0"/>
-        </a:xfrm>
-      </p:grpSpPr>
-      <p:sp useBgFill="1">
-        <p:nvSpPr>
-          <p:cNvPr id="17" name="Rectangle 16">
-            <a:extLst>
-              <a:ext uri="{FF2B5EF4-FFF2-40B4-BE49-F238E27FC236}">
-                <a16:creationId xmlns:a16="http://schemas.microsoft.com/office/drawing/2014/main" id="{BACC6370-2D7E-4714-9D71-7542949D7D5D}"/>
-              </a:ext>
-              <a:ext uri="{C183D7F6-B498-43B3-948B-1728B52AA6E4}">
-                <adec:decorative xmlns:adec="http://schemas.microsoft.com/office/drawing/2017/decorative" val="1"/>
-              </a:ext>
-            </a:extLst>
-          </p:cNvPr>
-          <p:cNvSpPr>
-            <a:spLocks noGrp="1" noRot="1" noChangeAspect="1" noMove="1" noResize="1" noEditPoints="1" noAdjustHandles="1" noChangeArrowheads="1" noChangeShapeType="1" noTextEdit="1"/>
-          </p:cNvSpPr>
-          <p:nvPr>
-            <p:extLst>
-              <p:ext uri="{386F3935-93C4-4BCD-93E2-E3B085C9AB24}">
-                <p16:designElem xmlns:p16="http://schemas.microsoft.com/office/powerpoint/2015/main" val="1"/>
-              </p:ext>
-            </p:extLst>
-          </p:nvPr>
-        </p:nvSpPr>
-        <p:spPr>
-          <a:xfrm>
-            <a:off x="0" y="0"/>
-            <a:ext cx="9144000" cy="6858000"/>
-          </a:xfrm>
-          <a:prstGeom prst="rect">
-            <a:avLst/>
-          </a:prstGeom>
-          <a:ln w="12700" cap="flat" cmpd="sng" algn="ctr">
-            <a:noFill/>
-            <a:prstDash val="solid"/>
-            <a:miter lim="800000"/>
-          </a:ln>
-          <a:effectLst/>
-          <a:extLst>
-            <a:ext uri="{91240B29-F687-4F45-9708-019B960494DF}">
-              <a14:hiddenLine xmlns:a14="http://schemas.microsoft.com/office/drawing/2010/main" w="12700" cap="flat" cmpd="sng" algn="ctr">
-                <a:solidFill>
-                  <a:schemeClr val="accent1">
-                    <a:shade val="50000"/>
-                  </a:schemeClr>
-                </a:solidFill>
-                <a:prstDash val="solid"/>
-                <a:miter lim="800000"/>
-              </a14:hiddenLine>
-            </a:ext>
-          </a:extLst>
-        </p:spPr>
-        <p:style>
-          <a:lnRef idx="2">
-            <a:schemeClr val="accent1">
-              <a:shade val="50000"/>
-            </a:schemeClr>
-          </a:lnRef>
-          <a:fillRef idx="1">
-            <a:schemeClr val="accent1"/>
-          </a:fillRef>
-          <a:effectRef idx="0">
-            <a:schemeClr val="accent1"/>
-          </a:effectRef>
-          <a:fontRef idx="minor">
-            <a:schemeClr val="lt1"/>
-          </a:fontRef>
-        </p:style>
-        <p:txBody>
-          <a:bodyPr rtlCol="0" anchor="ctr"/>
-          <a:lstStyle/>
-          <a:p>
-            <a:pPr algn="ctr"/>
-            <a:endParaRPr lang="en-US"/>
-          </a:p>
-        </p:txBody>
-      </p:sp>
-      <p:sp>
-        <p:nvSpPr>
-          <p:cNvPr id="18" name="Rectangle 17">
-            <a:extLst>
-              <a:ext uri="{FF2B5EF4-FFF2-40B4-BE49-F238E27FC236}">
-                <a16:creationId xmlns:a16="http://schemas.microsoft.com/office/drawing/2014/main" id="{F68B3F68-107C-434F-AA38-110D5EA91B85}"/>
-              </a:ext>
-              <a:ext uri="{C183D7F6-B498-43B3-948B-1728B52AA6E4}">
-                <adec:decorative xmlns:adec="http://schemas.microsoft.com/office/drawing/2017/decorative" val="1"/>
-              </a:ext>
-            </a:extLst>
-          </p:cNvPr>
-          <p:cNvSpPr>
-            <a:spLocks noGrp="1" noRot="1" noChangeAspect="1" noMove="1" noResize="1" noEditPoints="1" noAdjustHandles="1" noChangeArrowheads="1" noChangeShapeType="1" noTextEdit="1"/>
-          </p:cNvSpPr>
-          <p:nvPr>
-            <p:extLst>
-              <p:ext uri="{386F3935-93C4-4BCD-93E2-E3B085C9AB24}">
-                <p16:designElem xmlns:p16="http://schemas.microsoft.com/office/powerpoint/2015/main" val="1"/>
-              </p:ext>
-            </p:extLst>
-          </p:nvPr>
-        </p:nvSpPr>
-        <p:spPr>
-          <a:xfrm flipH="1">
-            <a:off x="1" y="0"/>
-            <a:ext cx="9143999" cy="2170031"/>
-          </a:xfrm>
-          <a:prstGeom prst="rect">
-            <a:avLst/>
-          </a:prstGeom>
-          <a:gradFill>
-            <a:gsLst>
-              <a:gs pos="0">
-                <a:srgbClr val="000000">
-                  <a:alpha val="96000"/>
-                </a:srgbClr>
-              </a:gs>
-              <a:gs pos="100000">
-                <a:schemeClr val="accent1">
-                  <a:lumMod val="75000"/>
-                </a:schemeClr>
-              </a:gs>
-            </a:gsLst>
-            <a:lin ang="19800000" scaled="0"/>
-          </a:gradFill>
-          <a:ln>
-            <a:noFill/>
-          </a:ln>
-        </p:spPr>
-        <p:style>
-          <a:lnRef idx="2">
-            <a:schemeClr val="accent1">
-              <a:shade val="50000"/>
-            </a:schemeClr>
-          </a:lnRef>
-          <a:fillRef idx="1">
-            <a:schemeClr val="accent1"/>
-          </a:fillRef>
-          <a:effectRef idx="0">
-            <a:schemeClr val="accent1"/>
-          </a:effectRef>
-          <a:fontRef idx="minor">
-            <a:schemeClr val="lt1"/>
-          </a:fontRef>
-        </p:style>
-        <p:txBody>
-          <a:bodyPr rtlCol="0" anchor="ctr"/>
-          <a:lstStyle/>
-          <a:p>
-            <a:pPr algn="ctr"/>
-            <a:endParaRPr lang="en-US"/>
-          </a:p>
-        </p:txBody>
-      </p:sp>
-      <p:sp>
-        <p:nvSpPr>
-          <p:cNvPr id="19" name="Rectangle 18">
-            <a:extLst>
-              <a:ext uri="{FF2B5EF4-FFF2-40B4-BE49-F238E27FC236}">
-                <a16:creationId xmlns:a16="http://schemas.microsoft.com/office/drawing/2014/main" id="{AAD0DBB9-1A4B-4391-81D4-CB19F9AB918A}"/>
-              </a:ext>
-              <a:ext uri="{C183D7F6-B498-43B3-948B-1728B52AA6E4}">
-                <adec:decorative xmlns:adec="http://schemas.microsoft.com/office/drawing/2017/decorative" val="1"/>
-              </a:ext>
-            </a:extLst>
-          </p:cNvPr>
-          <p:cNvSpPr>
-            <a:spLocks noGrp="1" noRot="1" noChangeAspect="1" noMove="1" noResize="1" noEditPoints="1" noAdjustHandles="1" noChangeArrowheads="1" noChangeShapeType="1" noTextEdit="1"/>
-          </p:cNvSpPr>
-          <p:nvPr>
-            <p:extLst>
-              <p:ext uri="{386F3935-93C4-4BCD-93E2-E3B085C9AB24}">
-                <p16:designElem xmlns:p16="http://schemas.microsoft.com/office/powerpoint/2015/main" val="1"/>
-              </p:ext>
-            </p:extLst>
-          </p:nvPr>
-        </p:nvSpPr>
-        <p:spPr>
-          <a:xfrm flipH="1">
-            <a:off x="6062114" y="0"/>
-            <a:ext cx="3072908" cy="2170661"/>
-          </a:xfrm>
-          <a:prstGeom prst="rect">
-            <a:avLst/>
-          </a:prstGeom>
-          <a:gradFill>
-            <a:gsLst>
-              <a:gs pos="19000">
-                <a:schemeClr val="accent1">
-                  <a:lumMod val="50000"/>
-                  <a:alpha val="68000"/>
-                </a:schemeClr>
-              </a:gs>
-              <a:gs pos="100000">
-                <a:schemeClr val="accent1">
-                  <a:alpha val="48000"/>
-                </a:schemeClr>
-              </a:gs>
-            </a:gsLst>
-            <a:lin ang="19200000" scaled="0"/>
-          </a:gradFill>
-          <a:ln>
-            <a:noFill/>
-          </a:ln>
-        </p:spPr>
-        <p:style>
-          <a:lnRef idx="2">
-            <a:schemeClr val="accent1">
-              <a:shade val="50000"/>
-            </a:schemeClr>
-          </a:lnRef>
-          <a:fillRef idx="1">
-            <a:schemeClr val="accent1"/>
-          </a:fillRef>
-          <a:effectRef idx="0">
-            <a:schemeClr val="accent1"/>
-          </a:effectRef>
-          <a:fontRef idx="minor">
-            <a:schemeClr val="lt1"/>
-          </a:fontRef>
-        </p:style>
-        <p:txBody>
-          <a:bodyPr rtlCol="0" anchor="ctr"/>
-          <a:lstStyle/>
-          <a:p>
-            <a:pPr algn="ctr"/>
-            <a:endParaRPr lang="en-US"/>
-          </a:p>
-        </p:txBody>
-      </p:sp>
-      <p:sp>
-        <p:nvSpPr>
-          <p:cNvPr id="20" name="Rectangle 19">
-            <a:extLst>
-              <a:ext uri="{FF2B5EF4-FFF2-40B4-BE49-F238E27FC236}">
-                <a16:creationId xmlns:a16="http://schemas.microsoft.com/office/drawing/2014/main" id="{063BBA22-50EA-4C4D-BE05-F1CE4E63AA56}"/>
-              </a:ext>
-              <a:ext uri="{C183D7F6-B498-43B3-948B-1728B52AA6E4}">
-                <adec:decorative xmlns:adec="http://schemas.microsoft.com/office/drawing/2017/decorative" val="1"/>
-              </a:ext>
-            </a:extLst>
-          </p:cNvPr>
-          <p:cNvSpPr>
-            <a:spLocks noGrp="1" noRot="1" noChangeAspect="1" noMove="1" noResize="1" noEditPoints="1" noAdjustHandles="1" noChangeArrowheads="1" noChangeShapeType="1" noTextEdit="1"/>
-          </p:cNvSpPr>
-          <p:nvPr>
-            <p:extLst>
-              <p:ext uri="{386F3935-93C4-4BCD-93E2-E3B085C9AB24}">
-                <p16:designElem xmlns:p16="http://schemas.microsoft.com/office/powerpoint/2015/main" val="1"/>
-              </p:ext>
-            </p:extLst>
-          </p:nvPr>
-        </p:nvSpPr>
-        <p:spPr>
-          <a:xfrm rot="16200000" flipH="1">
-            <a:off x="3486646" y="-3486043"/>
-            <a:ext cx="2170709" cy="9144000"/>
-          </a:xfrm>
-          <a:prstGeom prst="rect">
-            <a:avLst/>
-          </a:prstGeom>
-          <a:gradFill>
-            <a:gsLst>
-              <a:gs pos="23000">
-                <a:schemeClr val="accent1">
-                  <a:lumMod val="75000"/>
-                  <a:alpha val="16000"/>
-                </a:schemeClr>
-              </a:gs>
-              <a:gs pos="99000">
-                <a:srgbClr val="000000">
-                  <a:alpha val="45000"/>
-                </a:srgbClr>
-              </a:gs>
-            </a:gsLst>
-            <a:lin ang="21000000" scaled="0"/>
-          </a:gradFill>
-          <a:ln>
-            <a:noFill/>
-          </a:ln>
-        </p:spPr>
-        <p:style>
-          <a:lnRef idx="2">
-            <a:schemeClr val="accent1">
-              <a:shade val="50000"/>
-            </a:schemeClr>
-          </a:lnRef>
-          <a:fillRef idx="1">
-            <a:schemeClr val="accent1"/>
-          </a:fillRef>
-          <a:effectRef idx="0">
-            <a:schemeClr val="accent1"/>
-          </a:effectRef>
-          <a:fontRef idx="minor">
-            <a:schemeClr val="lt1"/>
-          </a:fontRef>
-        </p:style>
-        <p:txBody>
-          <a:bodyPr rtlCol="0" anchor="ctr"/>
-          <a:lstStyle/>
-          <a:p>
-            <a:pPr algn="ctr"/>
-            <a:endParaRPr lang="en-US" dirty="0"/>
-          </a:p>
-        </p:txBody>
-      </p:sp>
-      <p:sp>
-        <p:nvSpPr>
-          <p:cNvPr id="2" name="Title 1"/>
-          <p:cNvSpPr>
-            <a:spLocks noGrp="1"/>
-          </p:cNvSpPr>
-          <p:nvPr>
-            <p:ph type="title"/>
-          </p:nvPr>
-        </p:nvSpPr>
-        <p:spPr>
-          <a:xfrm>
-            <a:off x="1037673" y="348865"/>
-            <a:ext cx="7288583" cy="1576446"/>
-          </a:xfrm>
-        </p:spPr>
-        <p:txBody>
-          <a:bodyPr anchor="ctr">
-            <a:normAutofit/>
-          </a:bodyPr>
-          <a:lstStyle/>
-          <a:p>
-            <a:r>
-              <a:rPr lang="en-US" sz="3500">
-                <a:solidFill>
-                  <a:srgbClr val="FFFFFF"/>
-                </a:solidFill>
-              </a:rPr>
-              <a:t>What is a Constructor?</a:t>
-            </a:r>
-          </a:p>
-        </p:txBody>
-      </p:sp>
-      <p:graphicFrame>
-        <p:nvGraphicFramePr>
-          <p:cNvPr id="21" name="Content Placeholder 2">
-            <a:extLst>
-              <a:ext uri="{FF2B5EF4-FFF2-40B4-BE49-F238E27FC236}">
-                <a16:creationId xmlns:a16="http://schemas.microsoft.com/office/drawing/2014/main" id="{CBAEF89F-47C0-BA3F-0FEA-CDCB511EE54A}"/>
-              </a:ext>
-            </a:extLst>
-          </p:cNvPr>
-          <p:cNvGraphicFramePr>
-            <a:graphicFrameLocks noGrp="1"/>
-          </p:cNvGraphicFramePr>
-          <p:nvPr>
-            <p:ph idx="1"/>
-            <p:extLst>
-              <p:ext uri="{D42A27DB-BD31-4B8C-83A1-F6EECF244321}">
-                <p14:modId xmlns:p14="http://schemas.microsoft.com/office/powerpoint/2010/main" val="2096667398"/>
-              </p:ext>
-            </p:extLst>
-          </p:nvPr>
-        </p:nvGraphicFramePr>
-        <p:xfrm>
-          <a:off x="483042" y="2615979"/>
-          <a:ext cx="8195871" cy="3689405"/>
-        </p:xfrm>
-        <a:graphic>
-          <a:graphicData uri="http://schemas.openxmlformats.org/drawingml/2006/diagram">
-            <dgm:relIds xmlns:dgm="http://schemas.openxmlformats.org/drawingml/2006/diagram" xmlns:r="http://schemas.openxmlformats.org/officeDocument/2006/relationships" r:dm="rId2" r:lo="rId3" r:qs="rId4" r:cs="rId5"/>
-          </a:graphicData>
-        </a:graphic>
-      </p:graphicFrame>
-    </p:spTree>
-  </p:cSld>
-  <p:clrMapOvr>
-    <a:masterClrMapping/>
-  </p:clrMapOvr>
-</p:sld>
-</file>
-
-<file path=ppt/slides/slide4.xml><?xml version="1.0" encoding="utf-8"?>
-<p:sld xmlns:a="http://schemas.openxmlformats.org/drawingml/2006/main" xmlns:r="http://schemas.openxmlformats.org/officeDocument/2006/relationships" xmlns:p="http://schemas.openxmlformats.org/presentationml/2006/main">
-  <p:cSld>
-    <p:bg>
-      <p:bgPr>
-        <a:solidFill>
-          <a:schemeClr val="bg1"/>
-        </a:solidFill>
-        <a:effectLst/>
-      </p:bgPr>
-    </p:bg>
-    <p:spTree>
-      <p:nvGrpSpPr>
-        <p:cNvPr id="1" name=""/>
-        <p:cNvGrpSpPr/>
-        <p:nvPr/>
-      </p:nvGrpSpPr>
-      <p:grpSpPr>
-        <a:xfrm>
-          <a:off x="0" y="0"/>
-          <a:ext cx="0" cy="0"/>
-          <a:chOff x="0" y="0"/>
-          <a:chExt cx="0" cy="0"/>
-        </a:xfrm>
-      </p:grpSpPr>
-      <p:sp>
-        <p:nvSpPr>
-          <p:cNvPr id="10" name="Down Arrow 7">
-            <a:extLst>
-              <a:ext uri="{FF2B5EF4-FFF2-40B4-BE49-F238E27FC236}">
-                <a16:creationId xmlns:a16="http://schemas.microsoft.com/office/drawing/2014/main" id="{D4771268-CB57-404A-9271-370EB28F6090}"/>
-              </a:ext>
-              <a:ext uri="{C183D7F6-B498-43B3-948B-1728B52AA6E4}">
-                <adec:decorative xmlns:adec="http://schemas.microsoft.com/office/drawing/2017/decorative" val="1"/>
-              </a:ext>
-            </a:extLst>
-          </p:cNvPr>
-          <p:cNvSpPr>
-            <a:spLocks noGrp="1" noRot="1" noChangeAspect="1" noMove="1" noResize="1" noEditPoints="1" noAdjustHandles="1" noChangeArrowheads="1" noChangeShapeType="1" noTextEdit="1"/>
-          </p:cNvSpPr>
-          <p:nvPr>
-            <p:extLst>
-              <p:ext uri="{386F3935-93C4-4BCD-93E2-E3B085C9AB24}">
-                <p16:designElem xmlns:p16="http://schemas.microsoft.com/office/powerpoint/2015/main" val="1"/>
-              </p:ext>
-            </p:extLst>
-          </p:nvPr>
-        </p:nvSpPr>
-        <p:spPr>
-          <a:xfrm rot="16200000">
-            <a:off x="183356" y="1928731"/>
-            <a:ext cx="3333749" cy="2624327"/>
-          </a:xfrm>
-          <a:prstGeom prst="downArrow">
-            <a:avLst>
-              <a:gd name="adj1" fmla="val 100000"/>
-              <a:gd name="adj2" fmla="val 15788"/>
-            </a:avLst>
-          </a:prstGeom>
-          <a:solidFill>
-            <a:srgbClr val="404040"/>
-          </a:solidFill>
-          <a:ln w="53975">
-            <a:noFill/>
-          </a:ln>
-        </p:spPr>
-        <p:style>
-          <a:lnRef idx="2">
-            <a:schemeClr val="accent1">
-              <a:shade val="50000"/>
-            </a:schemeClr>
-          </a:lnRef>
-          <a:fillRef idx="1">
-            <a:schemeClr val="accent1"/>
-          </a:fillRef>
-          <a:effectRef idx="0">
-            <a:schemeClr val="accent1"/>
-          </a:effectRef>
-          <a:fontRef idx="minor">
-            <a:schemeClr val="lt1"/>
-          </a:fontRef>
-        </p:style>
-        <p:txBody>
-          <a:bodyPr rtlCol="0" anchor="ctr"/>
-          <a:lstStyle/>
-          <a:p>
-            <a:pPr algn="ctr"/>
-            <a:endParaRPr lang="en-US"/>
-          </a:p>
-        </p:txBody>
-      </p:sp>
-      <p:sp>
-        <p:nvSpPr>
-          <p:cNvPr id="2" name="Title 1"/>
-          <p:cNvSpPr>
-            <a:spLocks noGrp="1"/>
-          </p:cNvSpPr>
-          <p:nvPr>
-            <p:ph type="title"/>
-          </p:nvPr>
-        </p:nvSpPr>
-        <p:spPr>
-          <a:xfrm>
-            <a:off x="771525" y="1967266"/>
-            <a:ext cx="1971675" cy="2547257"/>
-          </a:xfrm>
-          <a:noFill/>
-        </p:spPr>
-        <p:txBody>
-          <a:bodyPr vert="horz" lIns="91440" tIns="45720" rIns="91440" bIns="45720" rtlCol="0" anchor="ctr">
-            <a:normAutofit/>
-          </a:bodyPr>
-          <a:lstStyle/>
-          <a:p>
-            <a:pPr defTabSz="914400">
-              <a:lnSpc>
-                <a:spcPct val="90000"/>
-              </a:lnSpc>
-            </a:pPr>
-            <a:r>
-              <a:rPr lang="en-US" sz="2900" kern="1200">
-                <a:solidFill>
-                  <a:srgbClr val="FFFFFF"/>
-                </a:solidFill>
-                <a:latin typeface="+mj-lt"/>
-                <a:ea typeface="+mj-ea"/>
-                <a:cs typeface="+mj-cs"/>
-              </a:rPr>
-              <a:t>Example – Constructor in PHP</a:t>
-            </a:r>
-          </a:p>
-        </p:txBody>
-      </p:sp>
-      <p:pic>
-        <p:nvPicPr>
-          <p:cNvPr id="5" name="Picture 4">
-            <a:extLst>
-              <a:ext uri="{FF2B5EF4-FFF2-40B4-BE49-F238E27FC236}">
-                <a16:creationId xmlns:a16="http://schemas.microsoft.com/office/drawing/2014/main" id="{186C6DD6-3A94-EB08-461A-C34CDDFA814D}"/>
-              </a:ext>
-            </a:extLst>
-          </p:cNvPr>
-          <p:cNvPicPr>
-            <a:picLocks noChangeAspect="1"/>
-          </p:cNvPicPr>
-          <p:nvPr/>
-        </p:nvPicPr>
-        <p:blipFill>
-          <a:blip r:embed="rId2"/>
-          <a:stretch>
-            <a:fillRect/>
-          </a:stretch>
-        </p:blipFill>
-        <p:spPr>
-          <a:xfrm>
-            <a:off x="3582987" y="1157338"/>
-            <a:ext cx="5085525" cy="4540995"/>
-          </a:xfrm>
-          <a:prstGeom prst="rect">
-            <a:avLst/>
-          </a:prstGeom>
-        </p:spPr>
-      </p:pic>
-    </p:spTree>
-  </p:cSld>
-  <p:clrMapOvr>
-    <a:masterClrMapping/>
-  </p:clrMapOvr>
-</p:sld>
-</file>
-
-<file path=ppt/slides/slide5.xml><?xml version="1.0" encoding="utf-8"?>
-<p:sld xmlns:a="http://schemas.openxmlformats.org/drawingml/2006/main" xmlns:r="http://schemas.openxmlformats.org/officeDocument/2006/relationships" xmlns:p="http://schemas.openxmlformats.org/presentationml/2006/main">
-  <p:cSld>
-    <p:bg>
-      <p:bgPr>
-        <a:solidFill>
-          <a:schemeClr val="bg1"/>
-        </a:solidFill>
-        <a:effectLst/>
-      </p:bgPr>
-    </p:bg>
-    <p:spTree>
-      <p:nvGrpSpPr>
-        <p:cNvPr id="1" name="">
-          <a:extLst>
-            <a:ext uri="{FF2B5EF4-FFF2-40B4-BE49-F238E27FC236}">
-              <a16:creationId xmlns:a16="http://schemas.microsoft.com/office/drawing/2014/main" id="{715825B6-B4CE-EB6B-7EB5-3568BAC9B95F}"/>
-            </a:ext>
-          </a:extLst>
-        </p:cNvPr>
-        <p:cNvGrpSpPr/>
-        <p:nvPr/>
-      </p:nvGrpSpPr>
-      <p:grpSpPr>
-        <a:xfrm>
-          <a:off x="0" y="0"/>
-          <a:ext cx="0" cy="0"/>
-          <a:chOff x="0" y="0"/>
-          <a:chExt cx="0" cy="0"/>
-        </a:xfrm>
-      </p:grpSpPr>
-      <p:sp useBgFill="1">
-        <p:nvSpPr>
-          <p:cNvPr id="17" name="Rectangle 16">
-            <a:extLst>
-              <a:ext uri="{FF2B5EF4-FFF2-40B4-BE49-F238E27FC236}">
-                <a16:creationId xmlns:a16="http://schemas.microsoft.com/office/drawing/2014/main" id="{A6638BD7-C676-BA81-4A7C-7FB2A6C4EC60}"/>
-              </a:ext>
-              <a:ext uri="{C183D7F6-B498-43B3-948B-1728B52AA6E4}">
-                <adec:decorative xmlns:adec="http://schemas.microsoft.com/office/drawing/2017/decorative" val="1"/>
-              </a:ext>
-            </a:extLst>
-          </p:cNvPr>
-          <p:cNvSpPr>
-            <a:spLocks noGrp="1" noRot="1" noChangeAspect="1" noMove="1" noResize="1" noEditPoints="1" noAdjustHandles="1" noChangeArrowheads="1" noChangeShapeType="1" noTextEdit="1"/>
-          </p:cNvSpPr>
-          <p:nvPr>
-            <p:extLst>
-              <p:ext uri="{386F3935-93C4-4BCD-93E2-E3B085C9AB24}">
-                <p16:designElem xmlns:p16="http://schemas.microsoft.com/office/powerpoint/2015/main" val="1"/>
-              </p:ext>
-            </p:extLst>
-          </p:nvPr>
-        </p:nvSpPr>
-        <p:spPr>
-          <a:xfrm>
-            <a:off x="0" y="0"/>
-            <a:ext cx="9144000" cy="6858000"/>
-          </a:xfrm>
-          <a:prstGeom prst="rect">
-            <a:avLst/>
-          </a:prstGeom>
-          <a:ln w="12700" cap="flat" cmpd="sng" algn="ctr">
-            <a:noFill/>
-            <a:prstDash val="solid"/>
-            <a:miter lim="800000"/>
-          </a:ln>
-          <a:effectLst/>
-          <a:extLst>
-            <a:ext uri="{91240B29-F687-4F45-9708-019B960494DF}">
-              <a14:hiddenLine xmlns:a14="http://schemas.microsoft.com/office/drawing/2010/main" w="12700" cap="flat" cmpd="sng" algn="ctr">
-                <a:solidFill>
-                  <a:schemeClr val="accent1">
-                    <a:shade val="50000"/>
-                  </a:schemeClr>
-                </a:solidFill>
-                <a:prstDash val="solid"/>
-                <a:miter lim="800000"/>
-              </a14:hiddenLine>
-            </a:ext>
-          </a:extLst>
-        </p:spPr>
-        <p:style>
-          <a:lnRef idx="2">
-            <a:schemeClr val="accent1">
-              <a:shade val="50000"/>
-            </a:schemeClr>
-          </a:lnRef>
-          <a:fillRef idx="1">
-            <a:schemeClr val="accent1"/>
-          </a:fillRef>
-          <a:effectRef idx="0">
-            <a:schemeClr val="accent1"/>
-          </a:effectRef>
-          <a:fontRef idx="minor">
-            <a:schemeClr val="lt1"/>
-          </a:fontRef>
-        </p:style>
-        <p:txBody>
-          <a:bodyPr rtlCol="0" anchor="ctr"/>
-          <a:lstStyle/>
-          <a:p>
-            <a:pPr algn="ctr"/>
-            <a:endParaRPr lang="en-US"/>
-          </a:p>
-        </p:txBody>
-      </p:sp>
-      <p:sp>
-        <p:nvSpPr>
-          <p:cNvPr id="18" name="Rectangle 17">
-            <a:extLst>
-              <a:ext uri="{FF2B5EF4-FFF2-40B4-BE49-F238E27FC236}">
-                <a16:creationId xmlns:a16="http://schemas.microsoft.com/office/drawing/2014/main" id="{775C6438-B297-0524-DD0C-6DB9A0B279C5}"/>
-              </a:ext>
-              <a:ext uri="{C183D7F6-B498-43B3-948B-1728B52AA6E4}">
-                <adec:decorative xmlns:adec="http://schemas.microsoft.com/office/drawing/2017/decorative" val="1"/>
-              </a:ext>
-            </a:extLst>
-          </p:cNvPr>
-          <p:cNvSpPr>
-            <a:spLocks noGrp="1" noRot="1" noChangeAspect="1" noMove="1" noResize="1" noEditPoints="1" noAdjustHandles="1" noChangeArrowheads="1" noChangeShapeType="1" noTextEdit="1"/>
-          </p:cNvSpPr>
-          <p:nvPr>
-            <p:extLst>
-              <p:ext uri="{386F3935-93C4-4BCD-93E2-E3B085C9AB24}">
-                <p16:designElem xmlns:p16="http://schemas.microsoft.com/office/powerpoint/2015/main" val="1"/>
-              </p:ext>
-            </p:extLst>
-          </p:nvPr>
-        </p:nvSpPr>
-        <p:spPr>
-          <a:xfrm flipH="1">
-            <a:off x="1" y="0"/>
-            <a:ext cx="9143999" cy="2170031"/>
-          </a:xfrm>
-          <a:prstGeom prst="rect">
-            <a:avLst/>
-          </a:prstGeom>
-          <a:gradFill>
-            <a:gsLst>
-              <a:gs pos="0">
-                <a:srgbClr val="000000">
-                  <a:alpha val="96000"/>
-                </a:srgbClr>
-              </a:gs>
-              <a:gs pos="100000">
-                <a:schemeClr val="accent1">
-                  <a:lumMod val="75000"/>
-                </a:schemeClr>
-              </a:gs>
-            </a:gsLst>
-            <a:lin ang="19800000" scaled="0"/>
-          </a:gradFill>
-          <a:ln>
-            <a:noFill/>
-          </a:ln>
-        </p:spPr>
-        <p:style>
-          <a:lnRef idx="2">
-            <a:schemeClr val="accent1">
-              <a:shade val="50000"/>
-            </a:schemeClr>
-          </a:lnRef>
-          <a:fillRef idx="1">
-            <a:schemeClr val="accent1"/>
-          </a:fillRef>
-          <a:effectRef idx="0">
-            <a:schemeClr val="accent1"/>
-          </a:effectRef>
-          <a:fontRef idx="minor">
-            <a:schemeClr val="lt1"/>
-          </a:fontRef>
-        </p:style>
-        <p:txBody>
-          <a:bodyPr rtlCol="0" anchor="ctr"/>
-          <a:lstStyle/>
-          <a:p>
-            <a:pPr algn="ctr"/>
-            <a:endParaRPr lang="en-US"/>
-          </a:p>
-        </p:txBody>
-      </p:sp>
-      <p:sp>
-        <p:nvSpPr>
-          <p:cNvPr id="19" name="Rectangle 18">
-            <a:extLst>
-              <a:ext uri="{FF2B5EF4-FFF2-40B4-BE49-F238E27FC236}">
-                <a16:creationId xmlns:a16="http://schemas.microsoft.com/office/drawing/2014/main" id="{633ACCB2-7D1F-F074-0464-C44923317DB8}"/>
-              </a:ext>
-              <a:ext uri="{C183D7F6-B498-43B3-948B-1728B52AA6E4}">
-                <adec:decorative xmlns:adec="http://schemas.microsoft.com/office/drawing/2017/decorative" val="1"/>
-              </a:ext>
-            </a:extLst>
-          </p:cNvPr>
-          <p:cNvSpPr>
-            <a:spLocks noGrp="1" noRot="1" noChangeAspect="1" noMove="1" noResize="1" noEditPoints="1" noAdjustHandles="1" noChangeArrowheads="1" noChangeShapeType="1" noTextEdit="1"/>
-          </p:cNvSpPr>
-          <p:nvPr>
-            <p:extLst>
-              <p:ext uri="{386F3935-93C4-4BCD-93E2-E3B085C9AB24}">
-                <p16:designElem xmlns:p16="http://schemas.microsoft.com/office/powerpoint/2015/main" val="1"/>
-              </p:ext>
-            </p:extLst>
-          </p:nvPr>
-        </p:nvSpPr>
-        <p:spPr>
-          <a:xfrm flipH="1">
-            <a:off x="6062114" y="0"/>
-            <a:ext cx="3072908" cy="2170661"/>
-          </a:xfrm>
-          <a:prstGeom prst="rect">
-            <a:avLst/>
-          </a:prstGeom>
-          <a:gradFill>
-            <a:gsLst>
-              <a:gs pos="19000">
-                <a:schemeClr val="accent1">
-                  <a:lumMod val="50000"/>
-                  <a:alpha val="68000"/>
-                </a:schemeClr>
-              </a:gs>
-              <a:gs pos="100000">
-                <a:schemeClr val="accent1">
-                  <a:alpha val="48000"/>
-                </a:schemeClr>
-              </a:gs>
-            </a:gsLst>
-            <a:lin ang="19200000" scaled="0"/>
-          </a:gradFill>
-          <a:ln>
-            <a:noFill/>
-          </a:ln>
-        </p:spPr>
-        <p:style>
-          <a:lnRef idx="2">
-            <a:schemeClr val="accent1">
-              <a:shade val="50000"/>
-            </a:schemeClr>
-          </a:lnRef>
-          <a:fillRef idx="1">
-            <a:schemeClr val="accent1"/>
-          </a:fillRef>
-          <a:effectRef idx="0">
-            <a:schemeClr val="accent1"/>
-          </a:effectRef>
-          <a:fontRef idx="minor">
-            <a:schemeClr val="lt1"/>
-          </a:fontRef>
-        </p:style>
-        <p:txBody>
-          <a:bodyPr rtlCol="0" anchor="ctr"/>
-          <a:lstStyle/>
-          <a:p>
-            <a:pPr algn="ctr"/>
-            <a:endParaRPr lang="en-US"/>
-          </a:p>
-        </p:txBody>
-      </p:sp>
-      <p:sp>
-        <p:nvSpPr>
-          <p:cNvPr id="20" name="Rectangle 19">
-            <a:extLst>
-              <a:ext uri="{FF2B5EF4-FFF2-40B4-BE49-F238E27FC236}">
-                <a16:creationId xmlns:a16="http://schemas.microsoft.com/office/drawing/2014/main" id="{F3BB32E8-87F5-3F57-6FAD-6406D1A7CDEC}"/>
-              </a:ext>
-              <a:ext uri="{C183D7F6-B498-43B3-948B-1728B52AA6E4}">
-                <adec:decorative xmlns:adec="http://schemas.microsoft.com/office/drawing/2017/decorative" val="1"/>
-              </a:ext>
-            </a:extLst>
-          </p:cNvPr>
-          <p:cNvSpPr>
-            <a:spLocks noGrp="1" noRot="1" noChangeAspect="1" noMove="1" noResize="1" noEditPoints="1" noAdjustHandles="1" noChangeArrowheads="1" noChangeShapeType="1" noTextEdit="1"/>
-          </p:cNvSpPr>
-          <p:nvPr>
-            <p:extLst>
-              <p:ext uri="{386F3935-93C4-4BCD-93E2-E3B085C9AB24}">
-                <p16:designElem xmlns:p16="http://schemas.microsoft.com/office/powerpoint/2015/main" val="1"/>
-              </p:ext>
-            </p:extLst>
-          </p:nvPr>
-        </p:nvSpPr>
-        <p:spPr>
-          <a:xfrm rot="16200000" flipH="1">
-            <a:off x="3486646" y="-3486043"/>
-            <a:ext cx="2170709" cy="9144000"/>
-          </a:xfrm>
-          <a:prstGeom prst="rect">
-            <a:avLst/>
-          </a:prstGeom>
-          <a:gradFill>
-            <a:gsLst>
-              <a:gs pos="23000">
-                <a:schemeClr val="accent1">
-                  <a:lumMod val="75000"/>
-                  <a:alpha val="16000"/>
-                </a:schemeClr>
-              </a:gs>
-              <a:gs pos="99000">
-                <a:srgbClr val="000000">
-                  <a:alpha val="45000"/>
-                </a:srgbClr>
-              </a:gs>
-            </a:gsLst>
-            <a:lin ang="21000000" scaled="0"/>
-          </a:gradFill>
-          <a:ln>
-            <a:noFill/>
-          </a:ln>
-        </p:spPr>
-        <p:style>
-          <a:lnRef idx="2">
-            <a:schemeClr val="accent1">
-              <a:shade val="50000"/>
-            </a:schemeClr>
-          </a:lnRef>
-          <a:fillRef idx="1">
-            <a:schemeClr val="accent1"/>
-          </a:fillRef>
-          <a:effectRef idx="0">
-            <a:schemeClr val="accent1"/>
-          </a:effectRef>
-          <a:fontRef idx="minor">
-            <a:schemeClr val="lt1"/>
-          </a:fontRef>
-        </p:style>
-        <p:txBody>
-          <a:bodyPr rtlCol="0" anchor="ctr"/>
-          <a:lstStyle/>
-          <a:p>
-            <a:pPr algn="ctr"/>
-            <a:endParaRPr lang="en-US" dirty="0"/>
-          </a:p>
-        </p:txBody>
-      </p:sp>
-      <p:sp>
-        <p:nvSpPr>
-          <p:cNvPr id="2" name="Title 1">
-            <a:extLst>
-              <a:ext uri="{FF2B5EF4-FFF2-40B4-BE49-F238E27FC236}">
-                <a16:creationId xmlns:a16="http://schemas.microsoft.com/office/drawing/2014/main" id="{241521D4-661C-A4BF-E263-F8F86B1091CD}"/>
-              </a:ext>
-            </a:extLst>
-          </p:cNvPr>
-          <p:cNvSpPr>
-            <a:spLocks noGrp="1"/>
-          </p:cNvSpPr>
-          <p:nvPr>
-            <p:ph type="title"/>
-          </p:nvPr>
-        </p:nvSpPr>
-        <p:spPr>
-          <a:xfrm>
-            <a:off x="1037673" y="348865"/>
-            <a:ext cx="7288583" cy="1576446"/>
-          </a:xfrm>
-        </p:spPr>
-        <p:txBody>
-          <a:bodyPr anchor="ctr">
-            <a:normAutofit/>
-          </a:bodyPr>
-          <a:lstStyle/>
-          <a:p>
-            <a:r>
-              <a:rPr lang="en-US" sz="3500" dirty="0">
-                <a:solidFill>
-                  <a:srgbClr val="FFFFFF"/>
-                </a:solidFill>
-              </a:rPr>
-              <a:t>What is a Destructor?</a:t>
-            </a:r>
-          </a:p>
-        </p:txBody>
-      </p:sp>
-      <p:graphicFrame>
-        <p:nvGraphicFramePr>
-          <p:cNvPr id="21" name="Content Placeholder 2">
-            <a:extLst>
-              <a:ext uri="{FF2B5EF4-FFF2-40B4-BE49-F238E27FC236}">
-                <a16:creationId xmlns:a16="http://schemas.microsoft.com/office/drawing/2014/main" id="{BABBF2A5-041F-1D0B-AFAF-5EF96130E38C}"/>
-              </a:ext>
-            </a:extLst>
-          </p:cNvPr>
-          <p:cNvGraphicFramePr>
-            <a:graphicFrameLocks noGrp="1"/>
-          </p:cNvGraphicFramePr>
-          <p:nvPr>
-            <p:ph idx="1"/>
-            <p:extLst>
-              <p:ext uri="{D42A27DB-BD31-4B8C-83A1-F6EECF244321}">
-                <p14:modId xmlns:p14="http://schemas.microsoft.com/office/powerpoint/2010/main" val="3943113484"/>
-              </p:ext>
-            </p:extLst>
-          </p:nvPr>
-        </p:nvGraphicFramePr>
-        <p:xfrm>
-          <a:off x="483042" y="2615979"/>
-          <a:ext cx="8195871" cy="3689405"/>
-        </p:xfrm>
-        <a:graphic>
-          <a:graphicData uri="http://schemas.openxmlformats.org/drawingml/2006/diagram">
-            <dgm:relIds xmlns:dgm="http://schemas.openxmlformats.org/drawingml/2006/diagram" xmlns:r="http://schemas.openxmlformats.org/officeDocument/2006/relationships" r:dm="rId2" r:lo="rId3" r:qs="rId4" r:cs="rId5"/>
-          </a:graphicData>
-        </a:graphic>
-      </p:graphicFrame>
-    </p:spTree>
-    <p:extLst>
-      <p:ext uri="{BB962C8B-B14F-4D97-AF65-F5344CB8AC3E}">
-        <p14:creationId xmlns:p14="http://schemas.microsoft.com/office/powerpoint/2010/main" val="1714104550"/>
-      </p:ext>
-    </p:extLst>
-  </p:cSld>
-  <p:clrMapOvr>
-    <a:masterClrMapping/>
-  </p:clrMapOvr>
-</p:sld>
-</file>
-
-<file path=ppt/slides/slide6.xml><?xml version="1.0" encoding="utf-8"?>
-<p:sld xmlns:a="http://schemas.openxmlformats.org/drawingml/2006/main" xmlns:r="http://schemas.openxmlformats.org/officeDocument/2006/relationships" xmlns:p="http://schemas.openxmlformats.org/presentationml/2006/main">
-  <p:cSld>
-    <p:bg>
-      <p:bgPr>
-        <a:solidFill>
-          <a:schemeClr val="bg1"/>
-        </a:solidFill>
-        <a:effectLst/>
-      </p:bgPr>
-    </p:bg>
-    <p:spTree>
-      <p:nvGrpSpPr>
-        <p:cNvPr id="1" name=""/>
-        <p:cNvGrpSpPr/>
-        <p:nvPr/>
-      </p:nvGrpSpPr>
-      <p:grpSpPr>
-        <a:xfrm>
-          <a:off x="0" y="0"/>
-          <a:ext cx="0" cy="0"/>
-          <a:chOff x="0" y="0"/>
-          <a:chExt cx="0" cy="0"/>
-        </a:xfrm>
-      </p:grpSpPr>
-      <p:sp>
-        <p:nvSpPr>
-          <p:cNvPr id="10" name="Down Arrow 7">
-            <a:extLst>
-              <a:ext uri="{FF2B5EF4-FFF2-40B4-BE49-F238E27FC236}">
-                <a16:creationId xmlns:a16="http://schemas.microsoft.com/office/drawing/2014/main" id="{D4771268-CB57-404A-9271-370EB28F6090}"/>
-              </a:ext>
-              <a:ext uri="{C183D7F6-B498-43B3-948B-1728B52AA6E4}">
-                <adec:decorative xmlns:adec="http://schemas.microsoft.com/office/drawing/2017/decorative" val="1"/>
-              </a:ext>
-            </a:extLst>
-          </p:cNvPr>
-          <p:cNvSpPr>
-            <a:spLocks noGrp="1" noRot="1" noChangeAspect="1" noMove="1" noResize="1" noEditPoints="1" noAdjustHandles="1" noChangeArrowheads="1" noChangeShapeType="1" noTextEdit="1"/>
-          </p:cNvSpPr>
-          <p:nvPr>
-            <p:extLst>
-              <p:ext uri="{386F3935-93C4-4BCD-93E2-E3B085C9AB24}">
-                <p16:designElem xmlns:p16="http://schemas.microsoft.com/office/powerpoint/2015/main" val="1"/>
-              </p:ext>
-            </p:extLst>
-          </p:nvPr>
-        </p:nvSpPr>
-        <p:spPr>
-          <a:xfrm rot="16200000">
-            <a:off x="183356" y="1928731"/>
-            <a:ext cx="3333749" cy="2624327"/>
-          </a:xfrm>
-          <a:prstGeom prst="downArrow">
-            <a:avLst>
-              <a:gd name="adj1" fmla="val 100000"/>
-              <a:gd name="adj2" fmla="val 15788"/>
-            </a:avLst>
-          </a:prstGeom>
-          <a:solidFill>
-            <a:srgbClr val="404040"/>
-          </a:solidFill>
-          <a:ln w="53975">
-            <a:noFill/>
-          </a:ln>
-        </p:spPr>
-        <p:style>
-          <a:lnRef idx="2">
-            <a:schemeClr val="accent1">
-              <a:shade val="50000"/>
-            </a:schemeClr>
-          </a:lnRef>
-          <a:fillRef idx="1">
-            <a:schemeClr val="accent1"/>
-          </a:fillRef>
-          <a:effectRef idx="0">
-            <a:schemeClr val="accent1"/>
-          </a:effectRef>
-          <a:fontRef idx="minor">
-            <a:schemeClr val="lt1"/>
-          </a:fontRef>
-        </p:style>
-        <p:txBody>
-          <a:bodyPr rtlCol="0" anchor="ctr"/>
-          <a:lstStyle/>
-          <a:p>
-            <a:pPr algn="ctr"/>
-            <a:endParaRPr lang="en-US"/>
-          </a:p>
-        </p:txBody>
-      </p:sp>
-      <p:sp>
-        <p:nvSpPr>
-          <p:cNvPr id="2" name="Title 1"/>
-          <p:cNvSpPr>
-            <a:spLocks noGrp="1"/>
-          </p:cNvSpPr>
-          <p:nvPr>
-            <p:ph type="title"/>
-          </p:nvPr>
-        </p:nvSpPr>
-        <p:spPr>
-          <a:xfrm>
-            <a:off x="771525" y="1967266"/>
-            <a:ext cx="1971675" cy="2547257"/>
-          </a:xfrm>
-          <a:noFill/>
-        </p:spPr>
-        <p:txBody>
-          <a:bodyPr vert="horz" lIns="91440" tIns="45720" rIns="91440" bIns="45720" rtlCol="0" anchor="ctr">
-            <a:normAutofit/>
-          </a:bodyPr>
-          <a:lstStyle/>
-          <a:p>
-            <a:pPr defTabSz="914400">
-              <a:lnSpc>
-                <a:spcPct val="90000"/>
-              </a:lnSpc>
-            </a:pPr>
-            <a:r>
-              <a:rPr lang="en-US" sz="3100" kern="1200">
-                <a:solidFill>
-                  <a:srgbClr val="FFFFFF"/>
-                </a:solidFill>
-                <a:latin typeface="+mj-lt"/>
-                <a:ea typeface="+mj-ea"/>
-                <a:cs typeface="+mj-cs"/>
-              </a:rPr>
-              <a:t>Example – Destructor in PHP</a:t>
-            </a:r>
-          </a:p>
-        </p:txBody>
-      </p:sp>
-      <p:pic>
-        <p:nvPicPr>
-          <p:cNvPr id="5" name="Picture 4">
-            <a:extLst>
-              <a:ext uri="{FF2B5EF4-FFF2-40B4-BE49-F238E27FC236}">
-                <a16:creationId xmlns:a16="http://schemas.microsoft.com/office/drawing/2014/main" id="{FD2AFFE2-6261-BBE0-C59B-FE0B74067B10}"/>
-              </a:ext>
-            </a:extLst>
-          </p:cNvPr>
-          <p:cNvPicPr>
-            <a:picLocks noChangeAspect="1"/>
-          </p:cNvPicPr>
-          <p:nvPr/>
-        </p:nvPicPr>
-        <p:blipFill>
-          <a:blip r:embed="rId2"/>
-          <a:stretch>
-            <a:fillRect/>
-          </a:stretch>
-        </p:blipFill>
-        <p:spPr>
-          <a:xfrm>
-            <a:off x="3582987" y="1001758"/>
-            <a:ext cx="5085525" cy="4852154"/>
-          </a:xfrm>
-          <a:prstGeom prst="rect">
-            <a:avLst/>
-          </a:prstGeom>
-        </p:spPr>
-      </p:pic>
-    </p:spTree>
-  </p:cSld>
-  <p:clrMapOvr>
-    <a:masterClrMapping/>
-  </p:clrMapOvr>
-</p:sld>
-</file>
-
-<file path=ppt/slides/slide7.xml><?xml version="1.0" encoding="utf-8"?>
-<p:sld xmlns:a="http://schemas.openxmlformats.org/drawingml/2006/main" xmlns:r="http://schemas.openxmlformats.org/officeDocument/2006/relationships" xmlns:p="http://schemas.openxmlformats.org/presentationml/2006/main">
-  <p:cSld>
-    <p:bg>
-      <p:bgPr>
-        <a:solidFill>
-          <a:schemeClr val="bg1"/>
-        </a:solidFill>
-        <a:effectLst/>
-      </p:bgPr>
-    </p:bg>
-    <p:spTree>
-      <p:nvGrpSpPr>
-        <p:cNvPr id="1" name="">
-          <a:extLst>
-            <a:ext uri="{FF2B5EF4-FFF2-40B4-BE49-F238E27FC236}">
-              <a16:creationId xmlns:a16="http://schemas.microsoft.com/office/drawing/2014/main" id="{CF6F6488-D178-4D0B-9EAF-2569CAC68C2E}"/>
-            </a:ext>
-          </a:extLst>
-        </p:cNvPr>
-        <p:cNvGrpSpPr/>
-        <p:nvPr/>
-      </p:nvGrpSpPr>
-      <p:grpSpPr>
-        <a:xfrm>
-          <a:off x="0" y="0"/>
-          <a:ext cx="0" cy="0"/>
-          <a:chOff x="0" y="0"/>
-          <a:chExt cx="0" cy="0"/>
-        </a:xfrm>
-      </p:grpSpPr>
-      <p:sp useBgFill="1">
-        <p:nvSpPr>
-          <p:cNvPr id="17" name="Rectangle 16">
-            <a:extLst>
-              <a:ext uri="{FF2B5EF4-FFF2-40B4-BE49-F238E27FC236}">
-                <a16:creationId xmlns:a16="http://schemas.microsoft.com/office/drawing/2014/main" id="{47DCA945-C475-0F9D-4E72-F85C5B362C9F}"/>
-              </a:ext>
-              <a:ext uri="{C183D7F6-B498-43B3-948B-1728B52AA6E4}">
-                <adec:decorative xmlns:adec="http://schemas.microsoft.com/office/drawing/2017/decorative" val="1"/>
-              </a:ext>
-            </a:extLst>
-          </p:cNvPr>
-          <p:cNvSpPr>
-            <a:spLocks noGrp="1" noRot="1" noChangeAspect="1" noMove="1" noResize="1" noEditPoints="1" noAdjustHandles="1" noChangeArrowheads="1" noChangeShapeType="1" noTextEdit="1"/>
-          </p:cNvSpPr>
-          <p:nvPr>
-            <p:extLst>
-              <p:ext uri="{386F3935-93C4-4BCD-93E2-E3B085C9AB24}">
-                <p16:designElem xmlns:p16="http://schemas.microsoft.com/office/powerpoint/2015/main" val="1"/>
-              </p:ext>
-            </p:extLst>
-          </p:nvPr>
-        </p:nvSpPr>
-        <p:spPr>
-          <a:xfrm>
-            <a:off x="0" y="0"/>
-            <a:ext cx="9144000" cy="6858000"/>
-          </a:xfrm>
-          <a:prstGeom prst="rect">
-            <a:avLst/>
-          </a:prstGeom>
-          <a:ln w="12700" cap="flat" cmpd="sng" algn="ctr">
-            <a:noFill/>
-            <a:prstDash val="solid"/>
-            <a:miter lim="800000"/>
-          </a:ln>
-          <a:effectLst/>
-          <a:extLst>
-            <a:ext uri="{91240B29-F687-4F45-9708-019B960494DF}">
-              <a14:hiddenLine xmlns:a14="http://schemas.microsoft.com/office/drawing/2010/main" w="12700" cap="flat" cmpd="sng" algn="ctr">
-                <a:solidFill>
-                  <a:schemeClr val="accent1">
-                    <a:shade val="50000"/>
-                  </a:schemeClr>
-                </a:solidFill>
-                <a:prstDash val="solid"/>
-                <a:miter lim="800000"/>
-              </a14:hiddenLine>
-            </a:ext>
-          </a:extLst>
-        </p:spPr>
-        <p:style>
-          <a:lnRef idx="2">
-            <a:schemeClr val="accent1">
-              <a:shade val="50000"/>
-            </a:schemeClr>
-          </a:lnRef>
-          <a:fillRef idx="1">
-            <a:schemeClr val="accent1"/>
-          </a:fillRef>
-          <a:effectRef idx="0">
-            <a:schemeClr val="accent1"/>
-          </a:effectRef>
-          <a:fontRef idx="minor">
-            <a:schemeClr val="lt1"/>
-          </a:fontRef>
-        </p:style>
-        <p:txBody>
-          <a:bodyPr rtlCol="0" anchor="ctr"/>
-          <a:lstStyle/>
-          <a:p>
-            <a:pPr algn="ctr"/>
-            <a:endParaRPr lang="en-US"/>
-          </a:p>
-        </p:txBody>
-      </p:sp>
-      <p:sp>
-        <p:nvSpPr>
-          <p:cNvPr id="18" name="Rectangle 17">
-            <a:extLst>
-              <a:ext uri="{FF2B5EF4-FFF2-40B4-BE49-F238E27FC236}">
-                <a16:creationId xmlns:a16="http://schemas.microsoft.com/office/drawing/2014/main" id="{F96D0ACC-10F3-628C-AB7F-624B461EB6F2}"/>
-              </a:ext>
-              <a:ext uri="{C183D7F6-B498-43B3-948B-1728B52AA6E4}">
-                <adec:decorative xmlns:adec="http://schemas.microsoft.com/office/drawing/2017/decorative" val="1"/>
-              </a:ext>
-            </a:extLst>
-          </p:cNvPr>
-          <p:cNvSpPr>
-            <a:spLocks noGrp="1" noRot="1" noChangeAspect="1" noMove="1" noResize="1" noEditPoints="1" noAdjustHandles="1" noChangeArrowheads="1" noChangeShapeType="1" noTextEdit="1"/>
-          </p:cNvSpPr>
-          <p:nvPr>
-            <p:extLst>
-              <p:ext uri="{386F3935-93C4-4BCD-93E2-E3B085C9AB24}">
-                <p16:designElem xmlns:p16="http://schemas.microsoft.com/office/powerpoint/2015/main" val="1"/>
-              </p:ext>
-            </p:extLst>
-          </p:nvPr>
-        </p:nvSpPr>
-        <p:spPr>
-          <a:xfrm flipH="1">
-            <a:off x="1" y="0"/>
-            <a:ext cx="9143999" cy="2170031"/>
-          </a:xfrm>
-          <a:prstGeom prst="rect">
-            <a:avLst/>
-          </a:prstGeom>
-          <a:gradFill>
-            <a:gsLst>
-              <a:gs pos="0">
-                <a:srgbClr val="000000">
-                  <a:alpha val="96000"/>
-                </a:srgbClr>
-              </a:gs>
-              <a:gs pos="100000">
-                <a:schemeClr val="accent1">
-                  <a:lumMod val="75000"/>
-                </a:schemeClr>
-              </a:gs>
-            </a:gsLst>
-            <a:lin ang="19800000" scaled="0"/>
-          </a:gradFill>
-          <a:ln>
-            <a:noFill/>
-          </a:ln>
-        </p:spPr>
-        <p:style>
-          <a:lnRef idx="2">
-            <a:schemeClr val="accent1">
-              <a:shade val="50000"/>
-            </a:schemeClr>
-          </a:lnRef>
-          <a:fillRef idx="1">
-            <a:schemeClr val="accent1"/>
-          </a:fillRef>
-          <a:effectRef idx="0">
-            <a:schemeClr val="accent1"/>
-          </a:effectRef>
-          <a:fontRef idx="minor">
-            <a:schemeClr val="lt1"/>
-          </a:fontRef>
-        </p:style>
-        <p:txBody>
-          <a:bodyPr rtlCol="0" anchor="ctr"/>
-          <a:lstStyle/>
-          <a:p>
-            <a:pPr algn="ctr"/>
-            <a:endParaRPr lang="en-US"/>
-          </a:p>
-        </p:txBody>
-      </p:sp>
-      <p:sp>
-        <p:nvSpPr>
-          <p:cNvPr id="19" name="Rectangle 18">
-            <a:extLst>
-              <a:ext uri="{FF2B5EF4-FFF2-40B4-BE49-F238E27FC236}">
-                <a16:creationId xmlns:a16="http://schemas.microsoft.com/office/drawing/2014/main" id="{B92F2ADB-2575-13B4-7326-1C3C08977735}"/>
-              </a:ext>
-              <a:ext uri="{C183D7F6-B498-43B3-948B-1728B52AA6E4}">
-                <adec:decorative xmlns:adec="http://schemas.microsoft.com/office/drawing/2017/decorative" val="1"/>
-              </a:ext>
-            </a:extLst>
-          </p:cNvPr>
-          <p:cNvSpPr>
-            <a:spLocks noGrp="1" noRot="1" noChangeAspect="1" noMove="1" noResize="1" noEditPoints="1" noAdjustHandles="1" noChangeArrowheads="1" noChangeShapeType="1" noTextEdit="1"/>
-          </p:cNvSpPr>
-          <p:nvPr>
-            <p:extLst>
-              <p:ext uri="{386F3935-93C4-4BCD-93E2-E3B085C9AB24}">
-                <p16:designElem xmlns:p16="http://schemas.microsoft.com/office/powerpoint/2015/main" val="1"/>
-              </p:ext>
-            </p:extLst>
-          </p:nvPr>
-        </p:nvSpPr>
-        <p:spPr>
-          <a:xfrm flipH="1">
-            <a:off x="6062114" y="0"/>
-            <a:ext cx="3072908" cy="2170661"/>
-          </a:xfrm>
-          <a:prstGeom prst="rect">
-            <a:avLst/>
-          </a:prstGeom>
-          <a:gradFill>
-            <a:gsLst>
-              <a:gs pos="19000">
-                <a:schemeClr val="accent1">
-                  <a:lumMod val="50000"/>
-                  <a:alpha val="68000"/>
-                </a:schemeClr>
-              </a:gs>
-              <a:gs pos="100000">
-                <a:schemeClr val="accent1">
-                  <a:alpha val="48000"/>
-                </a:schemeClr>
-              </a:gs>
-            </a:gsLst>
-            <a:lin ang="19200000" scaled="0"/>
-          </a:gradFill>
-          <a:ln>
-            <a:noFill/>
-          </a:ln>
-        </p:spPr>
-        <p:style>
-          <a:lnRef idx="2">
-            <a:schemeClr val="accent1">
-              <a:shade val="50000"/>
-            </a:schemeClr>
-          </a:lnRef>
-          <a:fillRef idx="1">
-            <a:schemeClr val="accent1"/>
-          </a:fillRef>
-          <a:effectRef idx="0">
-            <a:schemeClr val="accent1"/>
-          </a:effectRef>
-          <a:fontRef idx="minor">
-            <a:schemeClr val="lt1"/>
-          </a:fontRef>
-        </p:style>
-        <p:txBody>
-          <a:bodyPr rtlCol="0" anchor="ctr"/>
-          <a:lstStyle/>
-          <a:p>
-            <a:pPr algn="ctr"/>
-            <a:endParaRPr lang="en-US"/>
-          </a:p>
-        </p:txBody>
-      </p:sp>
-      <p:sp>
-        <p:nvSpPr>
-          <p:cNvPr id="20" name="Rectangle 19">
-            <a:extLst>
-              <a:ext uri="{FF2B5EF4-FFF2-40B4-BE49-F238E27FC236}">
-                <a16:creationId xmlns:a16="http://schemas.microsoft.com/office/drawing/2014/main" id="{1813689A-B3CF-6252-1713-9F3B783F84AA}"/>
-              </a:ext>
-              <a:ext uri="{C183D7F6-B498-43B3-948B-1728B52AA6E4}">
-                <adec:decorative xmlns:adec="http://schemas.microsoft.com/office/drawing/2017/decorative" val="1"/>
-              </a:ext>
-            </a:extLst>
-          </p:cNvPr>
-          <p:cNvSpPr>
-            <a:spLocks noGrp="1" noRot="1" noChangeAspect="1" noMove="1" noResize="1" noEditPoints="1" noAdjustHandles="1" noChangeArrowheads="1" noChangeShapeType="1" noTextEdit="1"/>
-          </p:cNvSpPr>
-          <p:nvPr>
-            <p:extLst>
-              <p:ext uri="{386F3935-93C4-4BCD-93E2-E3B085C9AB24}">
-                <p16:designElem xmlns:p16="http://schemas.microsoft.com/office/powerpoint/2015/main" val="1"/>
-              </p:ext>
-            </p:extLst>
-          </p:nvPr>
-        </p:nvSpPr>
-        <p:spPr>
-          <a:xfrm rot="16200000" flipH="1">
-            <a:off x="3486646" y="-3486043"/>
-            <a:ext cx="2170709" cy="9144000"/>
-          </a:xfrm>
-          <a:prstGeom prst="rect">
-            <a:avLst/>
-          </a:prstGeom>
-          <a:gradFill>
-            <a:gsLst>
-              <a:gs pos="23000">
-                <a:schemeClr val="accent1">
-                  <a:lumMod val="75000"/>
-                  <a:alpha val="16000"/>
-                </a:schemeClr>
-              </a:gs>
-              <a:gs pos="99000">
-                <a:srgbClr val="000000">
-                  <a:alpha val="45000"/>
-                </a:srgbClr>
-              </a:gs>
-            </a:gsLst>
-            <a:lin ang="21000000" scaled="0"/>
-          </a:gradFill>
-          <a:ln>
-            <a:noFill/>
-          </a:ln>
-        </p:spPr>
-        <p:style>
-          <a:lnRef idx="2">
-            <a:schemeClr val="accent1">
-              <a:shade val="50000"/>
-            </a:schemeClr>
-          </a:lnRef>
-          <a:fillRef idx="1">
-            <a:schemeClr val="accent1"/>
-          </a:fillRef>
-          <a:effectRef idx="0">
-            <a:schemeClr val="accent1"/>
-          </a:effectRef>
-          <a:fontRef idx="minor">
-            <a:schemeClr val="lt1"/>
-          </a:fontRef>
-        </p:style>
-        <p:txBody>
-          <a:bodyPr rtlCol="0" anchor="ctr"/>
-          <a:lstStyle/>
-          <a:p>
-            <a:pPr algn="ctr"/>
-            <a:endParaRPr lang="en-US" dirty="0"/>
-          </a:p>
-        </p:txBody>
-      </p:sp>
-      <p:sp>
-        <p:nvSpPr>
-          <p:cNvPr id="2" name="Title 1">
-            <a:extLst>
-              <a:ext uri="{FF2B5EF4-FFF2-40B4-BE49-F238E27FC236}">
-                <a16:creationId xmlns:a16="http://schemas.microsoft.com/office/drawing/2014/main" id="{4F126066-CCFD-0E7F-F1EF-A578BE527D47}"/>
-              </a:ext>
-            </a:extLst>
-          </p:cNvPr>
-          <p:cNvSpPr>
-            <a:spLocks noGrp="1"/>
-          </p:cNvSpPr>
-          <p:nvPr>
-            <p:ph type="title"/>
-          </p:nvPr>
-        </p:nvSpPr>
-        <p:spPr>
-          <a:xfrm>
-            <a:off x="1037673" y="348865"/>
-            <a:ext cx="7288583" cy="1576446"/>
-          </a:xfrm>
-        </p:spPr>
-        <p:txBody>
-          <a:bodyPr anchor="ctr">
-            <a:normAutofit/>
-          </a:bodyPr>
-          <a:lstStyle/>
-          <a:p>
-            <a:r>
-              <a:rPr lang="en-US" sz="3500" dirty="0">
-                <a:solidFill>
-                  <a:srgbClr val="FFFFFF"/>
-                </a:solidFill>
-              </a:rPr>
-              <a:t>What is a Method Overloading?</a:t>
-            </a:r>
-          </a:p>
-        </p:txBody>
-      </p:sp>
-      <p:graphicFrame>
-        <p:nvGraphicFramePr>
-          <p:cNvPr id="21" name="Content Placeholder 2">
-            <a:extLst>
-              <a:ext uri="{FF2B5EF4-FFF2-40B4-BE49-F238E27FC236}">
-                <a16:creationId xmlns:a16="http://schemas.microsoft.com/office/drawing/2014/main" id="{69FF4D53-759E-2DFB-89FF-B3861B6510E4}"/>
-              </a:ext>
-            </a:extLst>
-          </p:cNvPr>
-          <p:cNvGraphicFramePr>
-            <a:graphicFrameLocks noGrp="1"/>
-          </p:cNvGraphicFramePr>
-          <p:nvPr>
-            <p:ph idx="1"/>
-            <p:extLst>
-              <p:ext uri="{D42A27DB-BD31-4B8C-83A1-F6EECF244321}">
-                <p14:modId xmlns:p14="http://schemas.microsoft.com/office/powerpoint/2010/main" val="4116382842"/>
-              </p:ext>
-            </p:extLst>
-          </p:nvPr>
-        </p:nvGraphicFramePr>
-        <p:xfrm>
-          <a:off x="483042" y="2615979"/>
-          <a:ext cx="8195871" cy="3689405"/>
-        </p:xfrm>
-        <a:graphic>
-          <a:graphicData uri="http://schemas.openxmlformats.org/drawingml/2006/diagram">
-            <dgm:relIds xmlns:dgm="http://schemas.openxmlformats.org/drawingml/2006/diagram" xmlns:r="http://schemas.openxmlformats.org/officeDocument/2006/relationships" r:dm="rId2" r:lo="rId3" r:qs="rId4" r:cs="rId5"/>
-          </a:graphicData>
-        </a:graphic>
-      </p:graphicFrame>
-    </p:spTree>
-    <p:extLst>
-      <p:ext uri="{BB962C8B-B14F-4D97-AF65-F5344CB8AC3E}">
-        <p14:creationId xmlns:p14="http://schemas.microsoft.com/office/powerpoint/2010/main" val="2848283378"/>
-      </p:ext>
-    </p:extLst>
-  </p:cSld>
-  <p:clrMapOvr>
-    <a:masterClrMapping/>
-  </p:clrMapOvr>
-</p:sld>
-</file>
-
-<file path=ppt/slides/slide8.xml><?xml version="1.0" encoding="utf-8"?>
-<p:sld xmlns:a="http://schemas.openxmlformats.org/drawingml/2006/main" xmlns:r="http://schemas.openxmlformats.org/officeDocument/2006/relationships" xmlns:p="http://schemas.openxmlformats.org/presentationml/2006/main">
-  <p:cSld>
-    <p:bg>
-      <p:bgPr>
-        <a:solidFill>
-          <a:schemeClr val="bg1"/>
-        </a:solidFill>
-        <a:effectLst/>
-      </p:bgPr>
-    </p:bg>
-    <p:spTree>
-      <p:nvGrpSpPr>
-        <p:cNvPr id="1" name="">
-          <a:extLst>
-            <a:ext uri="{FF2B5EF4-FFF2-40B4-BE49-F238E27FC236}">
-              <a16:creationId xmlns:a16="http://schemas.microsoft.com/office/drawing/2014/main" id="{2438F0DE-8661-2BA7-2D07-3B45E35561BB}"/>
-            </a:ext>
-          </a:extLst>
-        </p:cNvPr>
-        <p:cNvGrpSpPr/>
-        <p:nvPr/>
-      </p:nvGrpSpPr>
-      <p:grpSpPr>
-        <a:xfrm>
-          <a:off x="0" y="0"/>
-          <a:ext cx="0" cy="0"/>
-          <a:chOff x="0" y="0"/>
-          <a:chExt cx="0" cy="0"/>
-        </a:xfrm>
-      </p:grpSpPr>
-      <p:sp>
-        <p:nvSpPr>
-          <p:cNvPr id="30" name="Rectangle 29">
-            <a:extLst>
-              <a:ext uri="{FF2B5EF4-FFF2-40B4-BE49-F238E27FC236}">
-                <a16:creationId xmlns:a16="http://schemas.microsoft.com/office/drawing/2014/main" id="{A4AC5506-6312-4701-8D3C-40187889A947}"/>
-              </a:ext>
-              <a:ext uri="{C183D7F6-B498-43B3-948B-1728B52AA6E4}">
-                <adec:decorative xmlns:adec="http://schemas.microsoft.com/office/drawing/2017/decorative" val="1"/>
-              </a:ext>
-            </a:extLst>
-          </p:cNvPr>
-          <p:cNvSpPr>
-            <a:spLocks noGrp="1" noRot="1" noChangeAspect="1" noMove="1" noResize="1" noEditPoints="1" noAdjustHandles="1" noChangeArrowheads="1" noChangeShapeType="1" noTextEdit="1"/>
-          </p:cNvSpPr>
-          <p:nvPr>
-            <p:extLst>
-              <p:ext uri="{386F3935-93C4-4BCD-93E2-E3B085C9AB24}">
-                <p16:designElem xmlns:p16="http://schemas.microsoft.com/office/powerpoint/2015/main" val="1"/>
-              </p:ext>
-            </p:extLst>
-          </p:nvPr>
-        </p:nvSpPr>
-        <p:spPr>
-          <a:xfrm>
-            <a:off x="0" y="651752"/>
-            <a:ext cx="9144000" cy="736551"/>
-          </a:xfrm>
-          <a:prstGeom prst="rect">
-            <a:avLst/>
-          </a:prstGeom>
-          <a:solidFill>
-            <a:schemeClr val="tx1"/>
-          </a:solidFill>
-          <a:ln>
-            <a:noFill/>
-          </a:ln>
-        </p:spPr>
-        <p:style>
-          <a:lnRef idx="2">
-            <a:schemeClr val="accent1">
-              <a:shade val="50000"/>
-            </a:schemeClr>
-          </a:lnRef>
-          <a:fillRef idx="1">
-            <a:schemeClr val="accent1"/>
-          </a:fillRef>
-          <a:effectRef idx="0">
-            <a:schemeClr val="accent1"/>
-          </a:effectRef>
-          <a:fontRef idx="minor">
-            <a:schemeClr val="lt1"/>
-          </a:fontRef>
-        </p:style>
-        <p:txBody>
-          <a:bodyPr rtlCol="0" anchor="ctr"/>
-          <a:lstStyle/>
-          <a:p>
-            <a:pPr algn="ctr"/>
-            <a:endParaRPr lang="en-US"/>
-          </a:p>
-        </p:txBody>
-      </p:sp>
-      <p:sp>
-        <p:nvSpPr>
-          <p:cNvPr id="2" name="Title 1">
-            <a:extLst>
-              <a:ext uri="{FF2B5EF4-FFF2-40B4-BE49-F238E27FC236}">
-                <a16:creationId xmlns:a16="http://schemas.microsoft.com/office/drawing/2014/main" id="{B4D2B4AC-855E-068A-C882-F969AE8074F3}"/>
-              </a:ext>
-            </a:extLst>
-          </p:cNvPr>
-          <p:cNvSpPr>
-            <a:spLocks noGrp="1"/>
-          </p:cNvSpPr>
-          <p:nvPr>
-            <p:ph type="title"/>
-          </p:nvPr>
-        </p:nvSpPr>
-        <p:spPr>
-          <a:xfrm>
-            <a:off x="417399" y="643467"/>
-            <a:ext cx="8408193" cy="744836"/>
-          </a:xfrm>
-        </p:spPr>
-        <p:txBody>
-          <a:bodyPr vert="horz" lIns="91440" tIns="45720" rIns="91440" bIns="45720" rtlCol="0" anchor="ctr">
-            <a:normAutofit/>
-          </a:bodyPr>
-          <a:lstStyle/>
-          <a:p>
-            <a:pPr defTabSz="914400">
-              <a:lnSpc>
-                <a:spcPct val="90000"/>
-              </a:lnSpc>
-            </a:pPr>
-            <a:r>
-              <a:rPr lang="en-US" sz="2800" kern="1200">
-                <a:solidFill>
-                  <a:schemeClr val="bg1"/>
-                </a:solidFill>
-                <a:latin typeface="+mj-lt"/>
-                <a:ea typeface="+mj-ea"/>
-                <a:cs typeface="+mj-cs"/>
-              </a:rPr>
-              <a:t>Java Example: Method Overloading</a:t>
-            </a:r>
-          </a:p>
-        </p:txBody>
-      </p:sp>
-      <p:pic>
-        <p:nvPicPr>
-          <p:cNvPr id="4" name="Picture 3">
-            <a:extLst>
-              <a:ext uri="{FF2B5EF4-FFF2-40B4-BE49-F238E27FC236}">
-                <a16:creationId xmlns:a16="http://schemas.microsoft.com/office/drawing/2014/main" id="{B7C94CC5-D804-8D46-3734-AD128A47BE23}"/>
-              </a:ext>
-            </a:extLst>
-          </p:cNvPr>
-          <p:cNvPicPr>
-            <a:picLocks noChangeAspect="1"/>
-          </p:cNvPicPr>
-          <p:nvPr/>
-        </p:nvPicPr>
-        <p:blipFill>
-          <a:blip r:embed="rId2"/>
-          <a:stretch>
-            <a:fillRect/>
-          </a:stretch>
-        </p:blipFill>
-        <p:spPr>
-          <a:xfrm>
-            <a:off x="482600" y="2328578"/>
-            <a:ext cx="8178799" cy="3087496"/>
-          </a:xfrm>
-          <a:prstGeom prst="rect">
-            <a:avLst/>
-          </a:prstGeom>
-        </p:spPr>
-      </p:pic>
-    </p:spTree>
-    <p:extLst>
-      <p:ext uri="{BB962C8B-B14F-4D97-AF65-F5344CB8AC3E}">
-        <p14:creationId xmlns:p14="http://schemas.microsoft.com/office/powerpoint/2010/main" val="2363270863"/>
-      </p:ext>
-    </p:extLst>
-  </p:cSld>
-  <p:clrMapOvr>
-    <a:masterClrMapping/>
-  </p:clrMapOvr>
-</p:sld>
-</file>
-
-<file path=ppt/slides/slide9.xml><?xml version="1.0" encoding="utf-8"?>
-<p:sld xmlns:a="http://schemas.openxmlformats.org/drawingml/2006/main" xmlns:r="http://schemas.openxmlformats.org/officeDocument/2006/relationships" xmlns:p="http://schemas.openxmlformats.org/presentationml/2006/main">
-  <p:cSld>
-    <p:bg>
-      <p:bgPr>
-        <a:solidFill>
-          <a:schemeClr val="bg1"/>
-        </a:solidFill>
-        <a:effectLst/>
-      </p:bgPr>
-    </p:bg>
-    <p:spTree>
-      <p:nvGrpSpPr>
-        <p:cNvPr id="1" name="">
-          <a:extLst>
-            <a:ext uri="{FF2B5EF4-FFF2-40B4-BE49-F238E27FC236}">
-              <a16:creationId xmlns:a16="http://schemas.microsoft.com/office/drawing/2014/main" id="{5173861B-292F-0B2A-E862-6BC86C2E9163}"/>
-            </a:ext>
-          </a:extLst>
-        </p:cNvPr>
-        <p:cNvGrpSpPr/>
-        <p:nvPr/>
-      </p:nvGrpSpPr>
-      <p:grpSpPr>
-        <a:xfrm>
-          <a:off x="0" y="0"/>
-          <a:ext cx="0" cy="0"/>
-          <a:chOff x="0" y="0"/>
-          <a:chExt cx="0" cy="0"/>
-        </a:xfrm>
-      </p:grpSpPr>
-      <p:sp useBgFill="1">
-        <p:nvSpPr>
-          <p:cNvPr id="25" name="Rectangle 24">
-            <a:extLst>
-              <a:ext uri="{FF2B5EF4-FFF2-40B4-BE49-F238E27FC236}">
-                <a16:creationId xmlns:a16="http://schemas.microsoft.com/office/drawing/2014/main" id="{5EA16F43-A558-5D69-147B-26036E6B3303}"/>
-              </a:ext>
-              <a:ext uri="{C183D7F6-B498-43B3-948B-1728B52AA6E4}">
-                <adec:decorative xmlns:adec="http://schemas.microsoft.com/office/drawing/2017/decorative" val="1"/>
-              </a:ext>
-            </a:extLst>
-          </p:cNvPr>
-          <p:cNvSpPr>
-            <a:spLocks noGrp="1" noRot="1" noChangeAspect="1" noMove="1" noResize="1" noEditPoints="1" noAdjustHandles="1" noChangeArrowheads="1" noChangeShapeType="1" noTextEdit="1"/>
-          </p:cNvSpPr>
-          <p:nvPr>
-            <p:extLst>
-              <p:ext uri="{386F3935-93C4-4BCD-93E2-E3B085C9AB24}">
-                <p16:designElem xmlns:p16="http://schemas.microsoft.com/office/powerpoint/2015/main" val="1"/>
-              </p:ext>
-            </p:extLst>
-          </p:nvPr>
-        </p:nvSpPr>
-        <p:spPr>
-          <a:xfrm>
-            <a:off x="0" y="0"/>
-            <a:ext cx="9141714" cy="6858000"/>
-          </a:xfrm>
-          <a:prstGeom prst="rect">
-            <a:avLst/>
-          </a:prstGeom>
-          <a:ln>
-            <a:noFill/>
-          </a:ln>
-        </p:spPr>
-        <p:style>
-          <a:lnRef idx="2">
-            <a:schemeClr val="accent1">
-              <a:shade val="50000"/>
-            </a:schemeClr>
-          </a:lnRef>
-          <a:fillRef idx="1">
-            <a:schemeClr val="accent1"/>
-          </a:fillRef>
-          <a:effectRef idx="0">
-            <a:schemeClr val="accent1"/>
-          </a:effectRef>
-          <a:fontRef idx="minor">
-            <a:schemeClr val="lt1"/>
-          </a:fontRef>
-        </p:style>
-        <p:txBody>
-          <a:bodyPr rtlCol="0" anchor="ctr"/>
-          <a:lstStyle/>
-          <a:p>
-            <a:pPr algn="ctr"/>
-            <a:endParaRPr lang="en-US"/>
-          </a:p>
-        </p:txBody>
-      </p:sp>
-      <p:sp>
-        <p:nvSpPr>
-          <p:cNvPr id="2" name="Title 1">
-            <a:extLst>
-              <a:ext uri="{FF2B5EF4-FFF2-40B4-BE49-F238E27FC236}">
-                <a16:creationId xmlns:a16="http://schemas.microsoft.com/office/drawing/2014/main" id="{E7AD746A-B4E6-5A63-0FE7-3CA4C0B8B306}"/>
-              </a:ext>
-            </a:extLst>
-          </p:cNvPr>
-          <p:cNvSpPr>
-            <a:spLocks noGrp="1"/>
-          </p:cNvSpPr>
-          <p:nvPr>
-            <p:ph type="title"/>
-          </p:nvPr>
-        </p:nvSpPr>
-        <p:spPr>
-          <a:xfrm>
-            <a:off x="756138" y="174032"/>
-            <a:ext cx="7631723" cy="1111843"/>
-          </a:xfrm>
-        </p:spPr>
-        <p:txBody>
-          <a:bodyPr vert="horz" lIns="91440" tIns="45720" rIns="91440" bIns="45720" rtlCol="0" anchor="ctr">
-            <a:normAutofit/>
-          </a:bodyPr>
-          <a:lstStyle/>
-          <a:p>
-            <a:pPr defTabSz="914400">
-              <a:lnSpc>
-                <a:spcPct val="90000"/>
-              </a:lnSpc>
-            </a:pPr>
-            <a:r>
-              <a:rPr lang="en-US" sz="3500" kern="1200" dirty="0">
-                <a:solidFill>
-                  <a:schemeClr val="tx1"/>
-                </a:solidFill>
-                <a:latin typeface="+mj-lt"/>
-                <a:ea typeface="+mj-ea"/>
-                <a:cs typeface="+mj-cs"/>
-              </a:rPr>
-              <a:t>PHP Doesn't Support It Directly</a:t>
-            </a:r>
-          </a:p>
-        </p:txBody>
-      </p:sp>
-      <p:sp>
-        <p:nvSpPr>
-          <p:cNvPr id="7" name="TextBox 6">
-            <a:extLst>
-              <a:ext uri="{FF2B5EF4-FFF2-40B4-BE49-F238E27FC236}">
-                <a16:creationId xmlns:a16="http://schemas.microsoft.com/office/drawing/2014/main" id="{172D1A38-8125-2C35-D02B-A784C626E292}"/>
-              </a:ext>
-            </a:extLst>
-          </p:cNvPr>
-          <p:cNvSpPr txBox="1"/>
-          <p:nvPr/>
-        </p:nvSpPr>
-        <p:spPr>
-          <a:xfrm>
-            <a:off x="756138" y="1459907"/>
-            <a:ext cx="7631722" cy="767904"/>
-          </a:xfrm>
-          <a:prstGeom prst="rect">
-            <a:avLst/>
-          </a:prstGeom>
-        </p:spPr>
-        <p:txBody>
-          <a:bodyPr vert="horz" lIns="91440" tIns="45720" rIns="91440" bIns="45720" rtlCol="0" anchor="ctr">
-            <a:normAutofit/>
-          </a:bodyPr>
-          <a:lstStyle/>
-          <a:p>
-            <a:pPr indent="-228600" algn="ctr" defTabSz="914400">
-              <a:lnSpc>
-                <a:spcPct val="90000"/>
-              </a:lnSpc>
-              <a:spcAft>
-                <a:spcPts val="600"/>
-              </a:spcAft>
-              <a:buFont typeface="Arial" panose="020B0604020202020204" pitchFamily="34" charset="0"/>
-              <a:buChar char="•"/>
-            </a:pPr>
-            <a:r>
-              <a:rPr lang="en-US" sz="1200" dirty="0"/>
-              <a:t>PHP does not allow more than one method with the same name in a class</a:t>
-            </a:r>
-          </a:p>
-          <a:p>
-            <a:pPr indent="-228600" algn="ctr" defTabSz="914400">
-              <a:lnSpc>
-                <a:spcPct val="90000"/>
-              </a:lnSpc>
-              <a:spcAft>
-                <a:spcPts val="600"/>
-              </a:spcAft>
-              <a:buFont typeface="Arial" panose="020B0604020202020204" pitchFamily="34" charset="0"/>
-              <a:buChar char="•"/>
-            </a:pPr>
-            <a:endParaRPr lang="en-US" sz="1200" dirty="0"/>
-          </a:p>
-          <a:p>
-            <a:pPr indent="-228600" algn="ctr" defTabSz="914400">
-              <a:lnSpc>
-                <a:spcPct val="90000"/>
-              </a:lnSpc>
-              <a:spcAft>
-                <a:spcPts val="600"/>
-              </a:spcAft>
-              <a:buFont typeface="Arial" panose="020B0604020202020204" pitchFamily="34" charset="0"/>
-              <a:buChar char="•"/>
-            </a:pPr>
-            <a:r>
-              <a:rPr lang="en-US" sz="1200" dirty="0"/>
-              <a:t>If you try, it will give a fatal error</a:t>
-            </a:r>
-          </a:p>
-        </p:txBody>
-      </p:sp>
-      <p:pic>
-        <p:nvPicPr>
-          <p:cNvPr id="9" name="Picture 8">
-            <a:extLst>
-              <a:ext uri="{FF2B5EF4-FFF2-40B4-BE49-F238E27FC236}">
-                <a16:creationId xmlns:a16="http://schemas.microsoft.com/office/drawing/2014/main" id="{91F9CDB2-6AD1-8BE4-2088-5C9B9C058B95}"/>
-              </a:ext>
-            </a:extLst>
-          </p:cNvPr>
-          <p:cNvPicPr>
-            <a:picLocks noChangeAspect="1"/>
-          </p:cNvPicPr>
-          <p:nvPr/>
-        </p:nvPicPr>
-        <p:blipFill>
-          <a:blip r:embed="rId2"/>
-          <a:stretch>
-            <a:fillRect/>
-          </a:stretch>
-        </p:blipFill>
-        <p:spPr>
-          <a:xfrm>
-            <a:off x="626365" y="3201416"/>
-            <a:ext cx="7886696" cy="2306859"/>
-          </a:xfrm>
-          <a:prstGeom prst="rect">
-            <a:avLst/>
-          </a:prstGeom>
-        </p:spPr>
-      </p:pic>
-    </p:spTree>
-    <p:extLst>
-      <p:ext uri="{BB962C8B-B14F-4D97-AF65-F5344CB8AC3E}">
-        <p14:creationId xmlns:p14="http://schemas.microsoft.com/office/powerpoint/2010/main" val="3723350066"/>
-      </p:ext>
-    </p:extLst>
   </p:cSld>
   <p:clrMapOvr>
     <a:masterClrMapping/>
